--- a/CSC258 Project Presentation.pptx
+++ b/CSC258 Project Presentation.pptx
@@ -8,9 +8,12 @@
     <p:sldId id="256" r:id="rId2"/>
     <p:sldId id="257" r:id="rId3"/>
     <p:sldId id="258" r:id="rId4"/>
-    <p:sldId id="259" r:id="rId5"/>
-    <p:sldId id="261" r:id="rId6"/>
-    <p:sldId id="260" r:id="rId7"/>
+    <p:sldId id="262" r:id="rId5"/>
+    <p:sldId id="263" r:id="rId6"/>
+    <p:sldId id="264" r:id="rId7"/>
+    <p:sldId id="259" r:id="rId8"/>
+    <p:sldId id="261" r:id="rId9"/>
+    <p:sldId id="260" r:id="rId10"/>
   </p:sldIdLst>
   <p:sldSz cx="12192000" cy="6858000"/>
   <p:notesSz cx="6858000" cy="9144000"/>
@@ -109,6 +112,11 @@
       </a:defRPr>
     </a:lvl9pPr>
   </p:defaultTextStyle>
+  <p:extLst>
+    <p:ext uri="{EFAFB233-063F-42B5-8137-9DF3F51BA10A}">
+      <p15:sldGuideLst xmlns:p15="http://schemas.microsoft.com/office/powerpoint/2012/main"/>
+    </p:ext>
+  </p:extLst>
 </p:presentation>
 </file>
 
@@ -834,7 +842,7 @@
           <a:p>
             <a:fld id="{E7475369-C27B-4614-84D0-86D29F7D8C28}" type="datetimeFigureOut">
               <a:rPr lang="en-CA" smtClean="0"/>
-              <a:t>2016-11-30</a:t>
+              <a:t>2016-12-01</a:t>
             </a:fld>
             <a:endParaRPr lang="en-CA"/>
           </a:p>
@@ -1085,7 +1093,7 @@
           <a:p>
             <a:fld id="{E7475369-C27B-4614-84D0-86D29F7D8C28}" type="datetimeFigureOut">
               <a:rPr lang="en-CA" smtClean="0"/>
-              <a:t>2016-11-30</a:t>
+              <a:t>2016-12-01</a:t>
             </a:fld>
             <a:endParaRPr lang="en-CA"/>
           </a:p>
@@ -1399,7 +1407,7 @@
           <a:p>
             <a:fld id="{E7475369-C27B-4614-84D0-86D29F7D8C28}" type="datetimeFigureOut">
               <a:rPr lang="en-CA" smtClean="0"/>
-              <a:t>2016-11-30</a:t>
+              <a:t>2016-12-01</a:t>
             </a:fld>
             <a:endParaRPr lang="en-CA"/>
           </a:p>
@@ -1740,7 +1748,7 @@
           <a:p>
             <a:fld id="{E7475369-C27B-4614-84D0-86D29F7D8C28}" type="datetimeFigureOut">
               <a:rPr lang="en-CA" smtClean="0"/>
-              <a:t>2016-11-30</a:t>
+              <a:t>2016-12-01</a:t>
             </a:fld>
             <a:endParaRPr lang="en-CA"/>
           </a:p>
@@ -2054,7 +2062,7 @@
           <a:p>
             <a:fld id="{E7475369-C27B-4614-84D0-86D29F7D8C28}" type="datetimeFigureOut">
               <a:rPr lang="en-CA" smtClean="0"/>
-              <a:t>2016-11-30</a:t>
+              <a:t>2016-12-01</a:t>
             </a:fld>
             <a:endParaRPr lang="en-CA"/>
           </a:p>
@@ -2447,7 +2455,7 @@
           <a:p>
             <a:fld id="{E7475369-C27B-4614-84D0-86D29F7D8C28}" type="datetimeFigureOut">
               <a:rPr lang="en-CA" smtClean="0"/>
-              <a:t>2016-11-30</a:t>
+              <a:t>2016-12-01</a:t>
             </a:fld>
             <a:endParaRPr lang="en-CA"/>
           </a:p>
@@ -2617,7 +2625,7 @@
           <a:p>
             <a:fld id="{E7475369-C27B-4614-84D0-86D29F7D8C28}" type="datetimeFigureOut">
               <a:rPr lang="en-CA" smtClean="0"/>
-              <a:t>2016-11-30</a:t>
+              <a:t>2016-12-01</a:t>
             </a:fld>
             <a:endParaRPr lang="en-CA"/>
           </a:p>
@@ -2797,7 +2805,7 @@
           <a:p>
             <a:fld id="{E7475369-C27B-4614-84D0-86D29F7D8C28}" type="datetimeFigureOut">
               <a:rPr lang="en-CA" smtClean="0"/>
-              <a:t>2016-11-30</a:t>
+              <a:t>2016-12-01</a:t>
             </a:fld>
             <a:endParaRPr lang="en-CA"/>
           </a:p>
@@ -2973,7 +2981,7 @@
           <a:p>
             <a:fld id="{E7475369-C27B-4614-84D0-86D29F7D8C28}" type="datetimeFigureOut">
               <a:rPr lang="en-CA" smtClean="0"/>
-              <a:t>2016-11-30</a:t>
+              <a:t>2016-12-01</a:t>
             </a:fld>
             <a:endParaRPr lang="en-CA"/>
           </a:p>
@@ -3220,7 +3228,7 @@
           <a:p>
             <a:fld id="{E7475369-C27B-4614-84D0-86D29F7D8C28}" type="datetimeFigureOut">
               <a:rPr lang="en-CA" smtClean="0"/>
-              <a:t>2016-11-30</a:t>
+              <a:t>2016-12-01</a:t>
             </a:fld>
             <a:endParaRPr lang="en-CA"/>
           </a:p>
@@ -3452,7 +3460,7 @@
           <a:p>
             <a:fld id="{E7475369-C27B-4614-84D0-86D29F7D8C28}" type="datetimeFigureOut">
               <a:rPr lang="en-CA" smtClean="0"/>
-              <a:t>2016-11-30</a:t>
+              <a:t>2016-12-01</a:t>
             </a:fld>
             <a:endParaRPr lang="en-CA"/>
           </a:p>
@@ -3826,7 +3834,7 @@
           <a:p>
             <a:fld id="{E7475369-C27B-4614-84D0-86D29F7D8C28}" type="datetimeFigureOut">
               <a:rPr lang="en-CA" smtClean="0"/>
-              <a:t>2016-11-30</a:t>
+              <a:t>2016-12-01</a:t>
             </a:fld>
             <a:endParaRPr lang="en-CA"/>
           </a:p>
@@ -3949,7 +3957,7 @@
           <a:p>
             <a:fld id="{E7475369-C27B-4614-84D0-86D29F7D8C28}" type="datetimeFigureOut">
               <a:rPr lang="en-CA" smtClean="0"/>
-              <a:t>2016-11-30</a:t>
+              <a:t>2016-12-01</a:t>
             </a:fld>
             <a:endParaRPr lang="en-CA"/>
           </a:p>
@@ -4044,7 +4052,7 @@
           <a:p>
             <a:fld id="{E7475369-C27B-4614-84D0-86D29F7D8C28}" type="datetimeFigureOut">
               <a:rPr lang="en-CA" smtClean="0"/>
-              <a:t>2016-11-30</a:t>
+              <a:t>2016-12-01</a:t>
             </a:fld>
             <a:endParaRPr lang="en-CA"/>
           </a:p>
@@ -4299,7 +4307,7 @@
           <a:p>
             <a:fld id="{E7475369-C27B-4614-84D0-86D29F7D8C28}" type="datetimeFigureOut">
               <a:rPr lang="en-CA" smtClean="0"/>
-              <a:t>2016-11-30</a:t>
+              <a:t>2016-12-01</a:t>
             </a:fld>
             <a:endParaRPr lang="en-CA"/>
           </a:p>
@@ -4562,7 +4570,7 @@
           <a:p>
             <a:fld id="{E7475369-C27B-4614-84D0-86D29F7D8C28}" type="datetimeFigureOut">
               <a:rPr lang="en-CA" smtClean="0"/>
-              <a:t>2016-11-30</a:t>
+              <a:t>2016-12-01</a:t>
             </a:fld>
             <a:endParaRPr lang="en-CA"/>
           </a:p>
@@ -5305,7 +5313,7 @@
           <a:p>
             <a:fld id="{E7475369-C27B-4614-84D0-86D29F7D8C28}" type="datetimeFigureOut">
               <a:rPr lang="en-CA" smtClean="0"/>
-              <a:t>2016-11-30</a:t>
+              <a:t>2016-12-01</a:t>
             </a:fld>
             <a:endParaRPr lang="en-CA"/>
           </a:p>
@@ -6053,12 +6061,1287 @@
           <a:p>
             <a:r>
               <a:rPr lang="en-US" dirty="0" smtClean="0"/>
-              <a:t>Block Diagram</a:t>
+              <a:t>Block </a:t>
+            </a:r>
+            <a:r>
+              <a:rPr lang="en-US" dirty="0" smtClean="0"/>
+              <a:t>Diagram - Timer</a:t>
             </a:r>
             <a:endParaRPr lang="en-CA" dirty="0"/>
           </a:p>
         </p:txBody>
       </p:sp>
+      <p:grpSp>
+        <p:nvGrpSpPr>
+          <p:cNvPr id="107" name="Group 106"/>
+          <p:cNvGrpSpPr/>
+          <p:nvPr/>
+        </p:nvGrpSpPr>
+        <p:grpSpPr>
+          <a:xfrm>
+            <a:off x="480597" y="1295400"/>
+            <a:ext cx="9009120" cy="4944531"/>
+            <a:chOff x="480597" y="1295400"/>
+            <a:chExt cx="9009120" cy="4944531"/>
+          </a:xfrm>
+        </p:grpSpPr>
+        <p:sp>
+          <p:nvSpPr>
+            <p:cNvPr id="3" name="Rectangle 2"/>
+            <p:cNvSpPr/>
+            <p:nvPr/>
+          </p:nvSpPr>
+          <p:spPr>
+            <a:xfrm>
+              <a:off x="3727236" y="2709333"/>
+              <a:ext cx="1159933" cy="872066"/>
+            </a:xfrm>
+            <a:prstGeom prst="rect">
+              <a:avLst/>
+            </a:prstGeom>
+          </p:spPr>
+          <p:style>
+            <a:lnRef idx="2">
+              <a:schemeClr val="accent1">
+                <a:shade val="50000"/>
+              </a:schemeClr>
+            </a:lnRef>
+            <a:fillRef idx="1">
+              <a:schemeClr val="accent1"/>
+            </a:fillRef>
+            <a:effectRef idx="0">
+              <a:schemeClr val="accent1"/>
+            </a:effectRef>
+            <a:fontRef idx="minor">
+              <a:schemeClr val="lt1"/>
+            </a:fontRef>
+          </p:style>
+          <p:txBody>
+            <a:bodyPr rtlCol="0" anchor="ctr"/>
+            <a:lstStyle/>
+            <a:p>
+              <a:pPr algn="ctr"/>
+              <a:r>
+                <a:rPr lang="en-US" dirty="0" smtClean="0"/>
+                <a:t>6-Counter</a:t>
+              </a:r>
+              <a:endParaRPr lang="en-CA" dirty="0"/>
+            </a:p>
+          </p:txBody>
+        </p:sp>
+        <p:sp>
+          <p:nvSpPr>
+            <p:cNvPr id="4" name="Rectangle 3"/>
+            <p:cNvSpPr/>
+            <p:nvPr/>
+          </p:nvSpPr>
+          <p:spPr>
+            <a:xfrm>
+              <a:off x="5230902" y="2709333"/>
+              <a:ext cx="1159933" cy="872066"/>
+            </a:xfrm>
+            <a:prstGeom prst="rect">
+              <a:avLst/>
+            </a:prstGeom>
+          </p:spPr>
+          <p:style>
+            <a:lnRef idx="2">
+              <a:schemeClr val="accent1">
+                <a:shade val="50000"/>
+              </a:schemeClr>
+            </a:lnRef>
+            <a:fillRef idx="1">
+              <a:schemeClr val="accent1"/>
+            </a:fillRef>
+            <a:effectRef idx="0">
+              <a:schemeClr val="accent1"/>
+            </a:effectRef>
+            <a:fontRef idx="minor">
+              <a:schemeClr val="lt1"/>
+            </a:fontRef>
+          </p:style>
+          <p:txBody>
+            <a:bodyPr rtlCol="0" anchor="ctr"/>
+            <a:lstStyle/>
+            <a:p>
+              <a:pPr algn="ctr"/>
+              <a:r>
+                <a:rPr lang="en-US" dirty="0" smtClean="0"/>
+                <a:t>10 Counter</a:t>
+              </a:r>
+              <a:endParaRPr lang="en-CA" dirty="0"/>
+            </a:p>
+          </p:txBody>
+        </p:sp>
+        <p:sp>
+          <p:nvSpPr>
+            <p:cNvPr id="5" name="Rectangle 4"/>
+            <p:cNvSpPr/>
+            <p:nvPr/>
+          </p:nvSpPr>
+          <p:spPr>
+            <a:xfrm>
+              <a:off x="6732008" y="2709333"/>
+              <a:ext cx="1159933" cy="872066"/>
+            </a:xfrm>
+            <a:prstGeom prst="rect">
+              <a:avLst/>
+            </a:prstGeom>
+          </p:spPr>
+          <p:style>
+            <a:lnRef idx="2">
+              <a:schemeClr val="accent1">
+                <a:shade val="50000"/>
+              </a:schemeClr>
+            </a:lnRef>
+            <a:fillRef idx="1">
+              <a:schemeClr val="accent1"/>
+            </a:fillRef>
+            <a:effectRef idx="0">
+              <a:schemeClr val="accent1"/>
+            </a:effectRef>
+            <a:fontRef idx="minor">
+              <a:schemeClr val="lt1"/>
+            </a:fontRef>
+          </p:style>
+          <p:txBody>
+            <a:bodyPr rtlCol="0" anchor="ctr"/>
+            <a:lstStyle/>
+            <a:p>
+              <a:pPr algn="ctr"/>
+              <a:r>
+                <a:rPr lang="en-US" dirty="0" smtClean="0"/>
+                <a:t>10 Counter</a:t>
+              </a:r>
+              <a:endParaRPr lang="en-CA" dirty="0"/>
+            </a:p>
+          </p:txBody>
+        </p:sp>
+        <p:sp>
+          <p:nvSpPr>
+            <p:cNvPr id="6" name="Rectangle 5"/>
+            <p:cNvSpPr/>
+            <p:nvPr/>
+          </p:nvSpPr>
+          <p:spPr>
+            <a:xfrm>
+              <a:off x="8233114" y="2709333"/>
+              <a:ext cx="1159933" cy="872066"/>
+            </a:xfrm>
+            <a:prstGeom prst="rect">
+              <a:avLst/>
+            </a:prstGeom>
+          </p:spPr>
+          <p:style>
+            <a:lnRef idx="2">
+              <a:schemeClr val="accent1">
+                <a:shade val="50000"/>
+              </a:schemeClr>
+            </a:lnRef>
+            <a:fillRef idx="1">
+              <a:schemeClr val="accent1"/>
+            </a:fillRef>
+            <a:effectRef idx="0">
+              <a:schemeClr val="accent1"/>
+            </a:effectRef>
+            <a:fontRef idx="minor">
+              <a:schemeClr val="lt1"/>
+            </a:fontRef>
+          </p:style>
+          <p:txBody>
+            <a:bodyPr rtlCol="0" anchor="ctr"/>
+            <a:lstStyle/>
+            <a:p>
+              <a:pPr algn="ctr"/>
+              <a:r>
+                <a:rPr lang="en-US" dirty="0" smtClean="0"/>
+                <a:t>10 Counter</a:t>
+              </a:r>
+              <a:endParaRPr lang="en-CA" dirty="0"/>
+            </a:p>
+          </p:txBody>
+        </p:sp>
+        <p:sp>
+          <p:nvSpPr>
+            <p:cNvPr id="7" name="Rectangle 6"/>
+            <p:cNvSpPr/>
+            <p:nvPr/>
+          </p:nvSpPr>
+          <p:spPr>
+            <a:xfrm>
+              <a:off x="2223570" y="2709333"/>
+              <a:ext cx="1159933" cy="872066"/>
+            </a:xfrm>
+            <a:prstGeom prst="rect">
+              <a:avLst/>
+            </a:prstGeom>
+          </p:spPr>
+          <p:style>
+            <a:lnRef idx="2">
+              <a:schemeClr val="accent1">
+                <a:shade val="50000"/>
+              </a:schemeClr>
+            </a:lnRef>
+            <a:fillRef idx="1">
+              <a:schemeClr val="accent1"/>
+            </a:fillRef>
+            <a:effectRef idx="0">
+              <a:schemeClr val="accent1"/>
+            </a:effectRef>
+            <a:fontRef idx="minor">
+              <a:schemeClr val="lt1"/>
+            </a:fontRef>
+          </p:style>
+          <p:txBody>
+            <a:bodyPr rtlCol="0" anchor="ctr"/>
+            <a:lstStyle/>
+            <a:p>
+              <a:pPr algn="ctr"/>
+              <a:r>
+                <a:rPr lang="en-US" dirty="0" smtClean="0"/>
+                <a:t>2-Counter</a:t>
+              </a:r>
+              <a:endParaRPr lang="en-CA" dirty="0"/>
+            </a:p>
+          </p:txBody>
+        </p:sp>
+        <p:sp>
+          <p:nvSpPr>
+            <p:cNvPr id="12" name="TextBox 11"/>
+            <p:cNvSpPr txBox="1"/>
+            <p:nvPr/>
+          </p:nvSpPr>
+          <p:spPr>
+            <a:xfrm>
+              <a:off x="3822261" y="2348468"/>
+              <a:ext cx="963854" cy="369332"/>
+            </a:xfrm>
+            <a:prstGeom prst="rect">
+              <a:avLst/>
+            </a:prstGeom>
+            <a:noFill/>
+          </p:spPr>
+          <p:txBody>
+            <a:bodyPr wrap="none" rtlCol="0">
+              <a:spAutoFit/>
+            </a:bodyPr>
+            <a:lstStyle/>
+            <a:p>
+              <a:r>
+                <a:rPr lang="en-US" dirty="0" smtClean="0"/>
+                <a:t>Ten Sec</a:t>
+              </a:r>
+              <a:endParaRPr lang="en-CA" dirty="0"/>
+            </a:p>
+          </p:txBody>
+        </p:sp>
+        <p:cxnSp>
+          <p:nvCxnSpPr>
+            <p:cNvPr id="16" name="Straight Arrow Connector 15"/>
+            <p:cNvCxnSpPr>
+              <a:stCxn id="6" idx="1"/>
+              <a:endCxn id="5" idx="3"/>
+            </p:cNvCxnSpPr>
+            <p:nvPr/>
+          </p:nvCxnSpPr>
+          <p:spPr>
+            <a:xfrm flipH="1">
+              <a:off x="7891941" y="3145366"/>
+              <a:ext cx="341173" cy="0"/>
+            </a:xfrm>
+            <a:prstGeom prst="straightConnector1">
+              <a:avLst/>
+            </a:prstGeom>
+            <a:ln>
+              <a:tailEnd type="triangle"/>
+            </a:ln>
+          </p:spPr>
+          <p:style>
+            <a:lnRef idx="1">
+              <a:schemeClr val="accent1"/>
+            </a:lnRef>
+            <a:fillRef idx="0">
+              <a:schemeClr val="accent1"/>
+            </a:fillRef>
+            <a:effectRef idx="0">
+              <a:schemeClr val="accent1"/>
+            </a:effectRef>
+            <a:fontRef idx="minor">
+              <a:schemeClr val="tx1"/>
+            </a:fontRef>
+          </p:style>
+        </p:cxnSp>
+        <p:cxnSp>
+          <p:nvCxnSpPr>
+            <p:cNvPr id="19" name="Straight Arrow Connector 18"/>
+            <p:cNvCxnSpPr>
+              <a:endCxn id="4" idx="3"/>
+            </p:cNvCxnSpPr>
+            <p:nvPr/>
+          </p:nvCxnSpPr>
+          <p:spPr>
+            <a:xfrm flipH="1">
+              <a:off x="6390835" y="3145366"/>
+              <a:ext cx="341173" cy="0"/>
+            </a:xfrm>
+            <a:prstGeom prst="straightConnector1">
+              <a:avLst/>
+            </a:prstGeom>
+            <a:ln>
+              <a:tailEnd type="triangle"/>
+            </a:ln>
+          </p:spPr>
+          <p:style>
+            <a:lnRef idx="1">
+              <a:schemeClr val="accent1"/>
+            </a:lnRef>
+            <a:fillRef idx="0">
+              <a:schemeClr val="accent1"/>
+            </a:fillRef>
+            <a:effectRef idx="0">
+              <a:schemeClr val="accent1"/>
+            </a:effectRef>
+            <a:fontRef idx="minor">
+              <a:schemeClr val="tx1"/>
+            </a:fontRef>
+          </p:style>
+        </p:cxnSp>
+        <p:cxnSp>
+          <p:nvCxnSpPr>
+            <p:cNvPr id="22" name="Straight Arrow Connector 21"/>
+            <p:cNvCxnSpPr>
+              <a:stCxn id="4" idx="1"/>
+              <a:endCxn id="3" idx="3"/>
+            </p:cNvCxnSpPr>
+            <p:nvPr/>
+          </p:nvCxnSpPr>
+          <p:spPr>
+            <a:xfrm flipH="1">
+              <a:off x="4887169" y="3145366"/>
+              <a:ext cx="343733" cy="0"/>
+            </a:xfrm>
+            <a:prstGeom prst="straightConnector1">
+              <a:avLst/>
+            </a:prstGeom>
+            <a:ln>
+              <a:tailEnd type="triangle"/>
+            </a:ln>
+          </p:spPr>
+          <p:style>
+            <a:lnRef idx="1">
+              <a:schemeClr val="accent1"/>
+            </a:lnRef>
+            <a:fillRef idx="0">
+              <a:schemeClr val="accent1"/>
+            </a:fillRef>
+            <a:effectRef idx="0">
+              <a:schemeClr val="accent1"/>
+            </a:effectRef>
+            <a:fontRef idx="minor">
+              <a:schemeClr val="tx1"/>
+            </a:fontRef>
+          </p:style>
+        </p:cxnSp>
+        <p:cxnSp>
+          <p:nvCxnSpPr>
+            <p:cNvPr id="25" name="Straight Arrow Connector 24"/>
+            <p:cNvCxnSpPr>
+              <a:stCxn id="3" idx="1"/>
+              <a:endCxn id="7" idx="3"/>
+            </p:cNvCxnSpPr>
+            <p:nvPr/>
+          </p:nvCxnSpPr>
+          <p:spPr>
+            <a:xfrm flipH="1">
+              <a:off x="3383503" y="3145366"/>
+              <a:ext cx="343733" cy="0"/>
+            </a:xfrm>
+            <a:prstGeom prst="straightConnector1">
+              <a:avLst/>
+            </a:prstGeom>
+            <a:ln>
+              <a:tailEnd type="triangle"/>
+            </a:ln>
+          </p:spPr>
+          <p:style>
+            <a:lnRef idx="1">
+              <a:schemeClr val="accent1"/>
+            </a:lnRef>
+            <a:fillRef idx="0">
+              <a:schemeClr val="accent1"/>
+            </a:fillRef>
+            <a:effectRef idx="0">
+              <a:schemeClr val="accent1"/>
+            </a:effectRef>
+            <a:fontRef idx="minor">
+              <a:schemeClr val="tx1"/>
+            </a:fontRef>
+          </p:style>
+        </p:cxnSp>
+        <p:cxnSp>
+          <p:nvCxnSpPr>
+            <p:cNvPr id="32" name="Straight Arrow Connector 31"/>
+            <p:cNvCxnSpPr>
+              <a:stCxn id="7" idx="1"/>
+            </p:cNvCxnSpPr>
+            <p:nvPr/>
+          </p:nvCxnSpPr>
+          <p:spPr>
+            <a:xfrm flipH="1">
+              <a:off x="1761578" y="3145366"/>
+              <a:ext cx="461992" cy="0"/>
+            </a:xfrm>
+            <a:prstGeom prst="straightConnector1">
+              <a:avLst/>
+            </a:prstGeom>
+            <a:ln>
+              <a:tailEnd type="triangle"/>
+            </a:ln>
+          </p:spPr>
+          <p:style>
+            <a:lnRef idx="1">
+              <a:schemeClr val="accent1"/>
+            </a:lnRef>
+            <a:fillRef idx="0">
+              <a:schemeClr val="accent1"/>
+            </a:fillRef>
+            <a:effectRef idx="0">
+              <a:schemeClr val="accent1"/>
+            </a:effectRef>
+            <a:fontRef idx="minor">
+              <a:schemeClr val="tx1"/>
+            </a:fontRef>
+          </p:style>
+        </p:cxnSp>
+        <p:sp>
+          <p:nvSpPr>
+            <p:cNvPr id="36" name="Rectangle 35"/>
+            <p:cNvSpPr/>
+            <p:nvPr/>
+          </p:nvSpPr>
+          <p:spPr>
+            <a:xfrm>
+              <a:off x="8136441" y="4017432"/>
+              <a:ext cx="1353276" cy="838200"/>
+            </a:xfrm>
+            <a:prstGeom prst="rect">
+              <a:avLst/>
+            </a:prstGeom>
+          </p:spPr>
+          <p:style>
+            <a:lnRef idx="2">
+              <a:schemeClr val="accent1">
+                <a:shade val="50000"/>
+              </a:schemeClr>
+            </a:lnRef>
+            <a:fillRef idx="1">
+              <a:schemeClr val="accent1"/>
+            </a:fillRef>
+            <a:effectRef idx="0">
+              <a:schemeClr val="accent1"/>
+            </a:effectRef>
+            <a:fontRef idx="minor">
+              <a:schemeClr val="lt1"/>
+            </a:fontRef>
+          </p:style>
+          <p:txBody>
+            <a:bodyPr rtlCol="0" anchor="ctr"/>
+            <a:lstStyle/>
+            <a:p>
+              <a:pPr algn="ctr"/>
+              <a:r>
+                <a:rPr lang="en-US" dirty="0" smtClean="0"/>
+                <a:t>C-Sec Rate Divider</a:t>
+              </a:r>
+              <a:endParaRPr lang="en-CA" dirty="0"/>
+            </a:p>
+          </p:txBody>
+        </p:sp>
+        <p:cxnSp>
+          <p:nvCxnSpPr>
+            <p:cNvPr id="46" name="Straight Arrow Connector 45"/>
+            <p:cNvCxnSpPr>
+              <a:stCxn id="55" idx="0"/>
+              <a:endCxn id="36" idx="2"/>
+            </p:cNvCxnSpPr>
+            <p:nvPr/>
+          </p:nvCxnSpPr>
+          <p:spPr>
+            <a:xfrm flipV="1">
+              <a:off x="8810065" y="4855632"/>
+              <a:ext cx="3014" cy="359831"/>
+            </a:xfrm>
+            <a:prstGeom prst="straightConnector1">
+              <a:avLst/>
+            </a:prstGeom>
+            <a:ln>
+              <a:tailEnd type="triangle"/>
+            </a:ln>
+          </p:spPr>
+          <p:style>
+            <a:lnRef idx="1">
+              <a:schemeClr val="accent1"/>
+            </a:lnRef>
+            <a:fillRef idx="0">
+              <a:schemeClr val="accent1"/>
+            </a:fillRef>
+            <a:effectRef idx="0">
+              <a:schemeClr val="accent1"/>
+            </a:effectRef>
+            <a:fontRef idx="minor">
+              <a:schemeClr val="tx1"/>
+            </a:fontRef>
+          </p:style>
+        </p:cxnSp>
+        <p:sp>
+          <p:nvSpPr>
+            <p:cNvPr id="54" name="Oval 53"/>
+            <p:cNvSpPr/>
+            <p:nvPr/>
+          </p:nvSpPr>
+          <p:spPr>
+            <a:xfrm>
+              <a:off x="480597" y="2815166"/>
+              <a:ext cx="1280981" cy="660400"/>
+            </a:xfrm>
+            <a:prstGeom prst="ellipse">
+              <a:avLst/>
+            </a:prstGeom>
+          </p:spPr>
+          <p:style>
+            <a:lnRef idx="2">
+              <a:schemeClr val="accent1">
+                <a:shade val="50000"/>
+              </a:schemeClr>
+            </a:lnRef>
+            <a:fillRef idx="1">
+              <a:schemeClr val="accent1"/>
+            </a:fillRef>
+            <a:effectRef idx="0">
+              <a:schemeClr val="accent1"/>
+            </a:effectRef>
+            <a:fontRef idx="minor">
+              <a:schemeClr val="lt1"/>
+            </a:fontRef>
+          </p:style>
+          <p:txBody>
+            <a:bodyPr rtlCol="0" anchor="ctr"/>
+            <a:lstStyle/>
+            <a:p>
+              <a:pPr algn="ctr"/>
+              <a:r>
+                <a:rPr lang="en-US" dirty="0" smtClean="0"/>
+                <a:t>Out Pulse</a:t>
+              </a:r>
+              <a:endParaRPr lang="en-CA" dirty="0"/>
+            </a:p>
+          </p:txBody>
+        </p:sp>
+        <p:sp>
+          <p:nvSpPr>
+            <p:cNvPr id="55" name="Oval 54"/>
+            <p:cNvSpPr/>
+            <p:nvPr/>
+          </p:nvSpPr>
+          <p:spPr>
+            <a:xfrm>
+              <a:off x="8198614" y="5215463"/>
+              <a:ext cx="1222902" cy="1024468"/>
+            </a:xfrm>
+            <a:prstGeom prst="ellipse">
+              <a:avLst/>
+            </a:prstGeom>
+          </p:spPr>
+          <p:style>
+            <a:lnRef idx="2">
+              <a:schemeClr val="accent1">
+                <a:shade val="50000"/>
+              </a:schemeClr>
+            </a:lnRef>
+            <a:fillRef idx="1">
+              <a:schemeClr val="accent1"/>
+            </a:fillRef>
+            <a:effectRef idx="0">
+              <a:schemeClr val="accent1"/>
+            </a:effectRef>
+            <a:fontRef idx="minor">
+              <a:schemeClr val="lt1"/>
+            </a:fontRef>
+          </p:style>
+          <p:txBody>
+            <a:bodyPr rtlCol="0" anchor="ctr"/>
+            <a:lstStyle/>
+            <a:p>
+              <a:r>
+                <a:rPr lang="en-US" dirty="0"/>
+                <a:t>50Mhz Clock</a:t>
+              </a:r>
+              <a:endParaRPr lang="en-CA" dirty="0"/>
+            </a:p>
+          </p:txBody>
+        </p:sp>
+        <p:sp>
+          <p:nvSpPr>
+            <p:cNvPr id="58" name="Oval 57"/>
+            <p:cNvSpPr/>
+            <p:nvPr/>
+          </p:nvSpPr>
+          <p:spPr>
+            <a:xfrm>
+              <a:off x="2192084" y="4119032"/>
+              <a:ext cx="1381696" cy="1024468"/>
+            </a:xfrm>
+            <a:prstGeom prst="ellipse">
+              <a:avLst/>
+            </a:prstGeom>
+          </p:spPr>
+          <p:style>
+            <a:lnRef idx="2">
+              <a:schemeClr val="accent1">
+                <a:shade val="50000"/>
+              </a:schemeClr>
+            </a:lnRef>
+            <a:fillRef idx="1">
+              <a:schemeClr val="accent1"/>
+            </a:fillRef>
+            <a:effectRef idx="0">
+              <a:schemeClr val="accent1"/>
+            </a:effectRef>
+            <a:fontRef idx="minor">
+              <a:schemeClr val="lt1"/>
+            </a:fontRef>
+          </p:style>
+          <p:txBody>
+            <a:bodyPr rtlCol="0" anchor="ctr"/>
+            <a:lstStyle/>
+            <a:p>
+              <a:r>
+                <a:rPr lang="en-US" dirty="0" smtClean="0"/>
+                <a:t>Reset / Enable</a:t>
+              </a:r>
+              <a:endParaRPr lang="en-CA" dirty="0"/>
+            </a:p>
+          </p:txBody>
+        </p:sp>
+        <p:cxnSp>
+          <p:nvCxnSpPr>
+            <p:cNvPr id="60" name="Elbow Connector 59"/>
+            <p:cNvCxnSpPr>
+              <a:stCxn id="58" idx="0"/>
+              <a:endCxn id="7" idx="2"/>
+            </p:cNvCxnSpPr>
+            <p:nvPr/>
+          </p:nvCxnSpPr>
+          <p:spPr>
+            <a:xfrm rot="16200000" flipV="1">
+              <a:off x="2574419" y="3810518"/>
+              <a:ext cx="537633" cy="79395"/>
+            </a:xfrm>
+            <a:prstGeom prst="bentConnector3">
+              <a:avLst/>
+            </a:prstGeom>
+            <a:ln>
+              <a:tailEnd type="triangle"/>
+            </a:ln>
+          </p:spPr>
+          <p:style>
+            <a:lnRef idx="1">
+              <a:schemeClr val="accent1"/>
+            </a:lnRef>
+            <a:fillRef idx="0">
+              <a:schemeClr val="accent1"/>
+            </a:fillRef>
+            <a:effectRef idx="0">
+              <a:schemeClr val="accent1"/>
+            </a:effectRef>
+            <a:fontRef idx="minor">
+              <a:schemeClr val="tx1"/>
+            </a:fontRef>
+          </p:style>
+        </p:cxnSp>
+        <p:cxnSp>
+          <p:nvCxnSpPr>
+            <p:cNvPr id="61" name="Elbow Connector 60"/>
+            <p:cNvCxnSpPr>
+              <a:stCxn id="58" idx="0"/>
+              <a:endCxn id="3" idx="2"/>
+            </p:cNvCxnSpPr>
+            <p:nvPr/>
+          </p:nvCxnSpPr>
+          <p:spPr>
+            <a:xfrm rot="5400000" flipH="1" flipV="1">
+              <a:off x="3326251" y="3138081"/>
+              <a:ext cx="537633" cy="1424271"/>
+            </a:xfrm>
+            <a:prstGeom prst="bentConnector3">
+              <a:avLst/>
+            </a:prstGeom>
+            <a:ln>
+              <a:tailEnd type="triangle"/>
+            </a:ln>
+          </p:spPr>
+          <p:style>
+            <a:lnRef idx="1">
+              <a:schemeClr val="accent1"/>
+            </a:lnRef>
+            <a:fillRef idx="0">
+              <a:schemeClr val="accent1"/>
+            </a:fillRef>
+            <a:effectRef idx="0">
+              <a:schemeClr val="accent1"/>
+            </a:effectRef>
+            <a:fontRef idx="minor">
+              <a:schemeClr val="tx1"/>
+            </a:fontRef>
+          </p:style>
+        </p:cxnSp>
+        <p:cxnSp>
+          <p:nvCxnSpPr>
+            <p:cNvPr id="64" name="Elbow Connector 63"/>
+            <p:cNvCxnSpPr>
+              <a:stCxn id="58" idx="0"/>
+              <a:endCxn id="4" idx="2"/>
+            </p:cNvCxnSpPr>
+            <p:nvPr/>
+          </p:nvCxnSpPr>
+          <p:spPr>
+            <a:xfrm rot="5400000" flipH="1" flipV="1">
+              <a:off x="4078084" y="2386248"/>
+              <a:ext cx="537633" cy="2927937"/>
+            </a:xfrm>
+            <a:prstGeom prst="bentConnector3">
+              <a:avLst>
+                <a:gd name="adj1" fmla="val 50000"/>
+              </a:avLst>
+            </a:prstGeom>
+            <a:ln>
+              <a:tailEnd type="triangle"/>
+            </a:ln>
+          </p:spPr>
+          <p:style>
+            <a:lnRef idx="1">
+              <a:schemeClr val="accent1"/>
+            </a:lnRef>
+            <a:fillRef idx="0">
+              <a:schemeClr val="accent1"/>
+            </a:fillRef>
+            <a:effectRef idx="0">
+              <a:schemeClr val="accent1"/>
+            </a:effectRef>
+            <a:fontRef idx="minor">
+              <a:schemeClr val="tx1"/>
+            </a:fontRef>
+          </p:style>
+        </p:cxnSp>
+        <p:cxnSp>
+          <p:nvCxnSpPr>
+            <p:cNvPr id="69" name="Elbow Connector 68"/>
+            <p:cNvCxnSpPr>
+              <a:stCxn id="58" idx="0"/>
+              <a:endCxn id="5" idx="2"/>
+            </p:cNvCxnSpPr>
+            <p:nvPr/>
+          </p:nvCxnSpPr>
+          <p:spPr>
+            <a:xfrm rot="5400000" flipH="1" flipV="1">
+              <a:off x="4828637" y="1635695"/>
+              <a:ext cx="537633" cy="4429043"/>
+            </a:xfrm>
+            <a:prstGeom prst="bentConnector3">
+              <a:avLst>
+                <a:gd name="adj1" fmla="val 50000"/>
+              </a:avLst>
+            </a:prstGeom>
+            <a:ln>
+              <a:tailEnd type="triangle"/>
+            </a:ln>
+          </p:spPr>
+          <p:style>
+            <a:lnRef idx="1">
+              <a:schemeClr val="accent1"/>
+            </a:lnRef>
+            <a:fillRef idx="0">
+              <a:schemeClr val="accent1"/>
+            </a:fillRef>
+            <a:effectRef idx="0">
+              <a:schemeClr val="accent1"/>
+            </a:effectRef>
+            <a:fontRef idx="minor">
+              <a:schemeClr val="tx1"/>
+            </a:fontRef>
+          </p:style>
+        </p:cxnSp>
+        <p:cxnSp>
+          <p:nvCxnSpPr>
+            <p:cNvPr id="76" name="Elbow Connector 75"/>
+            <p:cNvCxnSpPr>
+              <a:stCxn id="58" idx="0"/>
+              <a:endCxn id="6" idx="2"/>
+            </p:cNvCxnSpPr>
+            <p:nvPr/>
+          </p:nvCxnSpPr>
+          <p:spPr>
+            <a:xfrm rot="5400000" flipH="1" flipV="1">
+              <a:off x="5579190" y="885142"/>
+              <a:ext cx="537633" cy="5930149"/>
+            </a:xfrm>
+            <a:prstGeom prst="bentConnector3">
+              <a:avLst>
+                <a:gd name="adj1" fmla="val 50000"/>
+              </a:avLst>
+            </a:prstGeom>
+            <a:ln>
+              <a:tailEnd type="triangle"/>
+            </a:ln>
+          </p:spPr>
+          <p:style>
+            <a:lnRef idx="1">
+              <a:schemeClr val="accent1"/>
+            </a:lnRef>
+            <a:fillRef idx="0">
+              <a:schemeClr val="accent1"/>
+            </a:fillRef>
+            <a:effectRef idx="0">
+              <a:schemeClr val="accent1"/>
+            </a:effectRef>
+            <a:fontRef idx="minor">
+              <a:schemeClr val="tx1"/>
+            </a:fontRef>
+          </p:style>
+        </p:cxnSp>
+        <p:cxnSp>
+          <p:nvCxnSpPr>
+            <p:cNvPr id="79" name="Elbow Connector 78"/>
+            <p:cNvCxnSpPr>
+              <a:stCxn id="36" idx="3"/>
+              <a:endCxn id="6" idx="3"/>
+            </p:cNvCxnSpPr>
+            <p:nvPr/>
+          </p:nvCxnSpPr>
+          <p:spPr>
+            <a:xfrm flipH="1" flipV="1">
+              <a:off x="9393047" y="3145366"/>
+              <a:ext cx="96670" cy="1291166"/>
+            </a:xfrm>
+            <a:prstGeom prst="bentConnector3">
+              <a:avLst>
+                <a:gd name="adj1" fmla="val -236475"/>
+              </a:avLst>
+            </a:prstGeom>
+            <a:ln>
+              <a:tailEnd type="triangle"/>
+            </a:ln>
+          </p:spPr>
+          <p:style>
+            <a:lnRef idx="1">
+              <a:schemeClr val="accent1"/>
+            </a:lnRef>
+            <a:fillRef idx="0">
+              <a:schemeClr val="accent1"/>
+            </a:fillRef>
+            <a:effectRef idx="0">
+              <a:schemeClr val="accent1"/>
+            </a:effectRef>
+            <a:fontRef idx="minor">
+              <a:schemeClr val="tx1"/>
+            </a:fontRef>
+          </p:style>
+        </p:cxnSp>
+        <p:sp>
+          <p:nvSpPr>
+            <p:cNvPr id="83" name="Oval 82"/>
+            <p:cNvSpPr/>
+            <p:nvPr/>
+          </p:nvSpPr>
+          <p:spPr>
+            <a:xfrm>
+              <a:off x="2169529" y="1295400"/>
+              <a:ext cx="1268011" cy="880533"/>
+            </a:xfrm>
+            <a:prstGeom prst="ellipse">
+              <a:avLst/>
+            </a:prstGeom>
+          </p:spPr>
+          <p:style>
+            <a:lnRef idx="2">
+              <a:schemeClr val="accent1">
+                <a:shade val="50000"/>
+              </a:schemeClr>
+            </a:lnRef>
+            <a:fillRef idx="1">
+              <a:schemeClr val="accent1"/>
+            </a:fillRef>
+            <a:effectRef idx="0">
+              <a:schemeClr val="accent1"/>
+            </a:effectRef>
+            <a:fontRef idx="minor">
+              <a:schemeClr val="lt1"/>
+            </a:fontRef>
+          </p:style>
+          <p:txBody>
+            <a:bodyPr rtlCol="0" anchor="ctr"/>
+            <a:lstStyle/>
+            <a:p>
+              <a:pPr algn="ctr"/>
+              <a:r>
+                <a:rPr lang="en-US" dirty="0" smtClean="0"/>
+                <a:t>Reset Val = 2</a:t>
+              </a:r>
+              <a:endParaRPr lang="en-CA" dirty="0"/>
+            </a:p>
+          </p:txBody>
+        </p:sp>
+        <p:cxnSp>
+          <p:nvCxnSpPr>
+            <p:cNvPr id="85" name="Elbow Connector 84"/>
+            <p:cNvCxnSpPr>
+              <a:stCxn id="83" idx="4"/>
+              <a:endCxn id="7" idx="0"/>
+            </p:cNvCxnSpPr>
+            <p:nvPr/>
+          </p:nvCxnSpPr>
+          <p:spPr>
+            <a:xfrm rot="16200000" flipH="1">
+              <a:off x="2536836" y="2442632"/>
+              <a:ext cx="533400" cy="2"/>
+            </a:xfrm>
+            <a:prstGeom prst="bentConnector3">
+              <a:avLst>
+                <a:gd name="adj1" fmla="val 50000"/>
+              </a:avLst>
+            </a:prstGeom>
+            <a:ln>
+              <a:tailEnd type="triangle"/>
+            </a:ln>
+          </p:spPr>
+          <p:style>
+            <a:lnRef idx="1">
+              <a:schemeClr val="accent1"/>
+            </a:lnRef>
+            <a:fillRef idx="0">
+              <a:schemeClr val="accent1"/>
+            </a:fillRef>
+            <a:effectRef idx="0">
+              <a:schemeClr val="accent1"/>
+            </a:effectRef>
+            <a:fontRef idx="minor">
+              <a:schemeClr val="tx1"/>
+            </a:fontRef>
+          </p:style>
+        </p:cxnSp>
+        <p:sp>
+          <p:nvSpPr>
+            <p:cNvPr id="86" name="Oval 85"/>
+            <p:cNvSpPr/>
+            <p:nvPr/>
+          </p:nvSpPr>
+          <p:spPr>
+            <a:xfrm>
+              <a:off x="3670182" y="1295400"/>
+              <a:ext cx="1268011" cy="880533"/>
+            </a:xfrm>
+            <a:prstGeom prst="ellipse">
+              <a:avLst/>
+            </a:prstGeom>
+          </p:spPr>
+          <p:style>
+            <a:lnRef idx="2">
+              <a:schemeClr val="accent1">
+                <a:shade val="50000"/>
+              </a:schemeClr>
+            </a:lnRef>
+            <a:fillRef idx="1">
+              <a:schemeClr val="accent1"/>
+            </a:fillRef>
+            <a:effectRef idx="0">
+              <a:schemeClr val="accent1"/>
+            </a:effectRef>
+            <a:fontRef idx="minor">
+              <a:schemeClr val="lt1"/>
+            </a:fontRef>
+          </p:style>
+          <p:txBody>
+            <a:bodyPr rtlCol="0" anchor="ctr"/>
+            <a:lstStyle/>
+            <a:p>
+              <a:pPr algn="ctr"/>
+              <a:r>
+                <a:rPr lang="en-US" dirty="0" smtClean="0"/>
+                <a:t>Reset Val = 0</a:t>
+              </a:r>
+              <a:endParaRPr lang="en-CA" dirty="0"/>
+            </a:p>
+          </p:txBody>
+        </p:sp>
+        <p:cxnSp>
+          <p:nvCxnSpPr>
+            <p:cNvPr id="87" name="Elbow Connector 86"/>
+            <p:cNvCxnSpPr>
+              <a:stCxn id="86" idx="4"/>
+              <a:endCxn id="3" idx="0"/>
+            </p:cNvCxnSpPr>
+            <p:nvPr/>
+          </p:nvCxnSpPr>
+          <p:spPr>
+            <a:xfrm rot="16200000" flipH="1">
+              <a:off x="4038995" y="2441125"/>
+              <a:ext cx="533400" cy="3015"/>
+            </a:xfrm>
+            <a:prstGeom prst="bentConnector3">
+              <a:avLst/>
+            </a:prstGeom>
+            <a:ln>
+              <a:tailEnd type="triangle"/>
+            </a:ln>
+          </p:spPr>
+          <p:style>
+            <a:lnRef idx="1">
+              <a:schemeClr val="accent1"/>
+            </a:lnRef>
+            <a:fillRef idx="0">
+              <a:schemeClr val="accent1"/>
+            </a:fillRef>
+            <a:effectRef idx="0">
+              <a:schemeClr val="accent1"/>
+            </a:effectRef>
+            <a:fontRef idx="minor">
+              <a:schemeClr val="tx1"/>
+            </a:fontRef>
+          </p:style>
+        </p:cxnSp>
+        <p:cxnSp>
+          <p:nvCxnSpPr>
+            <p:cNvPr id="96" name="Elbow Connector 95"/>
+            <p:cNvCxnSpPr>
+              <a:stCxn id="86" idx="4"/>
+              <a:endCxn id="4" idx="0"/>
+            </p:cNvCxnSpPr>
+            <p:nvPr/>
+          </p:nvCxnSpPr>
+          <p:spPr>
+            <a:xfrm rot="16200000" flipH="1">
+              <a:off x="4790828" y="1689292"/>
+              <a:ext cx="533400" cy="1506681"/>
+            </a:xfrm>
+            <a:prstGeom prst="bentConnector3">
+              <a:avLst/>
+            </a:prstGeom>
+            <a:ln>
+              <a:tailEnd type="triangle"/>
+            </a:ln>
+          </p:spPr>
+          <p:style>
+            <a:lnRef idx="1">
+              <a:schemeClr val="accent1"/>
+            </a:lnRef>
+            <a:fillRef idx="0">
+              <a:schemeClr val="accent1"/>
+            </a:fillRef>
+            <a:effectRef idx="0">
+              <a:schemeClr val="accent1"/>
+            </a:effectRef>
+            <a:fontRef idx="minor">
+              <a:schemeClr val="tx1"/>
+            </a:fontRef>
+          </p:style>
+        </p:cxnSp>
+        <p:cxnSp>
+          <p:nvCxnSpPr>
+            <p:cNvPr id="99" name="Elbow Connector 98"/>
+            <p:cNvCxnSpPr>
+              <a:stCxn id="86" idx="4"/>
+              <a:endCxn id="5" idx="0"/>
+            </p:cNvCxnSpPr>
+            <p:nvPr/>
+          </p:nvCxnSpPr>
+          <p:spPr>
+            <a:xfrm rot="16200000" flipH="1">
+              <a:off x="5541381" y="938739"/>
+              <a:ext cx="533400" cy="3007787"/>
+            </a:xfrm>
+            <a:prstGeom prst="bentConnector3">
+              <a:avLst>
+                <a:gd name="adj1" fmla="val 50000"/>
+              </a:avLst>
+            </a:prstGeom>
+            <a:ln>
+              <a:tailEnd type="triangle"/>
+            </a:ln>
+          </p:spPr>
+          <p:style>
+            <a:lnRef idx="1">
+              <a:schemeClr val="accent1"/>
+            </a:lnRef>
+            <a:fillRef idx="0">
+              <a:schemeClr val="accent1"/>
+            </a:fillRef>
+            <a:effectRef idx="0">
+              <a:schemeClr val="accent1"/>
+            </a:effectRef>
+            <a:fontRef idx="minor">
+              <a:schemeClr val="tx1"/>
+            </a:fontRef>
+          </p:style>
+        </p:cxnSp>
+        <p:sp>
+          <p:nvSpPr>
+            <p:cNvPr id="11" name="TextBox 10"/>
+            <p:cNvSpPr txBox="1"/>
+            <p:nvPr/>
+          </p:nvSpPr>
+          <p:spPr>
+            <a:xfrm>
+              <a:off x="5538324" y="2348468"/>
+              <a:ext cx="535724" cy="369332"/>
+            </a:xfrm>
+            <a:prstGeom prst="rect">
+              <a:avLst/>
+            </a:prstGeom>
+            <a:noFill/>
+          </p:spPr>
+          <p:txBody>
+            <a:bodyPr wrap="none" rtlCol="0">
+              <a:spAutoFit/>
+            </a:bodyPr>
+            <a:lstStyle/>
+            <a:p>
+              <a:r>
+                <a:rPr lang="en-US" dirty="0" smtClean="0"/>
+                <a:t>Sec</a:t>
+              </a:r>
+              <a:endParaRPr lang="en-CA" dirty="0"/>
+            </a:p>
+          </p:txBody>
+        </p:sp>
+        <p:sp>
+          <p:nvSpPr>
+            <p:cNvPr id="10" name="TextBox 9"/>
+            <p:cNvSpPr txBox="1"/>
+            <p:nvPr/>
+          </p:nvSpPr>
+          <p:spPr>
+            <a:xfrm>
+              <a:off x="6929689" y="2348468"/>
+              <a:ext cx="761747" cy="369332"/>
+            </a:xfrm>
+            <a:prstGeom prst="rect">
+              <a:avLst/>
+            </a:prstGeom>
+            <a:noFill/>
+          </p:spPr>
+          <p:txBody>
+            <a:bodyPr wrap="none" rtlCol="0">
+              <a:spAutoFit/>
+            </a:bodyPr>
+            <a:lstStyle/>
+            <a:p>
+              <a:r>
+                <a:rPr lang="en-US" dirty="0" smtClean="0"/>
+                <a:t>D-Sec</a:t>
+              </a:r>
+              <a:endParaRPr lang="en-CA" dirty="0"/>
+            </a:p>
+          </p:txBody>
+        </p:sp>
+        <p:sp>
+          <p:nvSpPr>
+            <p:cNvPr id="8" name="TextBox 7"/>
+            <p:cNvSpPr txBox="1"/>
+            <p:nvPr/>
+          </p:nvSpPr>
+          <p:spPr>
+            <a:xfrm>
+              <a:off x="2314459" y="2340001"/>
+              <a:ext cx="978153" cy="369332"/>
+            </a:xfrm>
+            <a:prstGeom prst="rect">
+              <a:avLst/>
+            </a:prstGeom>
+            <a:noFill/>
+          </p:spPr>
+          <p:txBody>
+            <a:bodyPr wrap="none" rtlCol="0">
+              <a:spAutoFit/>
+            </a:bodyPr>
+            <a:lstStyle/>
+            <a:p>
+              <a:r>
+                <a:rPr lang="en-US" dirty="0" smtClean="0"/>
+                <a:t>Minutes</a:t>
+              </a:r>
+              <a:endParaRPr lang="en-CA" dirty="0"/>
+            </a:p>
+          </p:txBody>
+        </p:sp>
+        <p:cxnSp>
+          <p:nvCxnSpPr>
+            <p:cNvPr id="104" name="Elbow Connector 103"/>
+            <p:cNvCxnSpPr>
+              <a:stCxn id="86" idx="4"/>
+              <a:endCxn id="6" idx="0"/>
+            </p:cNvCxnSpPr>
+            <p:nvPr/>
+          </p:nvCxnSpPr>
+          <p:spPr>
+            <a:xfrm rot="16200000" flipH="1">
+              <a:off x="6291934" y="188186"/>
+              <a:ext cx="533400" cy="4508893"/>
+            </a:xfrm>
+            <a:prstGeom prst="bentConnector3">
+              <a:avLst>
+                <a:gd name="adj1" fmla="val 50000"/>
+              </a:avLst>
+            </a:prstGeom>
+            <a:ln>
+              <a:tailEnd type="triangle"/>
+            </a:ln>
+          </p:spPr>
+          <p:style>
+            <a:lnRef idx="1">
+              <a:schemeClr val="accent1"/>
+            </a:lnRef>
+            <a:fillRef idx="0">
+              <a:schemeClr val="accent1"/>
+            </a:fillRef>
+            <a:effectRef idx="0">
+              <a:schemeClr val="accent1"/>
+            </a:effectRef>
+            <a:fontRef idx="minor">
+              <a:schemeClr val="tx1"/>
+            </a:fontRef>
+          </p:style>
+        </p:cxnSp>
+        <p:sp>
+          <p:nvSpPr>
+            <p:cNvPr id="9" name="TextBox 8"/>
+            <p:cNvSpPr txBox="1"/>
+            <p:nvPr/>
+          </p:nvSpPr>
+          <p:spPr>
+            <a:xfrm>
+              <a:off x="8430795" y="2348468"/>
+              <a:ext cx="758541" cy="369332"/>
+            </a:xfrm>
+            <a:prstGeom prst="rect">
+              <a:avLst/>
+            </a:prstGeom>
+            <a:noFill/>
+          </p:spPr>
+          <p:txBody>
+            <a:bodyPr wrap="none" rtlCol="0">
+              <a:spAutoFit/>
+            </a:bodyPr>
+            <a:lstStyle/>
+            <a:p>
+              <a:r>
+                <a:rPr lang="en-US" dirty="0" smtClean="0"/>
+                <a:t>C-Sec</a:t>
+              </a:r>
+              <a:endParaRPr lang="en-CA" dirty="0"/>
+            </a:p>
+          </p:txBody>
+        </p:sp>
+      </p:grpSp>
     </p:spTree>
     <p:extLst>
       <p:ext uri="{BB962C8B-B14F-4D97-AF65-F5344CB8AC3E}">
@@ -6099,14 +7382,25 @@
             <p:ph type="title"/>
           </p:nvPr>
         </p:nvSpPr>
-        <p:spPr/>
-        <p:txBody>
-          <a:bodyPr/>
+        <p:spPr>
+          <a:xfrm>
+            <a:off x="677334" y="609600"/>
+            <a:ext cx="8596668" cy="745067"/>
+          </a:xfrm>
+        </p:spPr>
+        <p:txBody>
+          <a:bodyPr>
+            <a:normAutofit/>
+          </a:bodyPr>
           <a:lstStyle/>
           <a:p>
             <a:r>
               <a:rPr lang="en-US" dirty="0" smtClean="0"/>
-              <a:t>Interesting Aspects</a:t>
+              <a:t>Block </a:t>
+            </a:r>
+            <a:r>
+              <a:rPr lang="en-US" dirty="0" smtClean="0"/>
+              <a:t>Diagram – Gate Selector</a:t>
             </a:r>
             <a:endParaRPr lang="en-CA" dirty="0"/>
           </a:p>
@@ -6114,72 +7408,769 @@
       </p:sp>
       <p:sp>
         <p:nvSpPr>
-          <p:cNvPr id="3" name="Content Placeholder 2"/>
-          <p:cNvSpPr>
-            <a:spLocks noGrp="1"/>
-          </p:cNvSpPr>
-          <p:nvPr>
-            <p:ph idx="1"/>
-          </p:nvPr>
-        </p:nvSpPr>
-        <p:spPr/>
-        <p:txBody>
-          <a:bodyPr/>
+          <p:cNvPr id="14" name="Trapezoid 13"/>
+          <p:cNvSpPr/>
+          <p:nvPr/>
+        </p:nvSpPr>
+        <p:spPr>
+          <a:xfrm rot="5400000">
+            <a:off x="5553287" y="3312160"/>
+            <a:ext cx="2887134" cy="812800"/>
+          </a:xfrm>
+          <a:prstGeom prst="trapezoid">
+            <a:avLst>
+              <a:gd name="adj" fmla="val 61458"/>
+            </a:avLst>
+          </a:prstGeom>
+        </p:spPr>
+        <p:style>
+          <a:lnRef idx="2">
+            <a:schemeClr val="accent1">
+              <a:shade val="50000"/>
+            </a:schemeClr>
+          </a:lnRef>
+          <a:fillRef idx="1">
+            <a:schemeClr val="accent1"/>
+          </a:fillRef>
+          <a:effectRef idx="0">
+            <a:schemeClr val="accent1"/>
+          </a:effectRef>
+          <a:fontRef idx="minor">
+            <a:schemeClr val="lt1"/>
+          </a:fontRef>
+        </p:style>
+        <p:txBody>
+          <a:bodyPr rtlCol="0" anchor="ctr"/>
           <a:lstStyle/>
           <a:p>
-            <a:r>
-              <a:rPr lang="en-US" sz="3200" dirty="0" smtClean="0"/>
-              <a:t>Two minute timer (not hex!)</a:t>
-            </a:r>
-          </a:p>
-          <a:p>
-            <a:pPr lvl="1"/>
-            <a:r>
-              <a:rPr lang="en-US" sz="2800" dirty="0" smtClean="0"/>
-              <a:t>Looks cool</a:t>
-            </a:r>
-          </a:p>
-          <a:p>
-            <a:pPr lvl="1"/>
-            <a:r>
-              <a:rPr lang="en-US" sz="2800" dirty="0" smtClean="0"/>
-              <a:t>Harder to get working than we thought</a:t>
-            </a:r>
-          </a:p>
-          <a:p>
-            <a:r>
-              <a:rPr lang="en-US" sz="3200" dirty="0" smtClean="0"/>
-              <a:t>Gate Selector</a:t>
-            </a:r>
-          </a:p>
-          <a:p>
-            <a:pPr lvl="1"/>
-            <a:r>
-              <a:rPr lang="en-US" sz="2800" dirty="0" smtClean="0"/>
-              <a:t>Works flawlessly</a:t>
-            </a:r>
-          </a:p>
-          <a:p>
-            <a:pPr lvl="1"/>
-            <a:r>
-              <a:rPr lang="en-US" sz="2800" dirty="0"/>
-              <a:t>E</a:t>
-            </a:r>
-            <a:r>
-              <a:rPr lang="en-US" sz="2800" dirty="0" smtClean="0"/>
-              <a:t>asy to incorporate in the final design</a:t>
-            </a:r>
-            <a:endParaRPr lang="en-US" dirty="0" smtClean="0"/>
-          </a:p>
-          <a:p>
-            <a:endParaRPr lang="en-US" dirty="0" smtClean="0"/>
-          </a:p>
-        </p:txBody>
-      </p:sp>
+            <a:pPr algn="ctr"/>
+            <a:r>
+              <a:rPr lang="en-US" dirty="0" smtClean="0"/>
+              <a:t>2 9-Muxes (1-hot)</a:t>
+            </a:r>
+            <a:endParaRPr lang="en-CA" dirty="0"/>
+          </a:p>
+        </p:txBody>
+      </p:sp>
+      <p:sp>
+        <p:nvSpPr>
+          <p:cNvPr id="47" name="Rectangle 46"/>
+          <p:cNvSpPr/>
+          <p:nvPr/>
+        </p:nvSpPr>
+        <p:spPr>
+          <a:xfrm>
+            <a:off x="4128346" y="2873586"/>
+            <a:ext cx="778933" cy="448734"/>
+          </a:xfrm>
+          <a:prstGeom prst="rect">
+            <a:avLst/>
+          </a:prstGeom>
+        </p:spPr>
+        <p:style>
+          <a:lnRef idx="2">
+            <a:schemeClr val="accent1">
+              <a:shade val="50000"/>
+            </a:schemeClr>
+          </a:lnRef>
+          <a:fillRef idx="1">
+            <a:schemeClr val="accent1"/>
+          </a:fillRef>
+          <a:effectRef idx="0">
+            <a:schemeClr val="accent1"/>
+          </a:effectRef>
+          <a:fontRef idx="minor">
+            <a:schemeClr val="lt1"/>
+          </a:fontRef>
+        </p:style>
+        <p:txBody>
+          <a:bodyPr rtlCol="0" anchor="ctr"/>
+          <a:lstStyle/>
+          <a:p>
+            <a:pPr algn="ctr"/>
+            <a:r>
+              <a:rPr lang="en-US" dirty="0" smtClean="0"/>
+              <a:t>NAND</a:t>
+            </a:r>
+            <a:endParaRPr lang="en-CA" dirty="0"/>
+          </a:p>
+        </p:txBody>
+      </p:sp>
+      <p:sp>
+        <p:nvSpPr>
+          <p:cNvPr id="48" name="Rectangle 47"/>
+          <p:cNvSpPr/>
+          <p:nvPr/>
+        </p:nvSpPr>
+        <p:spPr>
+          <a:xfrm>
+            <a:off x="4128346" y="3483186"/>
+            <a:ext cx="778933" cy="448734"/>
+          </a:xfrm>
+          <a:prstGeom prst="rect">
+            <a:avLst/>
+          </a:prstGeom>
+        </p:spPr>
+        <p:style>
+          <a:lnRef idx="2">
+            <a:schemeClr val="accent1">
+              <a:shade val="50000"/>
+            </a:schemeClr>
+          </a:lnRef>
+          <a:fillRef idx="1">
+            <a:schemeClr val="accent1"/>
+          </a:fillRef>
+          <a:effectRef idx="0">
+            <a:schemeClr val="accent1"/>
+          </a:effectRef>
+          <a:fontRef idx="minor">
+            <a:schemeClr val="lt1"/>
+          </a:fontRef>
+        </p:style>
+        <p:txBody>
+          <a:bodyPr rtlCol="0" anchor="ctr"/>
+          <a:lstStyle/>
+          <a:p>
+            <a:pPr algn="ctr"/>
+            <a:r>
+              <a:rPr lang="en-US" dirty="0" smtClean="0"/>
+              <a:t>NOR</a:t>
+            </a:r>
+            <a:endParaRPr lang="en-CA" dirty="0"/>
+          </a:p>
+        </p:txBody>
+      </p:sp>
+      <p:sp>
+        <p:nvSpPr>
+          <p:cNvPr id="49" name="Rectangle 48"/>
+          <p:cNvSpPr/>
+          <p:nvPr/>
+        </p:nvSpPr>
+        <p:spPr>
+          <a:xfrm>
+            <a:off x="4128346" y="4092786"/>
+            <a:ext cx="778933" cy="448734"/>
+          </a:xfrm>
+          <a:prstGeom prst="rect">
+            <a:avLst/>
+          </a:prstGeom>
+        </p:spPr>
+        <p:style>
+          <a:lnRef idx="2">
+            <a:schemeClr val="accent1">
+              <a:shade val="50000"/>
+            </a:schemeClr>
+          </a:lnRef>
+          <a:fillRef idx="1">
+            <a:schemeClr val="accent1"/>
+          </a:fillRef>
+          <a:effectRef idx="0">
+            <a:schemeClr val="accent1"/>
+          </a:effectRef>
+          <a:fontRef idx="minor">
+            <a:schemeClr val="lt1"/>
+          </a:fontRef>
+        </p:style>
+        <p:txBody>
+          <a:bodyPr rtlCol="0" anchor="ctr"/>
+          <a:lstStyle/>
+          <a:p>
+            <a:pPr algn="ctr"/>
+            <a:r>
+              <a:rPr lang="en-US" dirty="0" smtClean="0"/>
+              <a:t>NXOR</a:t>
+            </a:r>
+            <a:endParaRPr lang="en-CA" dirty="0"/>
+          </a:p>
+        </p:txBody>
+      </p:sp>
+      <p:sp>
+        <p:nvSpPr>
+          <p:cNvPr id="50" name="Rectangle 49"/>
+          <p:cNvSpPr/>
+          <p:nvPr/>
+        </p:nvSpPr>
+        <p:spPr>
+          <a:xfrm>
+            <a:off x="3171613" y="2873586"/>
+            <a:ext cx="778933" cy="448734"/>
+          </a:xfrm>
+          <a:prstGeom prst="rect">
+            <a:avLst/>
+          </a:prstGeom>
+        </p:spPr>
+        <p:style>
+          <a:lnRef idx="2">
+            <a:schemeClr val="accent1">
+              <a:shade val="50000"/>
+            </a:schemeClr>
+          </a:lnRef>
+          <a:fillRef idx="1">
+            <a:schemeClr val="accent1"/>
+          </a:fillRef>
+          <a:effectRef idx="0">
+            <a:schemeClr val="accent1"/>
+          </a:effectRef>
+          <a:fontRef idx="minor">
+            <a:schemeClr val="lt1"/>
+          </a:fontRef>
+        </p:style>
+        <p:txBody>
+          <a:bodyPr rtlCol="0" anchor="ctr"/>
+          <a:lstStyle/>
+          <a:p>
+            <a:pPr algn="ctr"/>
+            <a:r>
+              <a:rPr lang="en-US" dirty="0" smtClean="0"/>
+              <a:t>AND</a:t>
+            </a:r>
+            <a:endParaRPr lang="en-CA" dirty="0"/>
+          </a:p>
+        </p:txBody>
+      </p:sp>
+      <p:sp>
+        <p:nvSpPr>
+          <p:cNvPr id="51" name="Rectangle 50"/>
+          <p:cNvSpPr/>
+          <p:nvPr/>
+        </p:nvSpPr>
+        <p:spPr>
+          <a:xfrm>
+            <a:off x="3171613" y="3483186"/>
+            <a:ext cx="778933" cy="448734"/>
+          </a:xfrm>
+          <a:prstGeom prst="rect">
+            <a:avLst/>
+          </a:prstGeom>
+        </p:spPr>
+        <p:style>
+          <a:lnRef idx="2">
+            <a:schemeClr val="accent1">
+              <a:shade val="50000"/>
+            </a:schemeClr>
+          </a:lnRef>
+          <a:fillRef idx="1">
+            <a:schemeClr val="accent1"/>
+          </a:fillRef>
+          <a:effectRef idx="0">
+            <a:schemeClr val="accent1"/>
+          </a:effectRef>
+          <a:fontRef idx="minor">
+            <a:schemeClr val="lt1"/>
+          </a:fontRef>
+        </p:style>
+        <p:txBody>
+          <a:bodyPr rtlCol="0" anchor="ctr"/>
+          <a:lstStyle/>
+          <a:p>
+            <a:pPr algn="ctr"/>
+            <a:r>
+              <a:rPr lang="en-US" dirty="0" smtClean="0"/>
+              <a:t>OR</a:t>
+            </a:r>
+            <a:endParaRPr lang="en-CA" dirty="0"/>
+          </a:p>
+        </p:txBody>
+      </p:sp>
+      <p:sp>
+        <p:nvSpPr>
+          <p:cNvPr id="52" name="Rectangle 51"/>
+          <p:cNvSpPr/>
+          <p:nvPr/>
+        </p:nvSpPr>
+        <p:spPr>
+          <a:xfrm>
+            <a:off x="3171613" y="4092786"/>
+            <a:ext cx="778933" cy="448734"/>
+          </a:xfrm>
+          <a:prstGeom prst="rect">
+            <a:avLst/>
+          </a:prstGeom>
+        </p:spPr>
+        <p:style>
+          <a:lnRef idx="2">
+            <a:schemeClr val="accent1">
+              <a:shade val="50000"/>
+            </a:schemeClr>
+          </a:lnRef>
+          <a:fillRef idx="1">
+            <a:schemeClr val="accent1"/>
+          </a:fillRef>
+          <a:effectRef idx="0">
+            <a:schemeClr val="accent1"/>
+          </a:effectRef>
+          <a:fontRef idx="minor">
+            <a:schemeClr val="lt1"/>
+          </a:fontRef>
+        </p:style>
+        <p:txBody>
+          <a:bodyPr rtlCol="0" anchor="ctr"/>
+          <a:lstStyle/>
+          <a:p>
+            <a:pPr algn="ctr"/>
+            <a:r>
+              <a:rPr lang="en-US" dirty="0" smtClean="0"/>
+              <a:t>XOR</a:t>
+            </a:r>
+            <a:endParaRPr lang="en-CA" dirty="0"/>
+          </a:p>
+        </p:txBody>
+      </p:sp>
+      <p:sp>
+        <p:nvSpPr>
+          <p:cNvPr id="53" name="Rectangle 52"/>
+          <p:cNvSpPr/>
+          <p:nvPr/>
+        </p:nvSpPr>
+        <p:spPr>
+          <a:xfrm>
+            <a:off x="5085079" y="2873586"/>
+            <a:ext cx="778933" cy="448734"/>
+          </a:xfrm>
+          <a:prstGeom prst="rect">
+            <a:avLst/>
+          </a:prstGeom>
+        </p:spPr>
+        <p:style>
+          <a:lnRef idx="2">
+            <a:schemeClr val="accent1">
+              <a:shade val="50000"/>
+            </a:schemeClr>
+          </a:lnRef>
+          <a:fillRef idx="1">
+            <a:schemeClr val="accent1"/>
+          </a:fillRef>
+          <a:effectRef idx="0">
+            <a:schemeClr val="accent1"/>
+          </a:effectRef>
+          <a:fontRef idx="minor">
+            <a:schemeClr val="lt1"/>
+          </a:fontRef>
+        </p:style>
+        <p:txBody>
+          <a:bodyPr rtlCol="0" anchor="ctr"/>
+          <a:lstStyle/>
+          <a:p>
+            <a:pPr algn="ctr"/>
+            <a:r>
+              <a:rPr lang="en-US" dirty="0" smtClean="0"/>
+              <a:t>SR</a:t>
+            </a:r>
+            <a:endParaRPr lang="en-CA" dirty="0"/>
+          </a:p>
+        </p:txBody>
+      </p:sp>
+      <p:sp>
+        <p:nvSpPr>
+          <p:cNvPr id="56" name="Rectangle 55"/>
+          <p:cNvSpPr/>
+          <p:nvPr/>
+        </p:nvSpPr>
+        <p:spPr>
+          <a:xfrm>
+            <a:off x="5085079" y="3483186"/>
+            <a:ext cx="778933" cy="448734"/>
+          </a:xfrm>
+          <a:prstGeom prst="rect">
+            <a:avLst/>
+          </a:prstGeom>
+        </p:spPr>
+        <p:style>
+          <a:lnRef idx="2">
+            <a:schemeClr val="accent1">
+              <a:shade val="50000"/>
+            </a:schemeClr>
+          </a:lnRef>
+          <a:fillRef idx="1">
+            <a:schemeClr val="accent1"/>
+          </a:fillRef>
+          <a:effectRef idx="0">
+            <a:schemeClr val="accent1"/>
+          </a:effectRef>
+          <a:fontRef idx="minor">
+            <a:schemeClr val="lt1"/>
+          </a:fontRef>
+        </p:style>
+        <p:txBody>
+          <a:bodyPr rtlCol="0" anchor="ctr"/>
+          <a:lstStyle/>
+          <a:p>
+            <a:pPr algn="ctr"/>
+            <a:r>
+              <a:rPr lang="en-US" dirty="0" smtClean="0"/>
+              <a:t>T</a:t>
+            </a:r>
+            <a:endParaRPr lang="en-CA" dirty="0"/>
+          </a:p>
+        </p:txBody>
+      </p:sp>
+      <p:sp>
+        <p:nvSpPr>
+          <p:cNvPr id="57" name="Rectangle 56"/>
+          <p:cNvSpPr/>
+          <p:nvPr/>
+        </p:nvSpPr>
+        <p:spPr>
+          <a:xfrm>
+            <a:off x="5085079" y="4092786"/>
+            <a:ext cx="778933" cy="448734"/>
+          </a:xfrm>
+          <a:prstGeom prst="rect">
+            <a:avLst/>
+          </a:prstGeom>
+        </p:spPr>
+        <p:style>
+          <a:lnRef idx="2">
+            <a:schemeClr val="accent1">
+              <a:shade val="50000"/>
+            </a:schemeClr>
+          </a:lnRef>
+          <a:fillRef idx="1">
+            <a:schemeClr val="accent1"/>
+          </a:fillRef>
+          <a:effectRef idx="0">
+            <a:schemeClr val="accent1"/>
+          </a:effectRef>
+          <a:fontRef idx="minor">
+            <a:schemeClr val="lt1"/>
+          </a:fontRef>
+        </p:style>
+        <p:txBody>
+          <a:bodyPr rtlCol="0" anchor="ctr"/>
+          <a:lstStyle/>
+          <a:p>
+            <a:pPr algn="ctr"/>
+            <a:r>
+              <a:rPr lang="en-US" dirty="0" smtClean="0"/>
+              <a:t>D</a:t>
+            </a:r>
+            <a:endParaRPr lang="en-CA" dirty="0"/>
+          </a:p>
+        </p:txBody>
+      </p:sp>
+      <p:sp>
+        <p:nvSpPr>
+          <p:cNvPr id="17" name="Oval 16"/>
+          <p:cNvSpPr/>
+          <p:nvPr/>
+        </p:nvSpPr>
+        <p:spPr>
+          <a:xfrm>
+            <a:off x="1152311" y="3445086"/>
+            <a:ext cx="1286935" cy="524933"/>
+          </a:xfrm>
+          <a:prstGeom prst="ellipse">
+            <a:avLst/>
+          </a:prstGeom>
+        </p:spPr>
+        <p:style>
+          <a:lnRef idx="2">
+            <a:schemeClr val="accent1">
+              <a:shade val="50000"/>
+            </a:schemeClr>
+          </a:lnRef>
+          <a:fillRef idx="1">
+            <a:schemeClr val="accent1"/>
+          </a:fillRef>
+          <a:effectRef idx="0">
+            <a:schemeClr val="accent1"/>
+          </a:effectRef>
+          <a:fontRef idx="minor">
+            <a:schemeClr val="lt1"/>
+          </a:fontRef>
+        </p:style>
+        <p:txBody>
+          <a:bodyPr rtlCol="0" anchor="ctr"/>
+          <a:lstStyle/>
+          <a:p>
+            <a:pPr algn="ctr"/>
+            <a:r>
+              <a:rPr lang="en-US" dirty="0" smtClean="0"/>
+              <a:t>In[1:0]</a:t>
+            </a:r>
+            <a:endParaRPr lang="en-CA" dirty="0"/>
+          </a:p>
+        </p:txBody>
+      </p:sp>
+      <p:sp>
+        <p:nvSpPr>
+          <p:cNvPr id="98" name="Rectangle 97"/>
+          <p:cNvSpPr/>
+          <p:nvPr/>
+        </p:nvSpPr>
+        <p:spPr>
+          <a:xfrm>
+            <a:off x="2987040" y="2773680"/>
+            <a:ext cx="3055620" cy="1889760"/>
+          </a:xfrm>
+          <a:prstGeom prst="rect">
+            <a:avLst/>
+          </a:prstGeom>
+          <a:noFill/>
+          <a:ln>
+            <a:solidFill>
+              <a:schemeClr val="accent1"/>
+            </a:solidFill>
+          </a:ln>
+        </p:spPr>
+        <p:style>
+          <a:lnRef idx="2">
+            <a:schemeClr val="accent1">
+              <a:shade val="50000"/>
+            </a:schemeClr>
+          </a:lnRef>
+          <a:fillRef idx="1">
+            <a:schemeClr val="accent1"/>
+          </a:fillRef>
+          <a:effectRef idx="0">
+            <a:schemeClr val="accent1"/>
+          </a:effectRef>
+          <a:fontRef idx="minor">
+            <a:schemeClr val="lt1"/>
+          </a:fontRef>
+        </p:style>
+        <p:txBody>
+          <a:bodyPr rtlCol="0" anchor="ctr"/>
+          <a:lstStyle/>
+          <a:p>
+            <a:pPr algn="ctr"/>
+            <a:endParaRPr lang="en-CA"/>
+          </a:p>
+        </p:txBody>
+      </p:sp>
+      <p:cxnSp>
+        <p:nvCxnSpPr>
+          <p:cNvPr id="101" name="Straight Arrow Connector 100"/>
+          <p:cNvCxnSpPr>
+            <a:stCxn id="17" idx="6"/>
+            <a:endCxn id="98" idx="1"/>
+          </p:cNvCxnSpPr>
+          <p:nvPr/>
+        </p:nvCxnSpPr>
+        <p:spPr>
+          <a:xfrm>
+            <a:off x="2439246" y="3707553"/>
+            <a:ext cx="547794" cy="0"/>
+          </a:xfrm>
+          <a:prstGeom prst="straightConnector1">
+            <a:avLst/>
+          </a:prstGeom>
+          <a:ln>
+            <a:tailEnd type="triangle"/>
+          </a:ln>
+        </p:spPr>
+        <p:style>
+          <a:lnRef idx="1">
+            <a:schemeClr val="accent1"/>
+          </a:lnRef>
+          <a:fillRef idx="0">
+            <a:schemeClr val="accent1"/>
+          </a:fillRef>
+          <a:effectRef idx="0">
+            <a:schemeClr val="accent1"/>
+          </a:effectRef>
+          <a:fontRef idx="minor">
+            <a:schemeClr val="tx1"/>
+          </a:fontRef>
+        </p:style>
+      </p:cxnSp>
+      <p:cxnSp>
+        <p:nvCxnSpPr>
+          <p:cNvPr id="105" name="Straight Arrow Connector 104"/>
+          <p:cNvCxnSpPr/>
+          <p:nvPr/>
+        </p:nvCxnSpPr>
+        <p:spPr>
+          <a:xfrm>
+            <a:off x="6042660" y="3707552"/>
+            <a:ext cx="547794" cy="0"/>
+          </a:xfrm>
+          <a:prstGeom prst="straightConnector1">
+            <a:avLst/>
+          </a:prstGeom>
+          <a:ln>
+            <a:tailEnd type="triangle"/>
+          </a:ln>
+        </p:spPr>
+        <p:style>
+          <a:lnRef idx="1">
+            <a:schemeClr val="accent1"/>
+          </a:lnRef>
+          <a:fillRef idx="0">
+            <a:schemeClr val="accent1"/>
+          </a:fillRef>
+          <a:effectRef idx="0">
+            <a:schemeClr val="accent1"/>
+          </a:effectRef>
+          <a:fontRef idx="minor">
+            <a:schemeClr val="tx1"/>
+          </a:fontRef>
+        </p:style>
+      </p:cxnSp>
+      <p:cxnSp>
+        <p:nvCxnSpPr>
+          <p:cNvPr id="103" name="Straight Arrow Connector 102"/>
+          <p:cNvCxnSpPr>
+            <a:stCxn id="14" idx="0"/>
+            <a:endCxn id="106" idx="2"/>
+          </p:cNvCxnSpPr>
+          <p:nvPr/>
+        </p:nvCxnSpPr>
+        <p:spPr>
+          <a:xfrm>
+            <a:off x="7403254" y="3718560"/>
+            <a:ext cx="820420" cy="0"/>
+          </a:xfrm>
+          <a:prstGeom prst="straightConnector1">
+            <a:avLst/>
+          </a:prstGeom>
+          <a:ln>
+            <a:tailEnd type="triangle"/>
+          </a:ln>
+        </p:spPr>
+        <p:style>
+          <a:lnRef idx="1">
+            <a:schemeClr val="accent1"/>
+          </a:lnRef>
+          <a:fillRef idx="0">
+            <a:schemeClr val="accent1"/>
+          </a:fillRef>
+          <a:effectRef idx="0">
+            <a:schemeClr val="accent1"/>
+          </a:effectRef>
+          <a:fontRef idx="minor">
+            <a:schemeClr val="tx1"/>
+          </a:fontRef>
+        </p:style>
+      </p:cxnSp>
+      <p:sp>
+        <p:nvSpPr>
+          <p:cNvPr id="106" name="Oval 105"/>
+          <p:cNvSpPr/>
+          <p:nvPr/>
+        </p:nvSpPr>
+        <p:spPr>
+          <a:xfrm>
+            <a:off x="8223674" y="3413760"/>
+            <a:ext cx="1341120" cy="609600"/>
+          </a:xfrm>
+          <a:prstGeom prst="ellipse">
+            <a:avLst/>
+          </a:prstGeom>
+        </p:spPr>
+        <p:style>
+          <a:lnRef idx="2">
+            <a:schemeClr val="accent1">
+              <a:shade val="50000"/>
+            </a:schemeClr>
+          </a:lnRef>
+          <a:fillRef idx="1">
+            <a:schemeClr val="accent1"/>
+          </a:fillRef>
+          <a:effectRef idx="0">
+            <a:schemeClr val="accent1"/>
+          </a:effectRef>
+          <a:fontRef idx="minor">
+            <a:schemeClr val="lt1"/>
+          </a:fontRef>
+        </p:style>
+        <p:txBody>
+          <a:bodyPr rtlCol="0" anchor="ctr"/>
+          <a:lstStyle/>
+          <a:p>
+            <a:pPr algn="ctr"/>
+            <a:r>
+              <a:rPr lang="en-US" dirty="0" smtClean="0"/>
+              <a:t>Gate Output</a:t>
+            </a:r>
+            <a:endParaRPr lang="en-CA" dirty="0"/>
+          </a:p>
+        </p:txBody>
+      </p:sp>
+      <p:sp>
+        <p:nvSpPr>
+          <p:cNvPr id="110" name="Oval 109"/>
+          <p:cNvSpPr/>
+          <p:nvPr/>
+        </p:nvSpPr>
+        <p:spPr>
+          <a:xfrm>
+            <a:off x="6448214" y="1251797"/>
+            <a:ext cx="1097280" cy="510540"/>
+          </a:xfrm>
+          <a:prstGeom prst="ellipse">
+            <a:avLst/>
+          </a:prstGeom>
+        </p:spPr>
+        <p:style>
+          <a:lnRef idx="2">
+            <a:schemeClr val="accent1">
+              <a:shade val="50000"/>
+            </a:schemeClr>
+          </a:lnRef>
+          <a:fillRef idx="1">
+            <a:schemeClr val="accent1"/>
+          </a:fillRef>
+          <a:effectRef idx="0">
+            <a:schemeClr val="accent1"/>
+          </a:effectRef>
+          <a:fontRef idx="minor">
+            <a:schemeClr val="lt1"/>
+          </a:fontRef>
+        </p:style>
+        <p:txBody>
+          <a:bodyPr rtlCol="0" anchor="ctr"/>
+          <a:lstStyle/>
+          <a:p>
+            <a:pPr algn="ctr"/>
+            <a:r>
+              <a:rPr lang="en-US" dirty="0" smtClean="0"/>
+              <a:t>8 Bits</a:t>
+            </a:r>
+            <a:endParaRPr lang="en-CA" dirty="0"/>
+          </a:p>
+        </p:txBody>
+      </p:sp>
+      <p:cxnSp>
+        <p:nvCxnSpPr>
+          <p:cNvPr id="111" name="Straight Arrow Connector 110"/>
+          <p:cNvCxnSpPr>
+            <a:stCxn id="110" idx="4"/>
+            <a:endCxn id="14" idx="1"/>
+          </p:cNvCxnSpPr>
+          <p:nvPr/>
+        </p:nvCxnSpPr>
+        <p:spPr>
+          <a:xfrm>
+            <a:off x="6996854" y="1762337"/>
+            <a:ext cx="0" cy="762421"/>
+          </a:xfrm>
+          <a:prstGeom prst="straightConnector1">
+            <a:avLst/>
+          </a:prstGeom>
+          <a:ln>
+            <a:tailEnd type="triangle"/>
+          </a:ln>
+        </p:spPr>
+        <p:style>
+          <a:lnRef idx="1">
+            <a:schemeClr val="accent1"/>
+          </a:lnRef>
+          <a:fillRef idx="0">
+            <a:schemeClr val="accent1"/>
+          </a:fillRef>
+          <a:effectRef idx="0">
+            <a:schemeClr val="accent1"/>
+          </a:effectRef>
+          <a:fontRef idx="minor">
+            <a:schemeClr val="tx1"/>
+          </a:fontRef>
+        </p:style>
+      </p:cxnSp>
     </p:spTree>
     <p:extLst>
       <p:ext uri="{BB962C8B-B14F-4D97-AF65-F5344CB8AC3E}">
-        <p14:creationId xmlns:p14="http://schemas.microsoft.com/office/powerpoint/2010/main" val="1058682622"/>
+        <p14:creationId xmlns:p14="http://schemas.microsoft.com/office/powerpoint/2010/main" val="1807041870"/>
       </p:ext>
     </p:extLst>
   </p:cSld>
@@ -6216,6 +8207,2554 @@
             <p:ph type="title"/>
           </p:nvPr>
         </p:nvSpPr>
+        <p:spPr>
+          <a:xfrm>
+            <a:off x="677334" y="609600"/>
+            <a:ext cx="8596668" cy="745067"/>
+          </a:xfrm>
+        </p:spPr>
+        <p:txBody>
+          <a:bodyPr>
+            <a:normAutofit/>
+          </a:bodyPr>
+          <a:lstStyle/>
+          <a:p>
+            <a:r>
+              <a:rPr lang="en-US" dirty="0" smtClean="0"/>
+              <a:t>Block </a:t>
+            </a:r>
+            <a:r>
+              <a:rPr lang="en-US" dirty="0" smtClean="0"/>
+              <a:t>Diagram – Gate Control</a:t>
+            </a:r>
+            <a:endParaRPr lang="en-CA" dirty="0"/>
+          </a:p>
+        </p:txBody>
+      </p:sp>
+      <p:sp>
+        <p:nvSpPr>
+          <p:cNvPr id="3" name="Rectangle 2"/>
+          <p:cNvSpPr/>
+          <p:nvPr/>
+        </p:nvSpPr>
+        <p:spPr>
+          <a:xfrm>
+            <a:off x="2491740" y="2937087"/>
+            <a:ext cx="2125980" cy="1295400"/>
+          </a:xfrm>
+          <a:prstGeom prst="rect">
+            <a:avLst/>
+          </a:prstGeom>
+        </p:spPr>
+        <p:style>
+          <a:lnRef idx="2">
+            <a:schemeClr val="accent1">
+              <a:shade val="50000"/>
+            </a:schemeClr>
+          </a:lnRef>
+          <a:fillRef idx="1">
+            <a:schemeClr val="accent1"/>
+          </a:fillRef>
+          <a:effectRef idx="0">
+            <a:schemeClr val="accent1"/>
+          </a:effectRef>
+          <a:fontRef idx="minor">
+            <a:schemeClr val="lt1"/>
+          </a:fontRef>
+        </p:style>
+        <p:txBody>
+          <a:bodyPr rtlCol="0" anchor="ctr"/>
+          <a:lstStyle/>
+          <a:p>
+            <a:pPr algn="ctr"/>
+            <a:r>
+              <a:rPr lang="en-US" dirty="0" smtClean="0"/>
+              <a:t>Gate Selector</a:t>
+            </a:r>
+            <a:endParaRPr lang="en-CA" dirty="0"/>
+          </a:p>
+        </p:txBody>
+      </p:sp>
+      <p:sp>
+        <p:nvSpPr>
+          <p:cNvPr id="4" name="Oval 3"/>
+          <p:cNvSpPr/>
+          <p:nvPr/>
+        </p:nvSpPr>
+        <p:spPr>
+          <a:xfrm>
+            <a:off x="182880" y="3314277"/>
+            <a:ext cx="1866900" cy="541020"/>
+          </a:xfrm>
+          <a:prstGeom prst="ellipse">
+            <a:avLst/>
+          </a:prstGeom>
+        </p:spPr>
+        <p:style>
+          <a:lnRef idx="2">
+            <a:schemeClr val="accent1">
+              <a:shade val="50000"/>
+            </a:schemeClr>
+          </a:lnRef>
+          <a:fillRef idx="1">
+            <a:schemeClr val="accent1"/>
+          </a:fillRef>
+          <a:effectRef idx="0">
+            <a:schemeClr val="accent1"/>
+          </a:effectRef>
+          <a:fontRef idx="minor">
+            <a:schemeClr val="lt1"/>
+          </a:fontRef>
+        </p:style>
+        <p:txBody>
+          <a:bodyPr rtlCol="0" anchor="ctr"/>
+          <a:lstStyle/>
+          <a:p>
+            <a:pPr algn="ctr"/>
+            <a:r>
+              <a:rPr lang="en-US" dirty="0" smtClean="0"/>
+              <a:t>Inputs[1:0]</a:t>
+            </a:r>
+            <a:endParaRPr lang="en-CA" dirty="0"/>
+          </a:p>
+        </p:txBody>
+      </p:sp>
+      <p:sp>
+        <p:nvSpPr>
+          <p:cNvPr id="5" name="Oval 4"/>
+          <p:cNvSpPr/>
+          <p:nvPr/>
+        </p:nvSpPr>
+        <p:spPr>
+          <a:xfrm>
+            <a:off x="2758440" y="1561677"/>
+            <a:ext cx="1592580" cy="480060"/>
+          </a:xfrm>
+          <a:prstGeom prst="ellipse">
+            <a:avLst/>
+          </a:prstGeom>
+        </p:spPr>
+        <p:style>
+          <a:lnRef idx="2">
+            <a:schemeClr val="accent1">
+              <a:shade val="50000"/>
+            </a:schemeClr>
+          </a:lnRef>
+          <a:fillRef idx="1">
+            <a:schemeClr val="accent1"/>
+          </a:fillRef>
+          <a:effectRef idx="0">
+            <a:schemeClr val="accent1"/>
+          </a:effectRef>
+          <a:fontRef idx="minor">
+            <a:schemeClr val="lt1"/>
+          </a:fontRef>
+        </p:style>
+        <p:txBody>
+          <a:bodyPr rtlCol="0" anchor="ctr"/>
+          <a:lstStyle/>
+          <a:p>
+            <a:pPr algn="ctr"/>
+            <a:r>
+              <a:rPr lang="en-US" dirty="0" smtClean="0"/>
+              <a:t>Confirm</a:t>
+            </a:r>
+            <a:endParaRPr lang="en-CA" dirty="0"/>
+          </a:p>
+        </p:txBody>
+      </p:sp>
+      <p:sp>
+        <p:nvSpPr>
+          <p:cNvPr id="22" name="Oval 21"/>
+          <p:cNvSpPr/>
+          <p:nvPr/>
+        </p:nvSpPr>
+        <p:spPr>
+          <a:xfrm>
+            <a:off x="2758440" y="5367867"/>
+            <a:ext cx="1592580" cy="480060"/>
+          </a:xfrm>
+          <a:prstGeom prst="ellipse">
+            <a:avLst/>
+          </a:prstGeom>
+        </p:spPr>
+        <p:style>
+          <a:lnRef idx="2">
+            <a:schemeClr val="accent1">
+              <a:shade val="50000"/>
+            </a:schemeClr>
+          </a:lnRef>
+          <a:fillRef idx="1">
+            <a:schemeClr val="accent1"/>
+          </a:fillRef>
+          <a:effectRef idx="0">
+            <a:schemeClr val="accent1"/>
+          </a:effectRef>
+          <a:fontRef idx="minor">
+            <a:schemeClr val="lt1"/>
+          </a:fontRef>
+        </p:style>
+        <p:txBody>
+          <a:bodyPr rtlCol="0" anchor="ctr"/>
+          <a:lstStyle/>
+          <a:p>
+            <a:pPr algn="ctr"/>
+            <a:r>
+              <a:rPr lang="en-US" dirty="0" smtClean="0"/>
+              <a:t>Select Gate</a:t>
+            </a:r>
+            <a:endParaRPr lang="en-CA" dirty="0"/>
+          </a:p>
+        </p:txBody>
+      </p:sp>
+      <p:cxnSp>
+        <p:nvCxnSpPr>
+          <p:cNvPr id="7" name="Straight Arrow Connector 6"/>
+          <p:cNvCxnSpPr>
+            <a:stCxn id="4" idx="6"/>
+            <a:endCxn id="3" idx="1"/>
+          </p:cNvCxnSpPr>
+          <p:nvPr/>
+        </p:nvCxnSpPr>
+        <p:spPr>
+          <a:xfrm>
+            <a:off x="2049780" y="3584787"/>
+            <a:ext cx="441960" cy="0"/>
+          </a:xfrm>
+          <a:prstGeom prst="straightConnector1">
+            <a:avLst/>
+          </a:prstGeom>
+          <a:ln>
+            <a:tailEnd type="triangle"/>
+          </a:ln>
+        </p:spPr>
+        <p:style>
+          <a:lnRef idx="1">
+            <a:schemeClr val="accent1"/>
+          </a:lnRef>
+          <a:fillRef idx="0">
+            <a:schemeClr val="accent1"/>
+          </a:fillRef>
+          <a:effectRef idx="0">
+            <a:schemeClr val="accent1"/>
+          </a:effectRef>
+          <a:fontRef idx="minor">
+            <a:schemeClr val="tx1"/>
+          </a:fontRef>
+        </p:style>
+      </p:cxnSp>
+      <p:cxnSp>
+        <p:nvCxnSpPr>
+          <p:cNvPr id="10" name="Straight Arrow Connector 9"/>
+          <p:cNvCxnSpPr>
+            <a:stCxn id="22" idx="0"/>
+            <a:endCxn id="3" idx="2"/>
+          </p:cNvCxnSpPr>
+          <p:nvPr/>
+        </p:nvCxnSpPr>
+        <p:spPr>
+          <a:xfrm flipV="1">
+            <a:off x="3554730" y="4232487"/>
+            <a:ext cx="0" cy="1135380"/>
+          </a:xfrm>
+          <a:prstGeom prst="straightConnector1">
+            <a:avLst/>
+          </a:prstGeom>
+          <a:ln>
+            <a:tailEnd type="triangle"/>
+          </a:ln>
+        </p:spPr>
+        <p:style>
+          <a:lnRef idx="1">
+            <a:schemeClr val="accent1"/>
+          </a:lnRef>
+          <a:fillRef idx="0">
+            <a:schemeClr val="accent1"/>
+          </a:fillRef>
+          <a:effectRef idx="0">
+            <a:schemeClr val="accent1"/>
+          </a:effectRef>
+          <a:fontRef idx="minor">
+            <a:schemeClr val="tx1"/>
+          </a:fontRef>
+        </p:style>
+      </p:cxnSp>
+      <p:sp>
+        <p:nvSpPr>
+          <p:cNvPr id="13" name="TextBox 12"/>
+          <p:cNvSpPr txBox="1"/>
+          <p:nvPr/>
+        </p:nvSpPr>
+        <p:spPr>
+          <a:xfrm>
+            <a:off x="2217420" y="4695521"/>
+            <a:ext cx="2838790" cy="369332"/>
+          </a:xfrm>
+          <a:prstGeom prst="rect">
+            <a:avLst/>
+          </a:prstGeom>
+          <a:noFill/>
+        </p:spPr>
+        <p:txBody>
+          <a:bodyPr wrap="none" rtlCol="0">
+            <a:spAutoFit/>
+          </a:bodyPr>
+          <a:lstStyle/>
+          <a:p>
+            <a:r>
+              <a:rPr lang="en-US" dirty="0" smtClean="0"/>
+              <a:t>Manipulates 1-hot Vector</a:t>
+            </a:r>
+            <a:endParaRPr lang="en-CA" dirty="0"/>
+          </a:p>
+        </p:txBody>
+      </p:sp>
+      <p:cxnSp>
+        <p:nvCxnSpPr>
+          <p:cNvPr id="16" name="Straight Arrow Connector 15"/>
+          <p:cNvCxnSpPr>
+            <a:stCxn id="5" idx="4"/>
+            <a:endCxn id="3" idx="0"/>
+          </p:cNvCxnSpPr>
+          <p:nvPr/>
+        </p:nvCxnSpPr>
+        <p:spPr>
+          <a:xfrm>
+            <a:off x="3554730" y="2041737"/>
+            <a:ext cx="0" cy="895350"/>
+          </a:xfrm>
+          <a:prstGeom prst="straightConnector1">
+            <a:avLst/>
+          </a:prstGeom>
+          <a:ln>
+            <a:tailEnd type="triangle"/>
+          </a:ln>
+        </p:spPr>
+        <p:style>
+          <a:lnRef idx="1">
+            <a:schemeClr val="accent1"/>
+          </a:lnRef>
+          <a:fillRef idx="0">
+            <a:schemeClr val="accent1"/>
+          </a:fillRef>
+          <a:effectRef idx="0">
+            <a:schemeClr val="accent1"/>
+          </a:effectRef>
+          <a:fontRef idx="minor">
+            <a:schemeClr val="tx1"/>
+          </a:fontRef>
+        </p:style>
+      </p:cxnSp>
+      <p:sp>
+        <p:nvSpPr>
+          <p:cNvPr id="33" name="TextBox 32"/>
+          <p:cNvSpPr txBox="1"/>
+          <p:nvPr/>
+        </p:nvSpPr>
+        <p:spPr>
+          <a:xfrm>
+            <a:off x="1796114" y="2151572"/>
+            <a:ext cx="2821606" cy="369332"/>
+          </a:xfrm>
+          <a:prstGeom prst="rect">
+            <a:avLst/>
+          </a:prstGeom>
+          <a:noFill/>
+        </p:spPr>
+        <p:txBody>
+          <a:bodyPr wrap="none" rtlCol="0">
+            <a:spAutoFit/>
+          </a:bodyPr>
+          <a:lstStyle/>
+          <a:p>
+            <a:r>
+              <a:rPr lang="en-US" dirty="0" smtClean="0"/>
+              <a:t>“Locks in” Gate selection</a:t>
+            </a:r>
+            <a:endParaRPr lang="en-CA" dirty="0"/>
+          </a:p>
+        </p:txBody>
+      </p:sp>
+      <p:sp>
+        <p:nvSpPr>
+          <p:cNvPr id="18" name="Oval 17"/>
+          <p:cNvSpPr/>
+          <p:nvPr/>
+        </p:nvSpPr>
+        <p:spPr>
+          <a:xfrm>
+            <a:off x="5056210" y="1702978"/>
+            <a:ext cx="1371600" cy="754380"/>
+          </a:xfrm>
+          <a:prstGeom prst="ellipse">
+            <a:avLst/>
+          </a:prstGeom>
+        </p:spPr>
+        <p:style>
+          <a:lnRef idx="2">
+            <a:schemeClr val="accent1">
+              <a:shade val="50000"/>
+            </a:schemeClr>
+          </a:lnRef>
+          <a:fillRef idx="1">
+            <a:schemeClr val="accent1"/>
+          </a:fillRef>
+          <a:effectRef idx="0">
+            <a:schemeClr val="accent1"/>
+          </a:effectRef>
+          <a:fontRef idx="minor">
+            <a:schemeClr val="lt1"/>
+          </a:fontRef>
+        </p:style>
+        <p:txBody>
+          <a:bodyPr rtlCol="0" anchor="ctr"/>
+          <a:lstStyle/>
+          <a:p>
+            <a:pPr algn="ctr"/>
+            <a:r>
+              <a:rPr lang="en-US" dirty="0" smtClean="0"/>
+              <a:t>Gate Output </a:t>
+            </a:r>
+            <a:endParaRPr lang="en-CA" dirty="0"/>
+          </a:p>
+        </p:txBody>
+      </p:sp>
+      <p:cxnSp>
+        <p:nvCxnSpPr>
+          <p:cNvPr id="20" name="Elbow Connector 19"/>
+          <p:cNvCxnSpPr>
+            <a:stCxn id="3" idx="3"/>
+            <a:endCxn id="18" idx="2"/>
+          </p:cNvCxnSpPr>
+          <p:nvPr/>
+        </p:nvCxnSpPr>
+        <p:spPr>
+          <a:xfrm flipV="1">
+            <a:off x="4617720" y="2080168"/>
+            <a:ext cx="438490" cy="1504619"/>
+          </a:xfrm>
+          <a:prstGeom prst="bentConnector3">
+            <a:avLst/>
+          </a:prstGeom>
+          <a:ln>
+            <a:tailEnd type="triangle"/>
+          </a:ln>
+        </p:spPr>
+        <p:style>
+          <a:lnRef idx="1">
+            <a:schemeClr val="accent1"/>
+          </a:lnRef>
+          <a:fillRef idx="0">
+            <a:schemeClr val="accent1"/>
+          </a:fillRef>
+          <a:effectRef idx="0">
+            <a:schemeClr val="accent1"/>
+          </a:effectRef>
+          <a:fontRef idx="minor">
+            <a:schemeClr val="tx1"/>
+          </a:fontRef>
+        </p:style>
+      </p:cxnSp>
+      <p:sp>
+        <p:nvSpPr>
+          <p:cNvPr id="38" name="Oval 37"/>
+          <p:cNvSpPr/>
+          <p:nvPr/>
+        </p:nvSpPr>
+        <p:spPr>
+          <a:xfrm>
+            <a:off x="5056210" y="2635535"/>
+            <a:ext cx="2061716" cy="754380"/>
+          </a:xfrm>
+          <a:prstGeom prst="ellipse">
+            <a:avLst/>
+          </a:prstGeom>
+        </p:spPr>
+        <p:style>
+          <a:lnRef idx="2">
+            <a:schemeClr val="accent1">
+              <a:shade val="50000"/>
+            </a:schemeClr>
+          </a:lnRef>
+          <a:fillRef idx="1">
+            <a:schemeClr val="accent1"/>
+          </a:fillRef>
+          <a:effectRef idx="0">
+            <a:schemeClr val="accent1"/>
+          </a:effectRef>
+          <a:fontRef idx="minor">
+            <a:schemeClr val="lt1"/>
+          </a:fontRef>
+        </p:style>
+        <p:txBody>
+          <a:bodyPr rtlCol="0" anchor="ctr"/>
+          <a:lstStyle/>
+          <a:p>
+            <a:pPr algn="ctr"/>
+            <a:r>
+              <a:rPr lang="en-US" dirty="0" smtClean="0"/>
+              <a:t>VGA Blank Out</a:t>
+            </a:r>
+            <a:endParaRPr lang="en-CA" dirty="0"/>
+          </a:p>
+        </p:txBody>
+      </p:sp>
+      <p:cxnSp>
+        <p:nvCxnSpPr>
+          <p:cNvPr id="39" name="Elbow Connector 38"/>
+          <p:cNvCxnSpPr>
+            <a:stCxn id="3" idx="3"/>
+            <a:endCxn id="38" idx="2"/>
+          </p:cNvCxnSpPr>
+          <p:nvPr/>
+        </p:nvCxnSpPr>
+        <p:spPr>
+          <a:xfrm flipV="1">
+            <a:off x="4617720" y="3012725"/>
+            <a:ext cx="438490" cy="572062"/>
+          </a:xfrm>
+          <a:prstGeom prst="bentConnector3">
+            <a:avLst>
+              <a:gd name="adj1" fmla="val 50000"/>
+            </a:avLst>
+          </a:prstGeom>
+          <a:ln>
+            <a:tailEnd type="triangle"/>
+          </a:ln>
+        </p:spPr>
+        <p:style>
+          <a:lnRef idx="1">
+            <a:schemeClr val="accent1"/>
+          </a:lnRef>
+          <a:fillRef idx="0">
+            <a:schemeClr val="accent1"/>
+          </a:fillRef>
+          <a:effectRef idx="0">
+            <a:schemeClr val="accent1"/>
+          </a:effectRef>
+          <a:fontRef idx="minor">
+            <a:schemeClr val="tx1"/>
+          </a:fontRef>
+        </p:style>
+      </p:cxnSp>
+      <p:sp>
+        <p:nvSpPr>
+          <p:cNvPr id="29" name="Rectangle 28"/>
+          <p:cNvSpPr/>
+          <p:nvPr/>
+        </p:nvSpPr>
+        <p:spPr>
+          <a:xfrm>
+            <a:off x="7635240" y="3257127"/>
+            <a:ext cx="1417320" cy="975360"/>
+          </a:xfrm>
+          <a:prstGeom prst="rect">
+            <a:avLst/>
+          </a:prstGeom>
+        </p:spPr>
+        <p:style>
+          <a:lnRef idx="2">
+            <a:schemeClr val="accent1">
+              <a:shade val="50000"/>
+            </a:schemeClr>
+          </a:lnRef>
+          <a:fillRef idx="1">
+            <a:schemeClr val="accent1"/>
+          </a:fillRef>
+          <a:effectRef idx="0">
+            <a:schemeClr val="accent1"/>
+          </a:effectRef>
+          <a:fontRef idx="minor">
+            <a:schemeClr val="lt1"/>
+          </a:fontRef>
+        </p:style>
+        <p:txBody>
+          <a:bodyPr rtlCol="0" anchor="ctr"/>
+          <a:lstStyle/>
+          <a:p>
+            <a:pPr algn="ctr"/>
+            <a:r>
+              <a:rPr lang="en-US" dirty="0" smtClean="0"/>
+              <a:t>VGA Control FSM (NYI)</a:t>
+            </a:r>
+            <a:endParaRPr lang="en-CA" dirty="0"/>
+          </a:p>
+        </p:txBody>
+      </p:sp>
+      <p:cxnSp>
+        <p:nvCxnSpPr>
+          <p:cNvPr id="31" name="Elbow Connector 30"/>
+          <p:cNvCxnSpPr>
+            <a:stCxn id="18" idx="6"/>
+            <a:endCxn id="29" idx="0"/>
+          </p:cNvCxnSpPr>
+          <p:nvPr/>
+        </p:nvCxnSpPr>
+        <p:spPr>
+          <a:xfrm>
+            <a:off x="6427810" y="2080168"/>
+            <a:ext cx="1916090" cy="1176959"/>
+          </a:xfrm>
+          <a:prstGeom prst="bentConnector2">
+            <a:avLst/>
+          </a:prstGeom>
+          <a:ln>
+            <a:tailEnd type="triangle"/>
+          </a:ln>
+        </p:spPr>
+        <p:style>
+          <a:lnRef idx="1">
+            <a:schemeClr val="accent1"/>
+          </a:lnRef>
+          <a:fillRef idx="0">
+            <a:schemeClr val="accent1"/>
+          </a:fillRef>
+          <a:effectRef idx="0">
+            <a:schemeClr val="accent1"/>
+          </a:effectRef>
+          <a:fontRef idx="minor">
+            <a:schemeClr val="tx1"/>
+          </a:fontRef>
+        </p:style>
+      </p:cxnSp>
+      <p:cxnSp>
+        <p:nvCxnSpPr>
+          <p:cNvPr id="54" name="Elbow Connector 53"/>
+          <p:cNvCxnSpPr>
+            <a:stCxn id="38" idx="6"/>
+            <a:endCxn id="29" idx="0"/>
+          </p:cNvCxnSpPr>
+          <p:nvPr/>
+        </p:nvCxnSpPr>
+        <p:spPr>
+          <a:xfrm>
+            <a:off x="7117926" y="3012725"/>
+            <a:ext cx="1225974" cy="244402"/>
+          </a:xfrm>
+          <a:prstGeom prst="bentConnector2">
+            <a:avLst/>
+          </a:prstGeom>
+          <a:ln>
+            <a:tailEnd type="triangle"/>
+          </a:ln>
+        </p:spPr>
+        <p:style>
+          <a:lnRef idx="1">
+            <a:schemeClr val="accent1"/>
+          </a:lnRef>
+          <a:fillRef idx="0">
+            <a:schemeClr val="accent1"/>
+          </a:fillRef>
+          <a:effectRef idx="0">
+            <a:schemeClr val="accent1"/>
+          </a:effectRef>
+          <a:fontRef idx="minor">
+            <a:schemeClr val="tx1"/>
+          </a:fontRef>
+        </p:style>
+      </p:cxnSp>
+      <p:cxnSp>
+        <p:nvCxnSpPr>
+          <p:cNvPr id="55" name="Elbow Connector 54"/>
+          <p:cNvCxnSpPr>
+            <a:stCxn id="4" idx="4"/>
+            <a:endCxn id="29" idx="2"/>
+          </p:cNvCxnSpPr>
+          <p:nvPr/>
+        </p:nvCxnSpPr>
+        <p:spPr>
+          <a:xfrm rot="16200000" flipH="1">
+            <a:off x="4541520" y="430107"/>
+            <a:ext cx="377190" cy="7227570"/>
+          </a:xfrm>
+          <a:prstGeom prst="bentConnector3">
+            <a:avLst>
+              <a:gd name="adj1" fmla="val 629293"/>
+            </a:avLst>
+          </a:prstGeom>
+          <a:ln>
+            <a:tailEnd type="triangle"/>
+          </a:ln>
+        </p:spPr>
+        <p:style>
+          <a:lnRef idx="1">
+            <a:schemeClr val="accent1"/>
+          </a:lnRef>
+          <a:fillRef idx="0">
+            <a:schemeClr val="accent1"/>
+          </a:fillRef>
+          <a:effectRef idx="0">
+            <a:schemeClr val="accent1"/>
+          </a:effectRef>
+          <a:fontRef idx="minor">
+            <a:schemeClr val="tx1"/>
+          </a:fontRef>
+        </p:style>
+      </p:cxnSp>
+      <p:cxnSp>
+        <p:nvCxnSpPr>
+          <p:cNvPr id="58" name="Elbow Connector 57"/>
+          <p:cNvCxnSpPr>
+            <a:stCxn id="22" idx="6"/>
+            <a:endCxn id="29" idx="2"/>
+          </p:cNvCxnSpPr>
+          <p:nvPr/>
+        </p:nvCxnSpPr>
+        <p:spPr>
+          <a:xfrm flipV="1">
+            <a:off x="4351020" y="4232487"/>
+            <a:ext cx="3992880" cy="1375410"/>
+          </a:xfrm>
+          <a:prstGeom prst="bentConnector2">
+            <a:avLst/>
+          </a:prstGeom>
+          <a:ln>
+            <a:tailEnd type="triangle"/>
+          </a:ln>
+        </p:spPr>
+        <p:style>
+          <a:lnRef idx="1">
+            <a:schemeClr val="accent1"/>
+          </a:lnRef>
+          <a:fillRef idx="0">
+            <a:schemeClr val="accent1"/>
+          </a:fillRef>
+          <a:effectRef idx="0">
+            <a:schemeClr val="accent1"/>
+          </a:effectRef>
+          <a:fontRef idx="minor">
+            <a:schemeClr val="tx1"/>
+          </a:fontRef>
+        </p:style>
+      </p:cxnSp>
+      <p:sp>
+        <p:nvSpPr>
+          <p:cNvPr id="44" name="Rectangle 43"/>
+          <p:cNvSpPr/>
+          <p:nvPr/>
+        </p:nvSpPr>
+        <p:spPr>
+          <a:xfrm>
+            <a:off x="5398347" y="4541095"/>
+            <a:ext cx="1258146" cy="967740"/>
+          </a:xfrm>
+          <a:prstGeom prst="rect">
+            <a:avLst/>
+          </a:prstGeom>
+        </p:spPr>
+        <p:style>
+          <a:lnRef idx="2">
+            <a:schemeClr val="accent1">
+              <a:shade val="50000"/>
+            </a:schemeClr>
+          </a:lnRef>
+          <a:fillRef idx="1">
+            <a:schemeClr val="accent1"/>
+          </a:fillRef>
+          <a:effectRef idx="0">
+            <a:schemeClr val="accent1"/>
+          </a:effectRef>
+          <a:fontRef idx="minor">
+            <a:schemeClr val="lt1"/>
+          </a:fontRef>
+        </p:style>
+        <p:txBody>
+          <a:bodyPr rtlCol="0" anchor="ctr"/>
+          <a:lstStyle/>
+          <a:p>
+            <a:pPr algn="ctr"/>
+            <a:r>
+              <a:rPr lang="en-US" dirty="0" smtClean="0"/>
+              <a:t>Timer</a:t>
+            </a:r>
+            <a:endParaRPr lang="en-CA" dirty="0"/>
+          </a:p>
+        </p:txBody>
+      </p:sp>
+      <p:sp>
+        <p:nvSpPr>
+          <p:cNvPr id="45" name="Oval 44"/>
+          <p:cNvSpPr/>
+          <p:nvPr/>
+        </p:nvSpPr>
+        <p:spPr>
+          <a:xfrm>
+            <a:off x="5067300" y="3603274"/>
+            <a:ext cx="1920240" cy="472440"/>
+          </a:xfrm>
+          <a:prstGeom prst="ellipse">
+            <a:avLst/>
+          </a:prstGeom>
+        </p:spPr>
+        <p:style>
+          <a:lnRef idx="2">
+            <a:schemeClr val="accent1">
+              <a:shade val="50000"/>
+            </a:schemeClr>
+          </a:lnRef>
+          <a:fillRef idx="1">
+            <a:schemeClr val="accent1"/>
+          </a:fillRef>
+          <a:effectRef idx="0">
+            <a:schemeClr val="accent1"/>
+          </a:effectRef>
+          <a:fontRef idx="minor">
+            <a:schemeClr val="lt1"/>
+          </a:fontRef>
+        </p:style>
+        <p:txBody>
+          <a:bodyPr rtlCol="0" anchor="ctr"/>
+          <a:lstStyle/>
+          <a:p>
+            <a:pPr algn="ctr"/>
+            <a:r>
+              <a:rPr lang="en-US" dirty="0" smtClean="0"/>
+              <a:t>Timer Enable</a:t>
+            </a:r>
+            <a:endParaRPr lang="en-CA" dirty="0"/>
+          </a:p>
+        </p:txBody>
+      </p:sp>
+      <p:cxnSp>
+        <p:nvCxnSpPr>
+          <p:cNvPr id="63" name="Elbow Connector 62"/>
+          <p:cNvCxnSpPr>
+            <a:stCxn id="3" idx="3"/>
+            <a:endCxn id="45" idx="2"/>
+          </p:cNvCxnSpPr>
+          <p:nvPr/>
+        </p:nvCxnSpPr>
+        <p:spPr>
+          <a:xfrm>
+            <a:off x="4617720" y="3584787"/>
+            <a:ext cx="449580" cy="254707"/>
+          </a:xfrm>
+          <a:prstGeom prst="bentConnector3">
+            <a:avLst>
+              <a:gd name="adj1" fmla="val 50000"/>
+            </a:avLst>
+          </a:prstGeom>
+          <a:ln>
+            <a:tailEnd type="triangle"/>
+          </a:ln>
+        </p:spPr>
+        <p:style>
+          <a:lnRef idx="1">
+            <a:schemeClr val="accent1"/>
+          </a:lnRef>
+          <a:fillRef idx="0">
+            <a:schemeClr val="accent1"/>
+          </a:fillRef>
+          <a:effectRef idx="0">
+            <a:schemeClr val="accent1"/>
+          </a:effectRef>
+          <a:fontRef idx="minor">
+            <a:schemeClr val="tx1"/>
+          </a:fontRef>
+        </p:style>
+      </p:cxnSp>
+      <p:cxnSp>
+        <p:nvCxnSpPr>
+          <p:cNvPr id="67" name="Straight Arrow Connector 66"/>
+          <p:cNvCxnSpPr>
+            <a:stCxn id="45" idx="4"/>
+            <a:endCxn id="44" idx="0"/>
+          </p:cNvCxnSpPr>
+          <p:nvPr/>
+        </p:nvCxnSpPr>
+        <p:spPr>
+          <a:xfrm>
+            <a:off x="6027420" y="4075714"/>
+            <a:ext cx="0" cy="465381"/>
+          </a:xfrm>
+          <a:prstGeom prst="straightConnector1">
+            <a:avLst/>
+          </a:prstGeom>
+          <a:ln>
+            <a:tailEnd type="triangle"/>
+          </a:ln>
+        </p:spPr>
+        <p:style>
+          <a:lnRef idx="1">
+            <a:schemeClr val="accent1"/>
+          </a:lnRef>
+          <a:fillRef idx="0">
+            <a:schemeClr val="accent1"/>
+          </a:fillRef>
+          <a:effectRef idx="0">
+            <a:schemeClr val="accent1"/>
+          </a:effectRef>
+          <a:fontRef idx="minor">
+            <a:schemeClr val="tx1"/>
+          </a:fontRef>
+        </p:style>
+      </p:cxnSp>
+      <p:sp>
+        <p:nvSpPr>
+          <p:cNvPr id="68" name="Oval 67"/>
+          <p:cNvSpPr/>
+          <p:nvPr/>
+        </p:nvSpPr>
+        <p:spPr>
+          <a:xfrm>
+            <a:off x="9406889" y="3355763"/>
+            <a:ext cx="1363133" cy="778087"/>
+          </a:xfrm>
+          <a:prstGeom prst="ellipse">
+            <a:avLst/>
+          </a:prstGeom>
+        </p:spPr>
+        <p:style>
+          <a:lnRef idx="2">
+            <a:schemeClr val="accent1">
+              <a:shade val="50000"/>
+            </a:schemeClr>
+          </a:lnRef>
+          <a:fillRef idx="1">
+            <a:schemeClr val="accent1"/>
+          </a:fillRef>
+          <a:effectRef idx="0">
+            <a:schemeClr val="accent1"/>
+          </a:effectRef>
+          <a:fontRef idx="minor">
+            <a:schemeClr val="lt1"/>
+          </a:fontRef>
+        </p:style>
+        <p:txBody>
+          <a:bodyPr rtlCol="0" anchor="ctr"/>
+          <a:lstStyle/>
+          <a:p>
+            <a:pPr algn="ctr"/>
+            <a:r>
+              <a:rPr lang="en-US" dirty="0" smtClean="0"/>
+              <a:t>VGA Output</a:t>
+            </a:r>
+            <a:endParaRPr lang="en-CA" dirty="0"/>
+          </a:p>
+        </p:txBody>
+      </p:sp>
+      <p:cxnSp>
+        <p:nvCxnSpPr>
+          <p:cNvPr id="74" name="Straight Arrow Connector 73"/>
+          <p:cNvCxnSpPr>
+            <a:stCxn id="29" idx="3"/>
+            <a:endCxn id="68" idx="2"/>
+          </p:cNvCxnSpPr>
+          <p:nvPr/>
+        </p:nvCxnSpPr>
+        <p:spPr>
+          <a:xfrm>
+            <a:off x="9052560" y="3744807"/>
+            <a:ext cx="354329" cy="0"/>
+          </a:xfrm>
+          <a:prstGeom prst="straightConnector1">
+            <a:avLst/>
+          </a:prstGeom>
+          <a:ln>
+            <a:tailEnd type="triangle"/>
+          </a:ln>
+        </p:spPr>
+        <p:style>
+          <a:lnRef idx="1">
+            <a:schemeClr val="accent1"/>
+          </a:lnRef>
+          <a:fillRef idx="0">
+            <a:schemeClr val="accent1"/>
+          </a:fillRef>
+          <a:effectRef idx="0">
+            <a:schemeClr val="accent1"/>
+          </a:effectRef>
+          <a:fontRef idx="minor">
+            <a:schemeClr val="tx1"/>
+          </a:fontRef>
+        </p:style>
+      </p:cxnSp>
+      <p:sp>
+        <p:nvSpPr>
+          <p:cNvPr id="73" name="Oval 72"/>
+          <p:cNvSpPr/>
+          <p:nvPr/>
+        </p:nvSpPr>
+        <p:spPr>
+          <a:xfrm>
+            <a:off x="383118" y="1535622"/>
+            <a:ext cx="2108622" cy="584200"/>
+          </a:xfrm>
+          <a:prstGeom prst="ellipse">
+            <a:avLst/>
+          </a:prstGeom>
+        </p:spPr>
+        <p:style>
+          <a:lnRef idx="2">
+            <a:schemeClr val="accent1">
+              <a:shade val="50000"/>
+            </a:schemeClr>
+          </a:lnRef>
+          <a:fillRef idx="1">
+            <a:schemeClr val="accent1"/>
+          </a:fillRef>
+          <a:effectRef idx="0">
+            <a:schemeClr val="accent1"/>
+          </a:effectRef>
+          <a:fontRef idx="minor">
+            <a:schemeClr val="lt1"/>
+          </a:fontRef>
+        </p:style>
+        <p:txBody>
+          <a:bodyPr rtlCol="0" anchor="ctr"/>
+          <a:lstStyle/>
+          <a:p>
+            <a:pPr algn="ctr"/>
+            <a:r>
+              <a:rPr lang="en-US" dirty="0" smtClean="0"/>
+              <a:t>Current Gate (RNG)</a:t>
+            </a:r>
+            <a:endParaRPr lang="en-CA" dirty="0"/>
+          </a:p>
+        </p:txBody>
+      </p:sp>
+      <p:cxnSp>
+        <p:nvCxnSpPr>
+          <p:cNvPr id="80" name="Elbow Connector 79"/>
+          <p:cNvCxnSpPr>
+            <a:stCxn id="73" idx="4"/>
+            <a:endCxn id="3" idx="0"/>
+          </p:cNvCxnSpPr>
+          <p:nvPr/>
+        </p:nvCxnSpPr>
+        <p:spPr>
+          <a:xfrm rot="16200000" flipH="1">
+            <a:off x="2087447" y="1469803"/>
+            <a:ext cx="817265" cy="2117301"/>
+          </a:xfrm>
+          <a:prstGeom prst="bentConnector3">
+            <a:avLst>
+              <a:gd name="adj1" fmla="val 50000"/>
+            </a:avLst>
+          </a:prstGeom>
+          <a:ln>
+            <a:tailEnd type="triangle"/>
+          </a:ln>
+        </p:spPr>
+        <p:style>
+          <a:lnRef idx="1">
+            <a:schemeClr val="accent1"/>
+          </a:lnRef>
+          <a:fillRef idx="0">
+            <a:schemeClr val="accent1"/>
+          </a:fillRef>
+          <a:effectRef idx="0">
+            <a:schemeClr val="accent1"/>
+          </a:effectRef>
+          <a:fontRef idx="minor">
+            <a:schemeClr val="tx1"/>
+          </a:fontRef>
+        </p:style>
+      </p:cxnSp>
+    </p:spTree>
+    <p:extLst>
+      <p:ext uri="{BB962C8B-B14F-4D97-AF65-F5344CB8AC3E}">
+        <p14:creationId xmlns:p14="http://schemas.microsoft.com/office/powerpoint/2010/main" val="1016190765"/>
+      </p:ext>
+    </p:extLst>
+  </p:cSld>
+  <p:clrMapOvr>
+    <a:masterClrMapping/>
+  </p:clrMapOvr>
+</p:sld>
+</file>
+
+<file path=ppt/slides/slide6.xml><?xml version="1.0" encoding="utf-8"?>
+<p:sld xmlns:a="http://schemas.openxmlformats.org/drawingml/2006/main" xmlns:r="http://schemas.openxmlformats.org/officeDocument/2006/relationships" xmlns:p="http://schemas.openxmlformats.org/presentationml/2006/main">
+  <p:cSld>
+    <p:spTree>
+      <p:nvGrpSpPr>
+        <p:cNvPr id="1" name=""/>
+        <p:cNvGrpSpPr/>
+        <p:nvPr/>
+      </p:nvGrpSpPr>
+      <p:grpSpPr>
+        <a:xfrm>
+          <a:off x="0" y="0"/>
+          <a:ext cx="0" cy="0"/>
+          <a:chOff x="0" y="0"/>
+          <a:chExt cx="0" cy="0"/>
+        </a:xfrm>
+      </p:grpSpPr>
+      <p:sp>
+        <p:nvSpPr>
+          <p:cNvPr id="2" name="Title 1"/>
+          <p:cNvSpPr>
+            <a:spLocks noGrp="1"/>
+          </p:cNvSpPr>
+          <p:nvPr>
+            <p:ph type="title"/>
+          </p:nvPr>
+        </p:nvSpPr>
+        <p:spPr>
+          <a:xfrm>
+            <a:off x="677334" y="609600"/>
+            <a:ext cx="8596668" cy="745067"/>
+          </a:xfrm>
+        </p:spPr>
+        <p:txBody>
+          <a:bodyPr>
+            <a:normAutofit/>
+          </a:bodyPr>
+          <a:lstStyle/>
+          <a:p>
+            <a:r>
+              <a:rPr lang="en-US" dirty="0" smtClean="0"/>
+              <a:t>Block </a:t>
+            </a:r>
+            <a:r>
+              <a:rPr lang="en-US" dirty="0" smtClean="0"/>
+              <a:t>Diagram – VGA FSM (NYI)</a:t>
+            </a:r>
+            <a:endParaRPr lang="en-CA" dirty="0"/>
+          </a:p>
+        </p:txBody>
+      </p:sp>
+      <p:grpSp>
+        <p:nvGrpSpPr>
+          <p:cNvPr id="132" name="Group 131"/>
+          <p:cNvGrpSpPr/>
+          <p:nvPr/>
+        </p:nvGrpSpPr>
+        <p:grpSpPr>
+          <a:xfrm>
+            <a:off x="1024466" y="1354667"/>
+            <a:ext cx="8678334" cy="5052941"/>
+            <a:chOff x="194733" y="1030359"/>
+            <a:chExt cx="8678334" cy="5052941"/>
+          </a:xfrm>
+        </p:grpSpPr>
+        <p:sp>
+          <p:nvSpPr>
+            <p:cNvPr id="6" name="Oval 5"/>
+            <p:cNvSpPr/>
+            <p:nvPr/>
+          </p:nvSpPr>
+          <p:spPr>
+            <a:xfrm>
+              <a:off x="677333" y="1595966"/>
+              <a:ext cx="2243667" cy="584200"/>
+            </a:xfrm>
+            <a:prstGeom prst="ellipse">
+              <a:avLst/>
+            </a:prstGeom>
+          </p:spPr>
+          <p:style>
+            <a:lnRef idx="2">
+              <a:schemeClr val="accent1">
+                <a:shade val="50000"/>
+              </a:schemeClr>
+            </a:lnRef>
+            <a:fillRef idx="1">
+              <a:schemeClr val="accent1"/>
+            </a:fillRef>
+            <a:effectRef idx="0">
+              <a:schemeClr val="accent1"/>
+            </a:effectRef>
+            <a:fontRef idx="minor">
+              <a:schemeClr val="lt1"/>
+            </a:fontRef>
+          </p:style>
+          <p:txBody>
+            <a:bodyPr rtlCol="0" anchor="ctr"/>
+            <a:lstStyle/>
+            <a:p>
+              <a:pPr algn="ctr"/>
+              <a:r>
+                <a:rPr lang="en-US" dirty="0" smtClean="0"/>
+                <a:t>Draw Wire 1 </a:t>
+              </a:r>
+              <a:endParaRPr lang="en-CA" dirty="0"/>
+            </a:p>
+          </p:txBody>
+        </p:sp>
+        <p:sp>
+          <p:nvSpPr>
+            <p:cNvPr id="30" name="Oval 29"/>
+            <p:cNvSpPr/>
+            <p:nvPr/>
+          </p:nvSpPr>
+          <p:spPr>
+            <a:xfrm>
+              <a:off x="677335" y="2463800"/>
+              <a:ext cx="2243667" cy="584200"/>
+            </a:xfrm>
+            <a:prstGeom prst="ellipse">
+              <a:avLst/>
+            </a:prstGeom>
+          </p:spPr>
+          <p:style>
+            <a:lnRef idx="2">
+              <a:schemeClr val="accent1">
+                <a:shade val="50000"/>
+              </a:schemeClr>
+            </a:lnRef>
+            <a:fillRef idx="1">
+              <a:schemeClr val="accent1"/>
+            </a:fillRef>
+            <a:effectRef idx="0">
+              <a:schemeClr val="accent1"/>
+            </a:effectRef>
+            <a:fontRef idx="minor">
+              <a:schemeClr val="lt1"/>
+            </a:fontRef>
+          </p:style>
+          <p:txBody>
+            <a:bodyPr rtlCol="0" anchor="ctr"/>
+            <a:lstStyle/>
+            <a:p>
+              <a:pPr algn="ctr"/>
+              <a:r>
+                <a:rPr lang="en-US" dirty="0" smtClean="0"/>
+                <a:t>Draw Wire 2</a:t>
+              </a:r>
+              <a:endParaRPr lang="en-CA" dirty="0"/>
+            </a:p>
+          </p:txBody>
+        </p:sp>
+        <p:sp>
+          <p:nvSpPr>
+            <p:cNvPr id="32" name="Oval 31"/>
+            <p:cNvSpPr/>
+            <p:nvPr/>
+          </p:nvSpPr>
+          <p:spPr>
+            <a:xfrm>
+              <a:off x="677334" y="3302000"/>
+              <a:ext cx="2243667" cy="584200"/>
+            </a:xfrm>
+            <a:prstGeom prst="ellipse">
+              <a:avLst/>
+            </a:prstGeom>
+          </p:spPr>
+          <p:style>
+            <a:lnRef idx="2">
+              <a:schemeClr val="accent1">
+                <a:shade val="50000"/>
+              </a:schemeClr>
+            </a:lnRef>
+            <a:fillRef idx="1">
+              <a:schemeClr val="accent1"/>
+            </a:fillRef>
+            <a:effectRef idx="0">
+              <a:schemeClr val="accent1"/>
+            </a:effectRef>
+            <a:fontRef idx="minor">
+              <a:schemeClr val="lt1"/>
+            </a:fontRef>
+          </p:style>
+          <p:txBody>
+            <a:bodyPr rtlCol="0" anchor="ctr"/>
+            <a:lstStyle/>
+            <a:p>
+              <a:pPr algn="ctr"/>
+              <a:r>
+                <a:rPr lang="en-US" dirty="0" smtClean="0"/>
+                <a:t>Draw Wire 3</a:t>
+              </a:r>
+              <a:endParaRPr lang="en-CA" dirty="0"/>
+            </a:p>
+          </p:txBody>
+        </p:sp>
+        <p:sp>
+          <p:nvSpPr>
+            <p:cNvPr id="34" name="Oval 33"/>
+            <p:cNvSpPr/>
+            <p:nvPr/>
+          </p:nvSpPr>
+          <p:spPr>
+            <a:xfrm>
+              <a:off x="4284134" y="1896533"/>
+              <a:ext cx="2861733" cy="1151467"/>
+            </a:xfrm>
+            <a:prstGeom prst="ellipse">
+              <a:avLst/>
+            </a:prstGeom>
+          </p:spPr>
+          <p:style>
+            <a:lnRef idx="2">
+              <a:schemeClr val="accent1">
+                <a:shade val="50000"/>
+              </a:schemeClr>
+            </a:lnRef>
+            <a:fillRef idx="1">
+              <a:schemeClr val="accent1"/>
+            </a:fillRef>
+            <a:effectRef idx="0">
+              <a:schemeClr val="accent1"/>
+            </a:effectRef>
+            <a:fontRef idx="minor">
+              <a:schemeClr val="lt1"/>
+            </a:fontRef>
+          </p:style>
+          <p:txBody>
+            <a:bodyPr rtlCol="0" anchor="ctr"/>
+            <a:lstStyle/>
+            <a:p>
+              <a:pPr algn="ctr"/>
+              <a:r>
+                <a:rPr lang="en-US" dirty="0" smtClean="0"/>
+                <a:t>Rectangle Dimension/Color Determination Modules</a:t>
+              </a:r>
+              <a:endParaRPr lang="en-CA" dirty="0"/>
+            </a:p>
+          </p:txBody>
+        </p:sp>
+        <p:sp>
+          <p:nvSpPr>
+            <p:cNvPr id="8" name="Oval 7"/>
+            <p:cNvSpPr/>
+            <p:nvPr/>
+          </p:nvSpPr>
+          <p:spPr>
+            <a:xfrm>
+              <a:off x="4546600" y="3551767"/>
+              <a:ext cx="2336800" cy="1202266"/>
+            </a:xfrm>
+            <a:prstGeom prst="ellipse">
+              <a:avLst/>
+            </a:prstGeom>
+          </p:spPr>
+          <p:style>
+            <a:lnRef idx="2">
+              <a:schemeClr val="accent1">
+                <a:shade val="50000"/>
+              </a:schemeClr>
+            </a:lnRef>
+            <a:fillRef idx="1">
+              <a:schemeClr val="accent1"/>
+            </a:fillRef>
+            <a:effectRef idx="0">
+              <a:schemeClr val="accent1"/>
+            </a:effectRef>
+            <a:fontRef idx="minor">
+              <a:schemeClr val="lt1"/>
+            </a:fontRef>
+          </p:style>
+          <p:txBody>
+            <a:bodyPr rtlCol="0" anchor="ctr"/>
+            <a:lstStyle/>
+            <a:p>
+              <a:pPr algn="ctr"/>
+              <a:r>
+                <a:rPr lang="en-US" dirty="0" smtClean="0"/>
+                <a:t>Rectangle Drawer Module</a:t>
+              </a:r>
+              <a:endParaRPr lang="en-CA" dirty="0"/>
+            </a:p>
+          </p:txBody>
+        </p:sp>
+        <p:sp>
+          <p:nvSpPr>
+            <p:cNvPr id="9" name="Oval 8"/>
+            <p:cNvSpPr/>
+            <p:nvPr/>
+          </p:nvSpPr>
+          <p:spPr>
+            <a:xfrm>
+              <a:off x="4969933" y="5185834"/>
+              <a:ext cx="1490133" cy="897466"/>
+            </a:xfrm>
+            <a:prstGeom prst="ellipse">
+              <a:avLst/>
+            </a:prstGeom>
+          </p:spPr>
+          <p:style>
+            <a:lnRef idx="2">
+              <a:schemeClr val="accent1">
+                <a:shade val="50000"/>
+              </a:schemeClr>
+            </a:lnRef>
+            <a:fillRef idx="1">
+              <a:schemeClr val="accent1"/>
+            </a:fillRef>
+            <a:effectRef idx="0">
+              <a:schemeClr val="accent1"/>
+            </a:effectRef>
+            <a:fontRef idx="minor">
+              <a:schemeClr val="lt1"/>
+            </a:fontRef>
+          </p:style>
+          <p:txBody>
+            <a:bodyPr rtlCol="0" anchor="ctr"/>
+            <a:lstStyle/>
+            <a:p>
+              <a:pPr algn="ctr"/>
+              <a:r>
+                <a:rPr lang="en-US" dirty="0" smtClean="0"/>
+                <a:t>VGA Output</a:t>
+              </a:r>
+              <a:endParaRPr lang="en-CA" dirty="0"/>
+            </a:p>
+          </p:txBody>
+        </p:sp>
+        <p:cxnSp>
+          <p:nvCxnSpPr>
+            <p:cNvPr id="12" name="Elbow Connector 11"/>
+            <p:cNvCxnSpPr>
+              <a:stCxn id="8" idx="2"/>
+              <a:endCxn id="9" idx="2"/>
+            </p:cNvCxnSpPr>
+            <p:nvPr/>
+          </p:nvCxnSpPr>
+          <p:spPr>
+            <a:xfrm rot="10800000" flipH="1" flipV="1">
+              <a:off x="4546599" y="4152899"/>
+              <a:ext cx="423333" cy="1481667"/>
+            </a:xfrm>
+            <a:prstGeom prst="bentConnector3">
+              <a:avLst>
+                <a:gd name="adj1" fmla="val -54000"/>
+              </a:avLst>
+            </a:prstGeom>
+            <a:ln>
+              <a:tailEnd type="triangle"/>
+            </a:ln>
+          </p:spPr>
+          <p:style>
+            <a:lnRef idx="1">
+              <a:schemeClr val="accent1"/>
+            </a:lnRef>
+            <a:fillRef idx="0">
+              <a:schemeClr val="accent1"/>
+            </a:fillRef>
+            <a:effectRef idx="0">
+              <a:schemeClr val="accent1"/>
+            </a:effectRef>
+            <a:fontRef idx="minor">
+              <a:schemeClr val="tx1"/>
+            </a:fontRef>
+          </p:style>
+        </p:cxnSp>
+        <p:cxnSp>
+          <p:nvCxnSpPr>
+            <p:cNvPr id="23" name="Straight Arrow Connector 22"/>
+            <p:cNvCxnSpPr>
+              <a:stCxn id="8" idx="4"/>
+              <a:endCxn id="9" idx="0"/>
+            </p:cNvCxnSpPr>
+            <p:nvPr/>
+          </p:nvCxnSpPr>
+          <p:spPr>
+            <a:xfrm>
+              <a:off x="5715000" y="4754033"/>
+              <a:ext cx="0" cy="431801"/>
+            </a:xfrm>
+            <a:prstGeom prst="straightConnector1">
+              <a:avLst/>
+            </a:prstGeom>
+            <a:ln>
+              <a:tailEnd type="triangle"/>
+            </a:ln>
+          </p:spPr>
+          <p:style>
+            <a:lnRef idx="1">
+              <a:schemeClr val="accent1"/>
+            </a:lnRef>
+            <a:fillRef idx="0">
+              <a:schemeClr val="accent1"/>
+            </a:fillRef>
+            <a:effectRef idx="0">
+              <a:schemeClr val="accent1"/>
+            </a:effectRef>
+            <a:fontRef idx="minor">
+              <a:schemeClr val="tx1"/>
+            </a:fontRef>
+          </p:style>
+        </p:cxnSp>
+        <p:sp>
+          <p:nvSpPr>
+            <p:cNvPr id="24" name="TextBox 23"/>
+            <p:cNvSpPr txBox="1"/>
+            <p:nvPr/>
+          </p:nvSpPr>
+          <p:spPr>
+            <a:xfrm>
+              <a:off x="4064001" y="4682634"/>
+              <a:ext cx="863600" cy="369332"/>
+            </a:xfrm>
+            <a:prstGeom prst="rect">
+              <a:avLst/>
+            </a:prstGeom>
+            <a:noFill/>
+          </p:spPr>
+          <p:txBody>
+            <a:bodyPr wrap="square" rtlCol="0">
+              <a:spAutoFit/>
+            </a:bodyPr>
+            <a:lstStyle/>
+            <a:p>
+              <a:r>
+                <a:rPr lang="en-US" dirty="0"/>
+                <a:t>X</a:t>
+              </a:r>
+              <a:endParaRPr lang="en-CA" dirty="0"/>
+            </a:p>
+          </p:txBody>
+        </p:sp>
+        <p:sp>
+          <p:nvSpPr>
+            <p:cNvPr id="46" name="TextBox 45"/>
+            <p:cNvSpPr txBox="1"/>
+            <p:nvPr/>
+          </p:nvSpPr>
+          <p:spPr>
+            <a:xfrm>
+              <a:off x="5410198" y="4718334"/>
+              <a:ext cx="863600" cy="369332"/>
+            </a:xfrm>
+            <a:prstGeom prst="rect">
+              <a:avLst/>
+            </a:prstGeom>
+            <a:noFill/>
+          </p:spPr>
+          <p:txBody>
+            <a:bodyPr wrap="square" rtlCol="0">
+              <a:spAutoFit/>
+            </a:bodyPr>
+            <a:lstStyle/>
+            <a:p>
+              <a:r>
+                <a:rPr lang="en-US" dirty="0" smtClean="0"/>
+                <a:t>Y</a:t>
+              </a:r>
+              <a:endParaRPr lang="en-CA" dirty="0"/>
+            </a:p>
+          </p:txBody>
+        </p:sp>
+        <p:cxnSp>
+          <p:nvCxnSpPr>
+            <p:cNvPr id="35" name="Straight Arrow Connector 34"/>
+            <p:cNvCxnSpPr>
+              <a:stCxn id="34" idx="4"/>
+              <a:endCxn id="8" idx="0"/>
+            </p:cNvCxnSpPr>
+            <p:nvPr/>
+          </p:nvCxnSpPr>
+          <p:spPr>
+            <a:xfrm flipH="1">
+              <a:off x="5715000" y="3048000"/>
+              <a:ext cx="1" cy="503767"/>
+            </a:xfrm>
+            <a:prstGeom prst="straightConnector1">
+              <a:avLst/>
+            </a:prstGeom>
+            <a:ln>
+              <a:tailEnd type="triangle"/>
+            </a:ln>
+          </p:spPr>
+          <p:style>
+            <a:lnRef idx="1">
+              <a:schemeClr val="accent1"/>
+            </a:lnRef>
+            <a:fillRef idx="0">
+              <a:schemeClr val="accent1"/>
+            </a:fillRef>
+            <a:effectRef idx="0">
+              <a:schemeClr val="accent1"/>
+            </a:effectRef>
+            <a:fontRef idx="minor">
+              <a:schemeClr val="tx1"/>
+            </a:fontRef>
+          </p:style>
+        </p:cxnSp>
+        <p:cxnSp>
+          <p:nvCxnSpPr>
+            <p:cNvPr id="56" name="Elbow Connector 55"/>
+            <p:cNvCxnSpPr>
+              <a:stCxn id="34" idx="2"/>
+              <a:endCxn id="8" idx="1"/>
+            </p:cNvCxnSpPr>
+            <p:nvPr/>
+          </p:nvCxnSpPr>
+          <p:spPr>
+            <a:xfrm rot="10800000" flipH="1" flipV="1">
+              <a:off x="4284134" y="2472267"/>
+              <a:ext cx="604682" cy="1255568"/>
+            </a:xfrm>
+            <a:prstGeom prst="bentConnector4">
+              <a:avLst>
+                <a:gd name="adj1" fmla="val -37805"/>
+                <a:gd name="adj2" fmla="val 65916"/>
+              </a:avLst>
+            </a:prstGeom>
+            <a:ln>
+              <a:tailEnd type="triangle"/>
+            </a:ln>
+          </p:spPr>
+          <p:style>
+            <a:lnRef idx="1">
+              <a:schemeClr val="accent1"/>
+            </a:lnRef>
+            <a:fillRef idx="0">
+              <a:schemeClr val="accent1"/>
+            </a:fillRef>
+            <a:effectRef idx="0">
+              <a:schemeClr val="accent1"/>
+            </a:effectRef>
+            <a:fontRef idx="minor">
+              <a:schemeClr val="tx1"/>
+            </a:fontRef>
+          </p:style>
+        </p:cxnSp>
+        <p:sp>
+          <p:nvSpPr>
+            <p:cNvPr id="60" name="TextBox 59"/>
+            <p:cNvSpPr txBox="1"/>
+            <p:nvPr/>
+          </p:nvSpPr>
+          <p:spPr>
+            <a:xfrm>
+              <a:off x="6316131" y="2963218"/>
+              <a:ext cx="1151469" cy="369332"/>
+            </a:xfrm>
+            <a:prstGeom prst="rect">
+              <a:avLst/>
+            </a:prstGeom>
+            <a:noFill/>
+          </p:spPr>
+          <p:txBody>
+            <a:bodyPr wrap="square" rtlCol="0">
+              <a:spAutoFit/>
+            </a:bodyPr>
+            <a:lstStyle/>
+            <a:p>
+              <a:r>
+                <a:rPr lang="en-US" dirty="0" smtClean="0"/>
+                <a:t>Location</a:t>
+              </a:r>
+              <a:endParaRPr lang="en-CA" dirty="0"/>
+            </a:p>
+          </p:txBody>
+        </p:sp>
+        <p:sp>
+          <p:nvSpPr>
+            <p:cNvPr id="61" name="TextBox 60"/>
+            <p:cNvSpPr txBox="1"/>
+            <p:nvPr/>
+          </p:nvSpPr>
+          <p:spPr>
+            <a:xfrm>
+              <a:off x="4004734" y="2948685"/>
+              <a:ext cx="1151469" cy="369332"/>
+            </a:xfrm>
+            <a:prstGeom prst="rect">
+              <a:avLst/>
+            </a:prstGeom>
+            <a:noFill/>
+          </p:spPr>
+          <p:txBody>
+            <a:bodyPr wrap="square" rtlCol="0">
+              <a:spAutoFit/>
+            </a:bodyPr>
+            <a:lstStyle/>
+            <a:p>
+              <a:r>
+                <a:rPr lang="en-US" dirty="0" smtClean="0"/>
+                <a:t>Length</a:t>
+              </a:r>
+              <a:endParaRPr lang="en-CA" dirty="0"/>
+            </a:p>
+          </p:txBody>
+        </p:sp>
+        <p:sp>
+          <p:nvSpPr>
+            <p:cNvPr id="62" name="TextBox 61"/>
+            <p:cNvSpPr txBox="1"/>
+            <p:nvPr/>
+          </p:nvSpPr>
+          <p:spPr>
+            <a:xfrm>
+              <a:off x="5002025" y="3040787"/>
+              <a:ext cx="1151469" cy="369332"/>
+            </a:xfrm>
+            <a:prstGeom prst="rect">
+              <a:avLst/>
+            </a:prstGeom>
+            <a:noFill/>
+          </p:spPr>
+          <p:txBody>
+            <a:bodyPr wrap="square" rtlCol="0">
+              <a:spAutoFit/>
+            </a:bodyPr>
+            <a:lstStyle/>
+            <a:p>
+              <a:r>
+                <a:rPr lang="en-US" dirty="0" smtClean="0"/>
+                <a:t>Width</a:t>
+              </a:r>
+              <a:endParaRPr lang="en-CA" dirty="0"/>
+            </a:p>
+          </p:txBody>
+        </p:sp>
+        <p:cxnSp>
+          <p:nvCxnSpPr>
+            <p:cNvPr id="64" name="Elbow Connector 63"/>
+            <p:cNvCxnSpPr>
+              <a:stCxn id="34" idx="6"/>
+              <a:endCxn id="8" idx="7"/>
+            </p:cNvCxnSpPr>
+            <p:nvPr/>
+          </p:nvCxnSpPr>
+          <p:spPr>
+            <a:xfrm flipH="1">
+              <a:off x="6541184" y="2472267"/>
+              <a:ext cx="604683" cy="1255568"/>
+            </a:xfrm>
+            <a:prstGeom prst="bentConnector4">
+              <a:avLst>
+                <a:gd name="adj1" fmla="val -37805"/>
+                <a:gd name="adj2" fmla="val 65916"/>
+              </a:avLst>
+            </a:prstGeom>
+            <a:ln>
+              <a:tailEnd type="triangle"/>
+            </a:ln>
+          </p:spPr>
+          <p:style>
+            <a:lnRef idx="1">
+              <a:schemeClr val="accent1"/>
+            </a:lnRef>
+            <a:fillRef idx="0">
+              <a:schemeClr val="accent1"/>
+            </a:fillRef>
+            <a:effectRef idx="0">
+              <a:schemeClr val="accent1"/>
+            </a:effectRef>
+            <a:fontRef idx="minor">
+              <a:schemeClr val="tx1"/>
+            </a:fontRef>
+          </p:style>
+        </p:cxnSp>
+        <p:cxnSp>
+          <p:nvCxnSpPr>
+            <p:cNvPr id="66" name="Elbow Connector 65"/>
+            <p:cNvCxnSpPr>
+              <a:stCxn id="34" idx="6"/>
+              <a:endCxn id="9" idx="6"/>
+            </p:cNvCxnSpPr>
+            <p:nvPr/>
+          </p:nvCxnSpPr>
+          <p:spPr>
+            <a:xfrm flipH="1">
+              <a:off x="6460066" y="2472267"/>
+              <a:ext cx="685801" cy="3162300"/>
+            </a:xfrm>
+            <a:prstGeom prst="bentConnector3">
+              <a:avLst>
+                <a:gd name="adj1" fmla="val -33333"/>
+              </a:avLst>
+            </a:prstGeom>
+            <a:ln>
+              <a:tailEnd type="triangle"/>
+            </a:ln>
+          </p:spPr>
+          <p:style>
+            <a:lnRef idx="1">
+              <a:schemeClr val="accent1"/>
+            </a:lnRef>
+            <a:fillRef idx="0">
+              <a:schemeClr val="accent1"/>
+            </a:fillRef>
+            <a:effectRef idx="0">
+              <a:schemeClr val="accent1"/>
+            </a:effectRef>
+            <a:fontRef idx="minor">
+              <a:schemeClr val="tx1"/>
+            </a:fontRef>
+          </p:style>
+        </p:cxnSp>
+        <p:sp>
+          <p:nvSpPr>
+            <p:cNvPr id="75" name="TextBox 74"/>
+            <p:cNvSpPr txBox="1"/>
+            <p:nvPr/>
+          </p:nvSpPr>
+          <p:spPr>
+            <a:xfrm>
+              <a:off x="6747931" y="4669251"/>
+              <a:ext cx="1151469" cy="369332"/>
+            </a:xfrm>
+            <a:prstGeom prst="rect">
+              <a:avLst/>
+            </a:prstGeom>
+            <a:noFill/>
+          </p:spPr>
+          <p:txBody>
+            <a:bodyPr wrap="square" rtlCol="0">
+              <a:spAutoFit/>
+            </a:bodyPr>
+            <a:lstStyle/>
+            <a:p>
+              <a:r>
+                <a:rPr lang="en-US" dirty="0" smtClean="0"/>
+                <a:t>Color</a:t>
+              </a:r>
+              <a:endParaRPr lang="en-CA" dirty="0"/>
+            </a:p>
+          </p:txBody>
+        </p:sp>
+        <p:sp>
+          <p:nvSpPr>
+            <p:cNvPr id="76" name="Oval 75"/>
+            <p:cNvSpPr/>
+            <p:nvPr/>
+          </p:nvSpPr>
+          <p:spPr>
+            <a:xfrm>
+              <a:off x="685799" y="4236308"/>
+              <a:ext cx="2226733" cy="1035449"/>
+            </a:xfrm>
+            <a:prstGeom prst="ellipse">
+              <a:avLst/>
+            </a:prstGeom>
+          </p:spPr>
+          <p:style>
+            <a:lnRef idx="2">
+              <a:schemeClr val="accent1">
+                <a:shade val="50000"/>
+              </a:schemeClr>
+            </a:lnRef>
+            <a:fillRef idx="1">
+              <a:schemeClr val="accent1"/>
+            </a:fillRef>
+            <a:effectRef idx="0">
+              <a:schemeClr val="accent1"/>
+            </a:effectRef>
+            <a:fontRef idx="minor">
+              <a:schemeClr val="lt1"/>
+            </a:fontRef>
+          </p:style>
+          <p:txBody>
+            <a:bodyPr rtlCol="0" anchor="ctr"/>
+            <a:lstStyle/>
+            <a:p>
+              <a:pPr algn="ctr"/>
+              <a:r>
+                <a:rPr lang="en-US" dirty="0" smtClean="0"/>
+                <a:t>Draw Completion Rectangle</a:t>
+              </a:r>
+              <a:endParaRPr lang="en-CA" dirty="0"/>
+            </a:p>
+          </p:txBody>
+        </p:sp>
+        <p:cxnSp>
+          <p:nvCxnSpPr>
+            <p:cNvPr id="78" name="Elbow Connector 77"/>
+            <p:cNvCxnSpPr>
+              <a:stCxn id="6" idx="6"/>
+              <a:endCxn id="34" idx="1"/>
+            </p:cNvCxnSpPr>
+            <p:nvPr/>
+          </p:nvCxnSpPr>
+          <p:spPr>
+            <a:xfrm>
+              <a:off x="2921000" y="1888066"/>
+              <a:ext cx="1782225" cy="177095"/>
+            </a:xfrm>
+            <a:prstGeom prst="bentConnector2">
+              <a:avLst/>
+            </a:prstGeom>
+            <a:ln>
+              <a:tailEnd type="triangle"/>
+            </a:ln>
+          </p:spPr>
+          <p:style>
+            <a:lnRef idx="1">
+              <a:schemeClr val="accent1"/>
+            </a:lnRef>
+            <a:fillRef idx="0">
+              <a:schemeClr val="accent1"/>
+            </a:fillRef>
+            <a:effectRef idx="0">
+              <a:schemeClr val="accent1"/>
+            </a:effectRef>
+            <a:fontRef idx="minor">
+              <a:schemeClr val="tx1"/>
+            </a:fontRef>
+          </p:style>
+        </p:cxnSp>
+        <p:cxnSp>
+          <p:nvCxnSpPr>
+            <p:cNvPr id="81" name="Elbow Connector 80"/>
+            <p:cNvCxnSpPr>
+              <a:stCxn id="30" idx="6"/>
+              <a:endCxn id="34" idx="1"/>
+            </p:cNvCxnSpPr>
+            <p:nvPr/>
+          </p:nvCxnSpPr>
+          <p:spPr>
+            <a:xfrm flipV="1">
+              <a:off x="2921002" y="2065161"/>
+              <a:ext cx="1782223" cy="690739"/>
+            </a:xfrm>
+            <a:prstGeom prst="bentConnector4">
+              <a:avLst>
+                <a:gd name="adj1" fmla="val 38242"/>
+                <a:gd name="adj2" fmla="val 125639"/>
+              </a:avLst>
+            </a:prstGeom>
+            <a:ln>
+              <a:tailEnd type="triangle"/>
+            </a:ln>
+          </p:spPr>
+          <p:style>
+            <a:lnRef idx="1">
+              <a:schemeClr val="accent1"/>
+            </a:lnRef>
+            <a:fillRef idx="0">
+              <a:schemeClr val="accent1"/>
+            </a:fillRef>
+            <a:effectRef idx="0">
+              <a:schemeClr val="accent1"/>
+            </a:effectRef>
+            <a:fontRef idx="minor">
+              <a:schemeClr val="tx1"/>
+            </a:fontRef>
+          </p:style>
+        </p:cxnSp>
+        <p:cxnSp>
+          <p:nvCxnSpPr>
+            <p:cNvPr id="89" name="Elbow Connector 88"/>
+            <p:cNvCxnSpPr>
+              <a:stCxn id="32" idx="6"/>
+              <a:endCxn id="34" idx="1"/>
+            </p:cNvCxnSpPr>
+            <p:nvPr/>
+          </p:nvCxnSpPr>
+          <p:spPr>
+            <a:xfrm flipV="1">
+              <a:off x="2921001" y="2065161"/>
+              <a:ext cx="1782224" cy="1528939"/>
+            </a:xfrm>
+            <a:prstGeom prst="bentConnector4">
+              <a:avLst>
+                <a:gd name="adj1" fmla="val 38242"/>
+                <a:gd name="adj2" fmla="val 111583"/>
+              </a:avLst>
+            </a:prstGeom>
+            <a:ln>
+              <a:tailEnd type="triangle"/>
+            </a:ln>
+          </p:spPr>
+          <p:style>
+            <a:lnRef idx="1">
+              <a:schemeClr val="accent1"/>
+            </a:lnRef>
+            <a:fillRef idx="0">
+              <a:schemeClr val="accent1"/>
+            </a:fillRef>
+            <a:effectRef idx="0">
+              <a:schemeClr val="accent1"/>
+            </a:effectRef>
+            <a:fontRef idx="minor">
+              <a:schemeClr val="tx1"/>
+            </a:fontRef>
+          </p:style>
+        </p:cxnSp>
+        <p:cxnSp>
+          <p:nvCxnSpPr>
+            <p:cNvPr id="93" name="Elbow Connector 92"/>
+            <p:cNvCxnSpPr>
+              <a:stCxn id="76" idx="6"/>
+              <a:endCxn id="34" idx="1"/>
+            </p:cNvCxnSpPr>
+            <p:nvPr/>
+          </p:nvCxnSpPr>
+          <p:spPr>
+            <a:xfrm flipV="1">
+              <a:off x="2912532" y="2065161"/>
+              <a:ext cx="1790693" cy="2688872"/>
+            </a:xfrm>
+            <a:prstGeom prst="bentConnector4">
+              <a:avLst>
+                <a:gd name="adj1" fmla="val 38298"/>
+                <a:gd name="adj2" fmla="val 107216"/>
+              </a:avLst>
+            </a:prstGeom>
+            <a:ln>
+              <a:tailEnd type="triangle"/>
+            </a:ln>
+          </p:spPr>
+          <p:style>
+            <a:lnRef idx="1">
+              <a:schemeClr val="accent1"/>
+            </a:lnRef>
+            <a:fillRef idx="0">
+              <a:schemeClr val="accent1"/>
+            </a:fillRef>
+            <a:effectRef idx="0">
+              <a:schemeClr val="accent1"/>
+            </a:effectRef>
+            <a:fontRef idx="minor">
+              <a:schemeClr val="tx1"/>
+            </a:fontRef>
+          </p:style>
+        </p:cxnSp>
+        <p:sp>
+          <p:nvSpPr>
+            <p:cNvPr id="97" name="TextBox 96"/>
+            <p:cNvSpPr txBox="1"/>
+            <p:nvPr/>
+          </p:nvSpPr>
+          <p:spPr>
+            <a:xfrm>
+              <a:off x="3553858" y="1494252"/>
+              <a:ext cx="1274244" cy="369332"/>
+            </a:xfrm>
+            <a:prstGeom prst="rect">
+              <a:avLst/>
+            </a:prstGeom>
+            <a:noFill/>
+          </p:spPr>
+          <p:txBody>
+            <a:bodyPr wrap="square" rtlCol="0">
+              <a:spAutoFit/>
+            </a:bodyPr>
+            <a:lstStyle/>
+            <a:p>
+              <a:r>
+                <a:rPr lang="en-US" dirty="0" smtClean="0"/>
+                <a:t>Constants</a:t>
+              </a:r>
+              <a:endParaRPr lang="en-CA" dirty="0"/>
+            </a:p>
+          </p:txBody>
+        </p:sp>
+        <p:sp>
+          <p:nvSpPr>
+            <p:cNvPr id="98" name="Oval 97"/>
+            <p:cNvSpPr/>
+            <p:nvPr/>
+          </p:nvSpPr>
+          <p:spPr>
+            <a:xfrm>
+              <a:off x="7145867" y="1030359"/>
+              <a:ext cx="1727200" cy="1244600"/>
+            </a:xfrm>
+            <a:prstGeom prst="ellipse">
+              <a:avLst/>
+            </a:prstGeom>
+          </p:spPr>
+          <p:style>
+            <a:lnRef idx="2">
+              <a:schemeClr val="accent1">
+                <a:shade val="50000"/>
+              </a:schemeClr>
+            </a:lnRef>
+            <a:fillRef idx="1">
+              <a:schemeClr val="accent1"/>
+            </a:fillRef>
+            <a:effectRef idx="0">
+              <a:schemeClr val="accent1"/>
+            </a:effectRef>
+            <a:fontRef idx="minor">
+              <a:schemeClr val="lt1"/>
+            </a:fontRef>
+          </p:style>
+          <p:txBody>
+            <a:bodyPr rtlCol="0" anchor="ctr"/>
+            <a:lstStyle/>
+            <a:p>
+              <a:pPr algn="ctr"/>
+              <a:r>
+                <a:rPr lang="en-US" dirty="0" smtClean="0"/>
+                <a:t>I/O Wire Values</a:t>
+              </a:r>
+              <a:endParaRPr lang="en-CA" dirty="0"/>
+            </a:p>
+          </p:txBody>
+        </p:sp>
+        <p:cxnSp>
+          <p:nvCxnSpPr>
+            <p:cNvPr id="100" name="Elbow Connector 99"/>
+            <p:cNvCxnSpPr>
+              <a:stCxn id="98" idx="2"/>
+              <a:endCxn id="34" idx="0"/>
+            </p:cNvCxnSpPr>
+            <p:nvPr/>
+          </p:nvCxnSpPr>
+          <p:spPr>
+            <a:xfrm rot="10800000" flipV="1">
+              <a:off x="5715001" y="1652659"/>
+              <a:ext cx="1430866" cy="243874"/>
+            </a:xfrm>
+            <a:prstGeom prst="bentConnector2">
+              <a:avLst/>
+            </a:prstGeom>
+            <a:ln>
+              <a:tailEnd type="triangle"/>
+            </a:ln>
+          </p:spPr>
+          <p:style>
+            <a:lnRef idx="1">
+              <a:schemeClr val="accent1"/>
+            </a:lnRef>
+            <a:fillRef idx="0">
+              <a:schemeClr val="accent1"/>
+            </a:fillRef>
+            <a:effectRef idx="0">
+              <a:schemeClr val="accent1"/>
+            </a:effectRef>
+            <a:fontRef idx="minor">
+              <a:schemeClr val="tx1"/>
+            </a:fontRef>
+          </p:style>
+        </p:cxnSp>
+        <p:cxnSp>
+          <p:nvCxnSpPr>
+            <p:cNvPr id="103" name="Elbow Connector 102"/>
+            <p:cNvCxnSpPr>
+              <a:stCxn id="8" idx="2"/>
+              <a:endCxn id="126" idx="2"/>
+            </p:cNvCxnSpPr>
+            <p:nvPr/>
+          </p:nvCxnSpPr>
+          <p:spPr>
+            <a:xfrm rot="10800000" flipV="1">
+              <a:off x="1761058" y="4152899"/>
+              <a:ext cx="2785543" cy="1316567"/>
+            </a:xfrm>
+            <a:prstGeom prst="bentConnector4">
+              <a:avLst>
+                <a:gd name="adj1" fmla="val 21885"/>
+                <a:gd name="adj2" fmla="val 117363"/>
+              </a:avLst>
+            </a:prstGeom>
+            <a:ln>
+              <a:tailEnd type="triangle"/>
+            </a:ln>
+          </p:spPr>
+          <p:style>
+            <a:lnRef idx="1">
+              <a:schemeClr val="accent1"/>
+            </a:lnRef>
+            <a:fillRef idx="0">
+              <a:schemeClr val="accent1"/>
+            </a:fillRef>
+            <a:effectRef idx="0">
+              <a:schemeClr val="accent1"/>
+            </a:effectRef>
+            <a:fontRef idx="minor">
+              <a:schemeClr val="tx1"/>
+            </a:fontRef>
+          </p:style>
+        </p:cxnSp>
+        <p:cxnSp>
+          <p:nvCxnSpPr>
+            <p:cNvPr id="105" name="Straight Arrow Connector 104"/>
+            <p:cNvCxnSpPr>
+              <a:stCxn id="6" idx="4"/>
+              <a:endCxn id="30" idx="0"/>
+            </p:cNvCxnSpPr>
+            <p:nvPr/>
+          </p:nvCxnSpPr>
+          <p:spPr>
+            <a:xfrm>
+              <a:off x="1799167" y="2180166"/>
+              <a:ext cx="2" cy="283634"/>
+            </a:xfrm>
+            <a:prstGeom prst="straightConnector1">
+              <a:avLst/>
+            </a:prstGeom>
+            <a:ln>
+              <a:tailEnd type="triangle"/>
+            </a:ln>
+          </p:spPr>
+          <p:style>
+            <a:lnRef idx="1">
+              <a:schemeClr val="accent1"/>
+            </a:lnRef>
+            <a:fillRef idx="0">
+              <a:schemeClr val="accent1"/>
+            </a:fillRef>
+            <a:effectRef idx="0">
+              <a:schemeClr val="accent1"/>
+            </a:effectRef>
+            <a:fontRef idx="minor">
+              <a:schemeClr val="tx1"/>
+            </a:fontRef>
+          </p:style>
+        </p:cxnSp>
+        <p:cxnSp>
+          <p:nvCxnSpPr>
+            <p:cNvPr id="106" name="Straight Arrow Connector 105"/>
+            <p:cNvCxnSpPr>
+              <a:stCxn id="30" idx="4"/>
+              <a:endCxn id="32" idx="0"/>
+            </p:cNvCxnSpPr>
+            <p:nvPr/>
+          </p:nvCxnSpPr>
+          <p:spPr>
+            <a:xfrm flipH="1">
+              <a:off x="1799168" y="3048000"/>
+              <a:ext cx="1" cy="254000"/>
+            </a:xfrm>
+            <a:prstGeom prst="straightConnector1">
+              <a:avLst/>
+            </a:prstGeom>
+            <a:ln>
+              <a:tailEnd type="triangle"/>
+            </a:ln>
+          </p:spPr>
+          <p:style>
+            <a:lnRef idx="1">
+              <a:schemeClr val="accent1"/>
+            </a:lnRef>
+            <a:fillRef idx="0">
+              <a:schemeClr val="accent1"/>
+            </a:fillRef>
+            <a:effectRef idx="0">
+              <a:schemeClr val="accent1"/>
+            </a:effectRef>
+            <a:fontRef idx="minor">
+              <a:schemeClr val="tx1"/>
+            </a:fontRef>
+          </p:style>
+        </p:cxnSp>
+        <p:cxnSp>
+          <p:nvCxnSpPr>
+            <p:cNvPr id="109" name="Straight Arrow Connector 108"/>
+            <p:cNvCxnSpPr>
+              <a:stCxn id="32" idx="4"/>
+              <a:endCxn id="76" idx="0"/>
+            </p:cNvCxnSpPr>
+            <p:nvPr/>
+          </p:nvCxnSpPr>
+          <p:spPr>
+            <a:xfrm flipH="1">
+              <a:off x="1799166" y="3886200"/>
+              <a:ext cx="2" cy="350108"/>
+            </a:xfrm>
+            <a:prstGeom prst="straightConnector1">
+              <a:avLst/>
+            </a:prstGeom>
+            <a:ln>
+              <a:tailEnd type="triangle"/>
+            </a:ln>
+          </p:spPr>
+          <p:style>
+            <a:lnRef idx="1">
+              <a:schemeClr val="accent1"/>
+            </a:lnRef>
+            <a:fillRef idx="0">
+              <a:schemeClr val="accent1"/>
+            </a:fillRef>
+            <a:effectRef idx="0">
+              <a:schemeClr val="accent1"/>
+            </a:effectRef>
+            <a:fontRef idx="minor">
+              <a:schemeClr val="tx1"/>
+            </a:fontRef>
+          </p:style>
+        </p:cxnSp>
+        <p:cxnSp>
+          <p:nvCxnSpPr>
+            <p:cNvPr id="125" name="Elbow Connector 124"/>
+            <p:cNvCxnSpPr>
+              <a:stCxn id="76" idx="2"/>
+              <a:endCxn id="6" idx="2"/>
+            </p:cNvCxnSpPr>
+            <p:nvPr/>
+          </p:nvCxnSpPr>
+          <p:spPr>
+            <a:xfrm rot="10800000">
+              <a:off x="677333" y="1888067"/>
+              <a:ext cx="8466" cy="2865967"/>
+            </a:xfrm>
+            <a:prstGeom prst="bentConnector3">
+              <a:avLst>
+                <a:gd name="adj1" fmla="val 2800213"/>
+              </a:avLst>
+            </a:prstGeom>
+            <a:ln>
+              <a:tailEnd type="triangle"/>
+            </a:ln>
+          </p:spPr>
+          <p:style>
+            <a:lnRef idx="1">
+              <a:schemeClr val="accent1"/>
+            </a:lnRef>
+            <a:fillRef idx="0">
+              <a:schemeClr val="accent1"/>
+            </a:fillRef>
+            <a:effectRef idx="0">
+              <a:schemeClr val="accent1"/>
+            </a:effectRef>
+            <a:fontRef idx="minor">
+              <a:schemeClr val="tx1"/>
+            </a:fontRef>
+          </p:style>
+        </p:cxnSp>
+        <p:sp>
+          <p:nvSpPr>
+            <p:cNvPr id="126" name="Rectangle 125"/>
+            <p:cNvSpPr/>
+            <p:nvPr/>
+          </p:nvSpPr>
+          <p:spPr>
+            <a:xfrm>
+              <a:off x="194733" y="1325034"/>
+              <a:ext cx="3132647" cy="4144433"/>
+            </a:xfrm>
+            <a:prstGeom prst="rect">
+              <a:avLst/>
+            </a:prstGeom>
+            <a:noFill/>
+            <a:ln>
+              <a:solidFill>
+                <a:schemeClr val="accent1"/>
+              </a:solidFill>
+            </a:ln>
+          </p:spPr>
+          <p:style>
+            <a:lnRef idx="2">
+              <a:schemeClr val="accent1">
+                <a:shade val="50000"/>
+              </a:schemeClr>
+            </a:lnRef>
+            <a:fillRef idx="1">
+              <a:schemeClr val="accent1"/>
+            </a:fillRef>
+            <a:effectRef idx="0">
+              <a:schemeClr val="accent1"/>
+            </a:effectRef>
+            <a:fontRef idx="minor">
+              <a:schemeClr val="lt1"/>
+            </a:fontRef>
+          </p:style>
+          <p:txBody>
+            <a:bodyPr rtlCol="0" anchor="ctr"/>
+            <a:lstStyle/>
+            <a:p>
+              <a:pPr algn="ctr"/>
+              <a:endParaRPr lang="en-CA"/>
+            </a:p>
+          </p:txBody>
+        </p:sp>
+        <p:sp>
+          <p:nvSpPr>
+            <p:cNvPr id="128" name="TextBox 127"/>
+            <p:cNvSpPr txBox="1"/>
+            <p:nvPr/>
+          </p:nvSpPr>
+          <p:spPr>
+            <a:xfrm>
+              <a:off x="1292217" y="5658746"/>
+              <a:ext cx="3093515" cy="369332"/>
+            </a:xfrm>
+            <a:prstGeom prst="rect">
+              <a:avLst/>
+            </a:prstGeom>
+            <a:noFill/>
+          </p:spPr>
+          <p:txBody>
+            <a:bodyPr wrap="square" rtlCol="0">
+              <a:spAutoFit/>
+            </a:bodyPr>
+            <a:lstStyle/>
+            <a:p>
+              <a:r>
+                <a:rPr lang="en-US" dirty="0" smtClean="0"/>
+                <a:t>Done Signal (acts like clock)</a:t>
+              </a:r>
+              <a:endParaRPr lang="en-CA" dirty="0"/>
+            </a:p>
+          </p:txBody>
+        </p:sp>
+        <p:sp>
+          <p:nvSpPr>
+            <p:cNvPr id="129" name="TextBox 128"/>
+            <p:cNvSpPr txBox="1"/>
+            <p:nvPr/>
+          </p:nvSpPr>
+          <p:spPr>
+            <a:xfrm>
+              <a:off x="774688" y="3886200"/>
+              <a:ext cx="2137824" cy="369332"/>
+            </a:xfrm>
+            <a:prstGeom prst="rect">
+              <a:avLst/>
+            </a:prstGeom>
+            <a:noFill/>
+          </p:spPr>
+          <p:txBody>
+            <a:bodyPr wrap="square" rtlCol="0">
+              <a:spAutoFit/>
+            </a:bodyPr>
+            <a:lstStyle/>
+            <a:p>
+              <a:r>
+                <a:rPr lang="en-US" dirty="0" smtClean="0"/>
+                <a:t>On Selection Edge</a:t>
+              </a:r>
+              <a:endParaRPr lang="en-CA" dirty="0"/>
+            </a:p>
+          </p:txBody>
+        </p:sp>
+      </p:grpSp>
+    </p:spTree>
+    <p:extLst>
+      <p:ext uri="{BB962C8B-B14F-4D97-AF65-F5344CB8AC3E}">
+        <p14:creationId xmlns:p14="http://schemas.microsoft.com/office/powerpoint/2010/main" val="2541646432"/>
+      </p:ext>
+    </p:extLst>
+  </p:cSld>
+  <p:clrMapOvr>
+    <a:masterClrMapping/>
+  </p:clrMapOvr>
+</p:sld>
+</file>
+
+<file path=ppt/slides/slide7.xml><?xml version="1.0" encoding="utf-8"?>
+<p:sld xmlns:a="http://schemas.openxmlformats.org/drawingml/2006/main" xmlns:r="http://schemas.openxmlformats.org/officeDocument/2006/relationships" xmlns:p="http://schemas.openxmlformats.org/presentationml/2006/main">
+  <p:cSld>
+    <p:spTree>
+      <p:nvGrpSpPr>
+        <p:cNvPr id="1" name=""/>
+        <p:cNvGrpSpPr/>
+        <p:nvPr/>
+      </p:nvGrpSpPr>
+      <p:grpSpPr>
+        <a:xfrm>
+          <a:off x="0" y="0"/>
+          <a:ext cx="0" cy="0"/>
+          <a:chOff x="0" y="0"/>
+          <a:chExt cx="0" cy="0"/>
+        </a:xfrm>
+      </p:grpSpPr>
+      <p:sp>
+        <p:nvSpPr>
+          <p:cNvPr id="2" name="Title 1"/>
+          <p:cNvSpPr>
+            <a:spLocks noGrp="1"/>
+          </p:cNvSpPr>
+          <p:nvPr>
+            <p:ph type="title"/>
+          </p:nvPr>
+        </p:nvSpPr>
+        <p:spPr/>
+        <p:txBody>
+          <a:bodyPr/>
+          <a:lstStyle/>
+          <a:p>
+            <a:r>
+              <a:rPr lang="en-US" dirty="0" smtClean="0"/>
+              <a:t>Interesting Aspects</a:t>
+            </a:r>
+            <a:endParaRPr lang="en-CA" dirty="0"/>
+          </a:p>
+        </p:txBody>
+      </p:sp>
+      <p:sp>
+        <p:nvSpPr>
+          <p:cNvPr id="3" name="Content Placeholder 2"/>
+          <p:cNvSpPr>
+            <a:spLocks noGrp="1"/>
+          </p:cNvSpPr>
+          <p:nvPr>
+            <p:ph idx="1"/>
+          </p:nvPr>
+        </p:nvSpPr>
+        <p:spPr/>
+        <p:txBody>
+          <a:bodyPr/>
+          <a:lstStyle/>
+          <a:p>
+            <a:r>
+              <a:rPr lang="en-US" sz="3200" dirty="0" smtClean="0"/>
+              <a:t>Two minute timer (not hex!)</a:t>
+            </a:r>
+          </a:p>
+          <a:p>
+            <a:pPr lvl="1"/>
+            <a:r>
+              <a:rPr lang="en-US" sz="2800" dirty="0" smtClean="0"/>
+              <a:t>Looks cool</a:t>
+            </a:r>
+          </a:p>
+          <a:p>
+            <a:pPr lvl="1"/>
+            <a:r>
+              <a:rPr lang="en-US" sz="2800" dirty="0" smtClean="0"/>
+              <a:t>Harder to get working than we thought</a:t>
+            </a:r>
+          </a:p>
+          <a:p>
+            <a:r>
+              <a:rPr lang="en-US" sz="3200" dirty="0" smtClean="0"/>
+              <a:t>Gate Selector</a:t>
+            </a:r>
+          </a:p>
+          <a:p>
+            <a:pPr lvl="1"/>
+            <a:r>
+              <a:rPr lang="en-US" sz="2800" dirty="0" smtClean="0"/>
+              <a:t>Works flawlessly</a:t>
+            </a:r>
+          </a:p>
+          <a:p>
+            <a:pPr lvl="1"/>
+            <a:r>
+              <a:rPr lang="en-US" sz="2800" dirty="0"/>
+              <a:t>E</a:t>
+            </a:r>
+            <a:r>
+              <a:rPr lang="en-US" sz="2800" dirty="0" smtClean="0"/>
+              <a:t>asy to incorporate in the final design</a:t>
+            </a:r>
+            <a:endParaRPr lang="en-US" dirty="0" smtClean="0"/>
+          </a:p>
+          <a:p>
+            <a:endParaRPr lang="en-US" dirty="0" smtClean="0"/>
+          </a:p>
+        </p:txBody>
+      </p:sp>
+    </p:spTree>
+    <p:extLst>
+      <p:ext uri="{BB962C8B-B14F-4D97-AF65-F5344CB8AC3E}">
+        <p14:creationId xmlns:p14="http://schemas.microsoft.com/office/powerpoint/2010/main" val="1058682622"/>
+      </p:ext>
+    </p:extLst>
+  </p:cSld>
+  <p:clrMapOvr>
+    <a:masterClrMapping/>
+  </p:clrMapOvr>
+</p:sld>
+</file>
+
+<file path=ppt/slides/slide8.xml><?xml version="1.0" encoding="utf-8"?>
+<p:sld xmlns:a="http://schemas.openxmlformats.org/drawingml/2006/main" xmlns:r="http://schemas.openxmlformats.org/officeDocument/2006/relationships" xmlns:p="http://schemas.openxmlformats.org/presentationml/2006/main">
+  <p:cSld>
+    <p:spTree>
+      <p:nvGrpSpPr>
+        <p:cNvPr id="1" name=""/>
+        <p:cNvGrpSpPr/>
+        <p:nvPr/>
+      </p:nvGrpSpPr>
+      <p:grpSpPr>
+        <a:xfrm>
+          <a:off x="0" y="0"/>
+          <a:ext cx="0" cy="0"/>
+          <a:chOff x="0" y="0"/>
+          <a:chExt cx="0" cy="0"/>
+        </a:xfrm>
+      </p:grpSpPr>
+      <p:sp>
+        <p:nvSpPr>
+          <p:cNvPr id="2" name="Title 1"/>
+          <p:cNvSpPr>
+            <a:spLocks noGrp="1"/>
+          </p:cNvSpPr>
+          <p:nvPr>
+            <p:ph type="title"/>
+          </p:nvPr>
+        </p:nvSpPr>
         <p:spPr/>
         <p:txBody>
           <a:bodyPr/>
@@ -6303,7 +10842,7 @@
 </p:sld>
 </file>
 
-<file path=ppt/slides/slide6.xml><?xml version="1.0" encoding="utf-8"?>
+<file path=ppt/slides/slide9.xml><?xml version="1.0" encoding="utf-8"?>
 <p:sld xmlns:a="http://schemas.openxmlformats.org/drawingml/2006/main" xmlns:r="http://schemas.openxmlformats.org/officeDocument/2006/relationships" xmlns:p="http://schemas.openxmlformats.org/presentationml/2006/main">
   <p:cSld>
     <p:spTree>

--- a/CSC258 Project Presentation.pptx
+++ b/CSC258 Project Presentation.pptx
@@ -13,7 +13,10 @@
     <p:sldId id="264" r:id="rId7"/>
     <p:sldId id="259" r:id="rId8"/>
     <p:sldId id="261" r:id="rId9"/>
-    <p:sldId id="260" r:id="rId10"/>
+    <p:sldId id="265" r:id="rId10"/>
+    <p:sldId id="266" r:id="rId11"/>
+    <p:sldId id="267" r:id="rId12"/>
+    <p:sldId id="260" r:id="rId13"/>
   </p:sldIdLst>
   <p:sldSz cx="12192000" cy="6858000"/>
   <p:notesSz cx="6858000" cy="9144000"/>
@@ -842,7 +845,7 @@
           <a:p>
             <a:fld id="{E7475369-C27B-4614-84D0-86D29F7D8C28}" type="datetimeFigureOut">
               <a:rPr lang="en-CA" smtClean="0"/>
-              <a:t>2016-12-01</a:t>
+              <a:t>2016-12-02</a:t>
             </a:fld>
             <a:endParaRPr lang="en-CA"/>
           </a:p>
@@ -1093,7 +1096,7 @@
           <a:p>
             <a:fld id="{E7475369-C27B-4614-84D0-86D29F7D8C28}" type="datetimeFigureOut">
               <a:rPr lang="en-CA" smtClean="0"/>
-              <a:t>2016-12-01</a:t>
+              <a:t>2016-12-02</a:t>
             </a:fld>
             <a:endParaRPr lang="en-CA"/>
           </a:p>
@@ -1407,7 +1410,7 @@
           <a:p>
             <a:fld id="{E7475369-C27B-4614-84D0-86D29F7D8C28}" type="datetimeFigureOut">
               <a:rPr lang="en-CA" smtClean="0"/>
-              <a:t>2016-12-01</a:t>
+              <a:t>2016-12-02</a:t>
             </a:fld>
             <a:endParaRPr lang="en-CA"/>
           </a:p>
@@ -1748,7 +1751,7 @@
           <a:p>
             <a:fld id="{E7475369-C27B-4614-84D0-86D29F7D8C28}" type="datetimeFigureOut">
               <a:rPr lang="en-CA" smtClean="0"/>
-              <a:t>2016-12-01</a:t>
+              <a:t>2016-12-02</a:t>
             </a:fld>
             <a:endParaRPr lang="en-CA"/>
           </a:p>
@@ -2062,7 +2065,7 @@
           <a:p>
             <a:fld id="{E7475369-C27B-4614-84D0-86D29F7D8C28}" type="datetimeFigureOut">
               <a:rPr lang="en-CA" smtClean="0"/>
-              <a:t>2016-12-01</a:t>
+              <a:t>2016-12-02</a:t>
             </a:fld>
             <a:endParaRPr lang="en-CA"/>
           </a:p>
@@ -2455,7 +2458,7 @@
           <a:p>
             <a:fld id="{E7475369-C27B-4614-84D0-86D29F7D8C28}" type="datetimeFigureOut">
               <a:rPr lang="en-CA" smtClean="0"/>
-              <a:t>2016-12-01</a:t>
+              <a:t>2016-12-02</a:t>
             </a:fld>
             <a:endParaRPr lang="en-CA"/>
           </a:p>
@@ -2625,7 +2628,7 @@
           <a:p>
             <a:fld id="{E7475369-C27B-4614-84D0-86D29F7D8C28}" type="datetimeFigureOut">
               <a:rPr lang="en-CA" smtClean="0"/>
-              <a:t>2016-12-01</a:t>
+              <a:t>2016-12-02</a:t>
             </a:fld>
             <a:endParaRPr lang="en-CA"/>
           </a:p>
@@ -2805,7 +2808,7 @@
           <a:p>
             <a:fld id="{E7475369-C27B-4614-84D0-86D29F7D8C28}" type="datetimeFigureOut">
               <a:rPr lang="en-CA" smtClean="0"/>
-              <a:t>2016-12-01</a:t>
+              <a:t>2016-12-02</a:t>
             </a:fld>
             <a:endParaRPr lang="en-CA"/>
           </a:p>
@@ -2981,7 +2984,7 @@
           <a:p>
             <a:fld id="{E7475369-C27B-4614-84D0-86D29F7D8C28}" type="datetimeFigureOut">
               <a:rPr lang="en-CA" smtClean="0"/>
-              <a:t>2016-12-01</a:t>
+              <a:t>2016-12-02</a:t>
             </a:fld>
             <a:endParaRPr lang="en-CA"/>
           </a:p>
@@ -3228,7 +3231,7 @@
           <a:p>
             <a:fld id="{E7475369-C27B-4614-84D0-86D29F7D8C28}" type="datetimeFigureOut">
               <a:rPr lang="en-CA" smtClean="0"/>
-              <a:t>2016-12-01</a:t>
+              <a:t>2016-12-02</a:t>
             </a:fld>
             <a:endParaRPr lang="en-CA"/>
           </a:p>
@@ -3460,7 +3463,7 @@
           <a:p>
             <a:fld id="{E7475369-C27B-4614-84D0-86D29F7D8C28}" type="datetimeFigureOut">
               <a:rPr lang="en-CA" smtClean="0"/>
-              <a:t>2016-12-01</a:t>
+              <a:t>2016-12-02</a:t>
             </a:fld>
             <a:endParaRPr lang="en-CA"/>
           </a:p>
@@ -3834,7 +3837,7 @@
           <a:p>
             <a:fld id="{E7475369-C27B-4614-84D0-86D29F7D8C28}" type="datetimeFigureOut">
               <a:rPr lang="en-CA" smtClean="0"/>
-              <a:t>2016-12-01</a:t>
+              <a:t>2016-12-02</a:t>
             </a:fld>
             <a:endParaRPr lang="en-CA"/>
           </a:p>
@@ -3957,7 +3960,7 @@
           <a:p>
             <a:fld id="{E7475369-C27B-4614-84D0-86D29F7D8C28}" type="datetimeFigureOut">
               <a:rPr lang="en-CA" smtClean="0"/>
-              <a:t>2016-12-01</a:t>
+              <a:t>2016-12-02</a:t>
             </a:fld>
             <a:endParaRPr lang="en-CA"/>
           </a:p>
@@ -4052,7 +4055,7 @@
           <a:p>
             <a:fld id="{E7475369-C27B-4614-84D0-86D29F7D8C28}" type="datetimeFigureOut">
               <a:rPr lang="en-CA" smtClean="0"/>
-              <a:t>2016-12-01</a:t>
+              <a:t>2016-12-02</a:t>
             </a:fld>
             <a:endParaRPr lang="en-CA"/>
           </a:p>
@@ -4307,7 +4310,7 @@
           <a:p>
             <a:fld id="{E7475369-C27B-4614-84D0-86D29F7D8C28}" type="datetimeFigureOut">
               <a:rPr lang="en-CA" smtClean="0"/>
-              <a:t>2016-12-01</a:t>
+              <a:t>2016-12-02</a:t>
             </a:fld>
             <a:endParaRPr lang="en-CA"/>
           </a:p>
@@ -4570,7 +4573,7 @@
           <a:p>
             <a:fld id="{E7475369-C27B-4614-84D0-86D29F7D8C28}" type="datetimeFigureOut">
               <a:rPr lang="en-CA" smtClean="0"/>
-              <a:t>2016-12-01</a:t>
+              <a:t>2016-12-02</a:t>
             </a:fld>
             <a:endParaRPr lang="en-CA"/>
           </a:p>
@@ -5313,7 +5316,7 @@
           <a:p>
             <a:fld id="{E7475369-C27B-4614-84D0-86D29F7D8C28}" type="datetimeFigureOut">
               <a:rPr lang="en-CA" smtClean="0"/>
-              <a:t>2016-12-01</a:t>
+              <a:t>2016-12-02</a:t>
             </a:fld>
             <a:endParaRPr lang="en-CA"/>
           </a:p>
@@ -5896,6 +5899,503 @@
 </p:sld>
 </file>
 
+<file path=ppt/slides/slide10.xml><?xml version="1.0" encoding="utf-8"?>
+<p:sld xmlns:a="http://schemas.openxmlformats.org/drawingml/2006/main" xmlns:r="http://schemas.openxmlformats.org/officeDocument/2006/relationships" xmlns:p="http://schemas.openxmlformats.org/presentationml/2006/main">
+  <p:cSld>
+    <p:spTree>
+      <p:nvGrpSpPr>
+        <p:cNvPr id="1" name=""/>
+        <p:cNvGrpSpPr/>
+        <p:nvPr/>
+      </p:nvGrpSpPr>
+      <p:grpSpPr>
+        <a:xfrm>
+          <a:off x="0" y="0"/>
+          <a:ext cx="0" cy="0"/>
+          <a:chOff x="0" y="0"/>
+          <a:chExt cx="0" cy="0"/>
+        </a:xfrm>
+      </p:grpSpPr>
+      <p:sp>
+        <p:nvSpPr>
+          <p:cNvPr id="2" name="Title 1"/>
+          <p:cNvSpPr>
+            <a:spLocks noGrp="1"/>
+          </p:cNvSpPr>
+          <p:nvPr>
+            <p:ph type="title"/>
+          </p:nvPr>
+        </p:nvSpPr>
+        <p:spPr/>
+        <p:txBody>
+          <a:bodyPr/>
+          <a:lstStyle/>
+          <a:p>
+            <a:r>
+              <a:rPr lang="en-US" dirty="0" smtClean="0"/>
+              <a:t>Difficulties (last milestone)</a:t>
+            </a:r>
+            <a:endParaRPr lang="en-CA" dirty="0"/>
+          </a:p>
+        </p:txBody>
+      </p:sp>
+      <p:sp>
+        <p:nvSpPr>
+          <p:cNvPr id="3" name="Content Placeholder 2"/>
+          <p:cNvSpPr>
+            <a:spLocks noGrp="1"/>
+          </p:cNvSpPr>
+          <p:nvPr>
+            <p:ph idx="1"/>
+          </p:nvPr>
+        </p:nvSpPr>
+        <p:spPr>
+          <a:xfrm>
+            <a:off x="677333" y="1270000"/>
+            <a:ext cx="9600141" cy="4654550"/>
+          </a:xfrm>
+        </p:spPr>
+        <p:txBody>
+          <a:bodyPr>
+            <a:noAutofit/>
+          </a:bodyPr>
+          <a:lstStyle/>
+          <a:p>
+            <a:r>
+              <a:rPr lang="en-US" sz="2000" dirty="0" smtClean="0"/>
+              <a:t>Timer broke again</a:t>
+            </a:r>
+          </a:p>
+          <a:p>
+            <a:pPr lvl="1"/>
+            <a:r>
+              <a:rPr lang="en-US" sz="1800" dirty="0" smtClean="0"/>
+              <a:t>We loaded the newer code onto the board and it still had the same odd-skip issue</a:t>
+            </a:r>
+          </a:p>
+          <a:p>
+            <a:pPr lvl="1"/>
+            <a:r>
+              <a:rPr lang="en-US" sz="1800" dirty="0" smtClean="0"/>
+              <a:t>Random lines started appearing on HEX5 (even though we never used it in our code)</a:t>
+            </a:r>
+          </a:p>
+          <a:p>
+            <a:r>
+              <a:rPr lang="en-US" sz="2000" dirty="0" smtClean="0"/>
+              <a:t>Getting the gate control working</a:t>
+            </a:r>
+          </a:p>
+          <a:p>
+            <a:pPr lvl="1"/>
+            <a:r>
+              <a:rPr lang="en-US" sz="1800" dirty="0" smtClean="0"/>
+              <a:t>We decided to abandon the VGA implementation because it would take too much time, and use the board IO instead</a:t>
+            </a:r>
+          </a:p>
+          <a:p>
+            <a:pPr lvl="1"/>
+            <a:r>
+              <a:rPr lang="en-US" sz="1800" dirty="0" smtClean="0"/>
+              <a:t>MS once again failed to produce any meaningful results when testing (uncertain values)</a:t>
+            </a:r>
+          </a:p>
+          <a:p>
+            <a:pPr lvl="1"/>
+            <a:r>
+              <a:rPr lang="en-US" sz="1800" dirty="0" smtClean="0"/>
+              <a:t>When restricted to using the boards we were unable to debug this component in time</a:t>
+            </a:r>
+          </a:p>
+          <a:p>
+            <a:r>
+              <a:rPr lang="en-US" sz="2000" dirty="0" smtClean="0"/>
+              <a:t>Boards wouldn’t load our project (third lab session)</a:t>
+            </a:r>
+          </a:p>
+          <a:p>
+            <a:pPr lvl="1"/>
+            <a:r>
+              <a:rPr lang="en-US" sz="1800" dirty="0" smtClean="0"/>
+              <a:t>We have no idea why this happened – our code was compiling but not loading</a:t>
+            </a:r>
+          </a:p>
+          <a:p>
+            <a:r>
+              <a:rPr lang="en-US" sz="2000" dirty="0" smtClean="0"/>
+              <a:t>Note: we have a more recent version of our </a:t>
+            </a:r>
+            <a:r>
+              <a:rPr lang="en-US" sz="2000" dirty="0" err="1" smtClean="0"/>
+              <a:t>DemoGateControl.v</a:t>
+            </a:r>
+            <a:r>
+              <a:rPr lang="en-US" sz="2000" dirty="0" smtClean="0"/>
+              <a:t> on the lab computers but it doesn’t work as it can’t load onto the board</a:t>
+            </a:r>
+          </a:p>
+          <a:p>
+            <a:endParaRPr lang="en-US" sz="2000" dirty="0" smtClean="0"/>
+          </a:p>
+          <a:p>
+            <a:endParaRPr lang="en-US" sz="2000" dirty="0" smtClean="0"/>
+          </a:p>
+          <a:p>
+            <a:endParaRPr lang="en-US" sz="2000" dirty="0" smtClean="0"/>
+          </a:p>
+          <a:p>
+            <a:endParaRPr lang="en-US" sz="2000" dirty="0" smtClean="0"/>
+          </a:p>
+          <a:p>
+            <a:endParaRPr lang="en-US" sz="2000" dirty="0" smtClean="0"/>
+          </a:p>
+        </p:txBody>
+      </p:sp>
+    </p:spTree>
+    <p:extLst>
+      <p:ext uri="{BB962C8B-B14F-4D97-AF65-F5344CB8AC3E}">
+        <p14:creationId xmlns:p14="http://schemas.microsoft.com/office/powerpoint/2010/main" val="3546095129"/>
+      </p:ext>
+    </p:extLst>
+  </p:cSld>
+  <p:clrMapOvr>
+    <a:masterClrMapping/>
+  </p:clrMapOvr>
+</p:sld>
+</file>
+
+<file path=ppt/slides/slide11.xml><?xml version="1.0" encoding="utf-8"?>
+<p:sld xmlns:a="http://schemas.openxmlformats.org/drawingml/2006/main" xmlns:r="http://schemas.openxmlformats.org/officeDocument/2006/relationships" xmlns:p="http://schemas.openxmlformats.org/presentationml/2006/main">
+  <p:cSld>
+    <p:spTree>
+      <p:nvGrpSpPr>
+        <p:cNvPr id="1" name=""/>
+        <p:cNvGrpSpPr/>
+        <p:nvPr/>
+      </p:nvGrpSpPr>
+      <p:grpSpPr>
+        <a:xfrm>
+          <a:off x="0" y="0"/>
+          <a:ext cx="0" cy="0"/>
+          <a:chOff x="0" y="0"/>
+          <a:chExt cx="0" cy="0"/>
+        </a:xfrm>
+      </p:grpSpPr>
+      <p:sp>
+        <p:nvSpPr>
+          <p:cNvPr id="2" name="Title 1"/>
+          <p:cNvSpPr>
+            <a:spLocks noGrp="1"/>
+          </p:cNvSpPr>
+          <p:nvPr>
+            <p:ph type="title"/>
+          </p:nvPr>
+        </p:nvSpPr>
+        <p:spPr/>
+        <p:txBody>
+          <a:bodyPr/>
+          <a:lstStyle/>
+          <a:p>
+            <a:r>
+              <a:rPr lang="en-US" dirty="0" err="1" smtClean="0"/>
+              <a:t>ModelSim</a:t>
+            </a:r>
+            <a:r>
+              <a:rPr lang="en-US" dirty="0" smtClean="0"/>
+              <a:t> Uncertainty Images</a:t>
+            </a:r>
+            <a:endParaRPr lang="en-CA" dirty="0"/>
+          </a:p>
+        </p:txBody>
+      </p:sp>
+      <p:pic>
+        <p:nvPicPr>
+          <p:cNvPr id="5" name="Picture 4"/>
+          <p:cNvPicPr>
+            <a:picLocks noChangeAspect="1"/>
+          </p:cNvPicPr>
+          <p:nvPr/>
+        </p:nvPicPr>
+        <p:blipFill>
+          <a:blip r:embed="rId2"/>
+          <a:stretch>
+            <a:fillRect/>
+          </a:stretch>
+        </p:blipFill>
+        <p:spPr>
+          <a:xfrm>
+            <a:off x="834028" y="1392555"/>
+            <a:ext cx="7337778" cy="2286000"/>
+          </a:xfrm>
+          <a:prstGeom prst="rect">
+            <a:avLst/>
+          </a:prstGeom>
+        </p:spPr>
+      </p:pic>
+      <p:sp>
+        <p:nvSpPr>
+          <p:cNvPr id="6" name="TextBox 5"/>
+          <p:cNvSpPr txBox="1"/>
+          <p:nvPr/>
+        </p:nvSpPr>
+        <p:spPr>
+          <a:xfrm>
+            <a:off x="834028" y="3678555"/>
+            <a:ext cx="4405373" cy="369332"/>
+          </a:xfrm>
+          <a:prstGeom prst="rect">
+            <a:avLst/>
+          </a:prstGeom>
+          <a:noFill/>
+        </p:spPr>
+        <p:txBody>
+          <a:bodyPr wrap="none" rtlCol="0">
+            <a:spAutoFit/>
+          </a:bodyPr>
+          <a:lstStyle/>
+          <a:p>
+            <a:r>
+              <a:rPr lang="en-US" dirty="0" smtClean="0"/>
+              <a:t>MS gate control simulation uncertainties</a:t>
+            </a:r>
+            <a:endParaRPr lang="en-CA" dirty="0"/>
+          </a:p>
+        </p:txBody>
+      </p:sp>
+      <p:pic>
+        <p:nvPicPr>
+          <p:cNvPr id="7" name="Picture 6"/>
+          <p:cNvPicPr>
+            <a:picLocks noChangeAspect="1"/>
+          </p:cNvPicPr>
+          <p:nvPr/>
+        </p:nvPicPr>
+        <p:blipFill rotWithShape="1">
+          <a:blip r:embed="rId3"/>
+          <a:srcRect r="50007"/>
+          <a:stretch/>
+        </p:blipFill>
+        <p:spPr>
+          <a:xfrm>
+            <a:off x="910289" y="4047887"/>
+            <a:ext cx="4328462" cy="1190625"/>
+          </a:xfrm>
+          <a:prstGeom prst="rect">
+            <a:avLst/>
+          </a:prstGeom>
+        </p:spPr>
+      </p:pic>
+      <p:sp>
+        <p:nvSpPr>
+          <p:cNvPr id="8" name="TextBox 7"/>
+          <p:cNvSpPr txBox="1"/>
+          <p:nvPr/>
+        </p:nvSpPr>
+        <p:spPr>
+          <a:xfrm>
+            <a:off x="834027" y="5242044"/>
+            <a:ext cx="3671198" cy="369332"/>
+          </a:xfrm>
+          <a:prstGeom prst="rect">
+            <a:avLst/>
+          </a:prstGeom>
+          <a:noFill/>
+        </p:spPr>
+        <p:txBody>
+          <a:bodyPr wrap="none" rtlCol="0">
+            <a:spAutoFit/>
+          </a:bodyPr>
+          <a:lstStyle/>
+          <a:p>
+            <a:r>
+              <a:rPr lang="en-US" dirty="0" smtClean="0"/>
+              <a:t>MS timer simulation uncertainties</a:t>
+            </a:r>
+            <a:endParaRPr lang="en-CA" dirty="0"/>
+          </a:p>
+        </p:txBody>
+      </p:sp>
+      <p:pic>
+        <p:nvPicPr>
+          <p:cNvPr id="9" name="Picture 8"/>
+          <p:cNvPicPr>
+            <a:picLocks noChangeAspect="1"/>
+          </p:cNvPicPr>
+          <p:nvPr/>
+        </p:nvPicPr>
+        <p:blipFill>
+          <a:blip r:embed="rId4"/>
+          <a:stretch>
+            <a:fillRect/>
+          </a:stretch>
+        </p:blipFill>
+        <p:spPr>
+          <a:xfrm>
+            <a:off x="5434012" y="4047887"/>
+            <a:ext cx="5095875" cy="1552575"/>
+          </a:xfrm>
+          <a:prstGeom prst="rect">
+            <a:avLst/>
+          </a:prstGeom>
+        </p:spPr>
+      </p:pic>
+      <p:sp>
+        <p:nvSpPr>
+          <p:cNvPr id="10" name="TextBox 9"/>
+          <p:cNvSpPr txBox="1"/>
+          <p:nvPr/>
+        </p:nvSpPr>
+        <p:spPr>
+          <a:xfrm>
+            <a:off x="5339352" y="5611376"/>
+            <a:ext cx="5027338" cy="369332"/>
+          </a:xfrm>
+          <a:prstGeom prst="rect">
+            <a:avLst/>
+          </a:prstGeom>
+          <a:noFill/>
+        </p:spPr>
+        <p:txBody>
+          <a:bodyPr wrap="none" rtlCol="0">
+            <a:spAutoFit/>
+          </a:bodyPr>
+          <a:lstStyle/>
+          <a:p>
+            <a:r>
+              <a:rPr lang="en-US" dirty="0" smtClean="0"/>
+              <a:t>Underlying component of timer works properly</a:t>
+            </a:r>
+            <a:endParaRPr lang="en-CA" dirty="0"/>
+          </a:p>
+        </p:txBody>
+      </p:sp>
+    </p:spTree>
+    <p:extLst>
+      <p:ext uri="{BB962C8B-B14F-4D97-AF65-F5344CB8AC3E}">
+        <p14:creationId xmlns:p14="http://schemas.microsoft.com/office/powerpoint/2010/main" val="279144613"/>
+      </p:ext>
+    </p:extLst>
+  </p:cSld>
+  <p:clrMapOvr>
+    <a:masterClrMapping/>
+  </p:clrMapOvr>
+</p:sld>
+</file>
+
+<file path=ppt/slides/slide12.xml><?xml version="1.0" encoding="utf-8"?>
+<p:sld xmlns:a="http://schemas.openxmlformats.org/drawingml/2006/main" xmlns:r="http://schemas.openxmlformats.org/officeDocument/2006/relationships" xmlns:p="http://schemas.openxmlformats.org/presentationml/2006/main">
+  <p:cSld>
+    <p:spTree>
+      <p:nvGrpSpPr>
+        <p:cNvPr id="1" name=""/>
+        <p:cNvGrpSpPr/>
+        <p:nvPr/>
+      </p:nvGrpSpPr>
+      <p:grpSpPr>
+        <a:xfrm>
+          <a:off x="0" y="0"/>
+          <a:ext cx="0" cy="0"/>
+          <a:chOff x="0" y="0"/>
+          <a:chExt cx="0" cy="0"/>
+        </a:xfrm>
+      </p:grpSpPr>
+      <p:sp>
+        <p:nvSpPr>
+          <p:cNvPr id="2" name="Title 1"/>
+          <p:cNvSpPr>
+            <a:spLocks noGrp="1"/>
+          </p:cNvSpPr>
+          <p:nvPr>
+            <p:ph type="title"/>
+          </p:nvPr>
+        </p:nvSpPr>
+        <p:spPr/>
+        <p:txBody>
+          <a:bodyPr/>
+          <a:lstStyle/>
+          <a:p>
+            <a:r>
+              <a:rPr lang="en-US" dirty="0" smtClean="0"/>
+              <a:t>Lessons Learned</a:t>
+            </a:r>
+            <a:endParaRPr lang="en-CA" dirty="0"/>
+          </a:p>
+        </p:txBody>
+      </p:sp>
+      <p:sp>
+        <p:nvSpPr>
+          <p:cNvPr id="3" name="Content Placeholder 2"/>
+          <p:cNvSpPr>
+            <a:spLocks noGrp="1"/>
+          </p:cNvSpPr>
+          <p:nvPr>
+            <p:ph idx="1"/>
+          </p:nvPr>
+        </p:nvSpPr>
+        <p:spPr>
+          <a:xfrm>
+            <a:off x="677334" y="1493839"/>
+            <a:ext cx="8596668" cy="3880773"/>
+          </a:xfrm>
+        </p:spPr>
+        <p:txBody>
+          <a:bodyPr>
+            <a:noAutofit/>
+          </a:bodyPr>
+          <a:lstStyle/>
+          <a:p>
+            <a:r>
+              <a:rPr lang="en-US" sz="2600" dirty="0" smtClean="0"/>
+              <a:t>MS compiles differently than QP</a:t>
+            </a:r>
+          </a:p>
+          <a:p>
+            <a:r>
+              <a:rPr lang="en-US" sz="2600" dirty="0" smtClean="0"/>
+              <a:t>Things that work on MS may not work on QP and vice versa</a:t>
+            </a:r>
+          </a:p>
+          <a:p>
+            <a:r>
+              <a:rPr lang="en-US" sz="2600" dirty="0" smtClean="0"/>
+              <a:t>&lt;= may not always be appropriate for an always block</a:t>
+            </a:r>
+          </a:p>
+          <a:p>
+            <a:r>
+              <a:rPr lang="en-US" sz="2600" dirty="0" smtClean="0"/>
+              <a:t>Sometimes the board is the source of your problems</a:t>
+            </a:r>
+          </a:p>
+          <a:p>
+            <a:r>
+              <a:rPr lang="en-US" sz="2600" dirty="0" smtClean="0"/>
+              <a:t>Sometimes uncertain things in </a:t>
+            </a:r>
+            <a:r>
+              <a:rPr lang="en-US" sz="2600" dirty="0" smtClean="0"/>
+              <a:t>MS </a:t>
+            </a:r>
+            <a:r>
+              <a:rPr lang="en-US" sz="2600" dirty="0" smtClean="0"/>
+              <a:t>work on the board</a:t>
+            </a:r>
+          </a:p>
+        </p:txBody>
+      </p:sp>
+    </p:spTree>
+    <p:extLst>
+      <p:ext uri="{BB962C8B-B14F-4D97-AF65-F5344CB8AC3E}">
+        <p14:creationId xmlns:p14="http://schemas.microsoft.com/office/powerpoint/2010/main" val="4020251669"/>
+      </p:ext>
+    </p:extLst>
+  </p:cSld>
+  <p:clrMapOvr>
+    <a:masterClrMapping/>
+  </p:clrMapOvr>
+</p:sld>
+</file>
+
 <file path=ppt/slides/slide2.xml><?xml version="1.0" encoding="utf-8"?>
 <p:sld xmlns:a="http://schemas.openxmlformats.org/drawingml/2006/main" xmlns:r="http://schemas.openxmlformats.org/officeDocument/2006/relationships" xmlns:p="http://schemas.openxmlformats.org/presentationml/2006/main">
   <p:cSld>
@@ -6061,11 +6561,7 @@
           <a:p>
             <a:r>
               <a:rPr lang="en-US" dirty="0" smtClean="0"/>
-              <a:t>Block </a:t>
-            </a:r>
-            <a:r>
-              <a:rPr lang="en-US" dirty="0" smtClean="0"/>
-              <a:t>Diagram - Timer</a:t>
+              <a:t>Block Diagram - Timer</a:t>
             </a:r>
             <a:endParaRPr lang="en-CA" dirty="0"/>
           </a:p>
@@ -7396,11 +7892,7 @@
           <a:p>
             <a:r>
               <a:rPr lang="en-US" dirty="0" smtClean="0"/>
-              <a:t>Block </a:t>
-            </a:r>
-            <a:r>
-              <a:rPr lang="en-US" dirty="0" smtClean="0"/>
-              <a:t>Diagram – Gate Selector</a:t>
+              <a:t>Block Diagram – Gate Selector</a:t>
             </a:r>
             <a:endParaRPr lang="en-CA" dirty="0"/>
           </a:p>
@@ -8221,11 +8713,7 @@
           <a:p>
             <a:r>
               <a:rPr lang="en-US" dirty="0" smtClean="0"/>
-              <a:t>Block </a:t>
-            </a:r>
-            <a:r>
-              <a:rPr lang="en-US" dirty="0" smtClean="0"/>
-              <a:t>Diagram – Gate Control</a:t>
+              <a:t>Block Diagram – Gate Control</a:t>
             </a:r>
             <a:endParaRPr lang="en-CA" dirty="0"/>
           </a:p>
@@ -9305,11 +9793,7 @@
           <a:p>
             <a:r>
               <a:rPr lang="en-US" dirty="0" smtClean="0"/>
-              <a:t>Block </a:t>
-            </a:r>
-            <a:r>
-              <a:rPr lang="en-US" dirty="0" smtClean="0"/>
-              <a:t>Diagram – VGA FSM (NYI)</a:t>
+              <a:t>Block Diagram – VGA FSM (NYI)</a:t>
             </a:r>
             <a:endParaRPr lang="en-CA" dirty="0"/>
           </a:p>
@@ -10762,7 +11246,7 @@
           <a:p>
             <a:r>
               <a:rPr lang="en-US" dirty="0" smtClean="0"/>
-              <a:t>Difficulties</a:t>
+              <a:t>Difficulties (first milestone)</a:t>
             </a:r>
             <a:endParaRPr lang="en-CA" dirty="0"/>
           </a:p>
@@ -10778,54 +11262,75 @@
             <p:ph idx="1"/>
           </p:nvPr>
         </p:nvSpPr>
-        <p:spPr/>
-        <p:txBody>
-          <a:bodyPr/>
+        <p:spPr>
+          <a:xfrm>
+            <a:off x="677334" y="1617664"/>
+            <a:ext cx="8596668" cy="3880773"/>
+          </a:xfrm>
+        </p:spPr>
+        <p:txBody>
+          <a:bodyPr>
+            <a:noAutofit/>
+          </a:bodyPr>
           <a:lstStyle/>
           <a:p>
             <a:r>
-              <a:rPr lang="en-US" dirty="0" smtClean="0"/>
+              <a:rPr lang="en-US" sz="2400" dirty="0" smtClean="0"/>
               <a:t>Board switches were inconsistent</a:t>
             </a:r>
           </a:p>
           <a:p>
-            <a:r>
-              <a:rPr lang="en-US" dirty="0" smtClean="0"/>
-              <a:t>Timer odd-second skip issue (&lt;= vs. = assignment)</a:t>
-            </a:r>
-          </a:p>
-          <a:p>
-            <a:r>
-              <a:rPr lang="en-US" dirty="0" smtClean="0"/>
-              <a:t>Getting our background on the VGA</a:t>
-            </a:r>
-          </a:p>
-          <a:p>
-            <a:r>
-              <a:rPr lang="en-US" dirty="0" smtClean="0"/>
-              <a:t>Having to edit code to work on QP even though it worked on MS</a:t>
-            </a:r>
-          </a:p>
-          <a:p>
-            <a:r>
-              <a:rPr lang="en-US" dirty="0" smtClean="0"/>
-              <a:t>Not being able to simulate certain things on MS</a:t>
-            </a:r>
-          </a:p>
-          <a:p>
-            <a:r>
-              <a:rPr lang="en-US" dirty="0" smtClean="0"/>
-              <a:t>Uncertain MS simulations that work fine on the board</a:t>
-            </a:r>
-          </a:p>
-          <a:p>
-            <a:endParaRPr lang="en-US" dirty="0" smtClean="0"/>
-          </a:p>
-          <a:p>
-            <a:endParaRPr lang="en-US" dirty="0" smtClean="0"/>
-          </a:p>
-          <a:p>
-            <a:endParaRPr lang="en-US" dirty="0" smtClean="0"/>
+            <a:pPr lvl="1"/>
+            <a:r>
+              <a:rPr lang="en-US" sz="2000" dirty="0" smtClean="0"/>
+              <a:t>Made testing the gate select difficult</a:t>
+            </a:r>
+          </a:p>
+          <a:p>
+            <a:r>
+              <a:rPr lang="en-US" sz="2400" dirty="0" smtClean="0"/>
+              <a:t>Timer odd-second skip issue</a:t>
+            </a:r>
+          </a:p>
+          <a:p>
+            <a:pPr lvl="1"/>
+            <a:r>
+              <a:rPr lang="en-US" sz="2000" dirty="0" smtClean="0"/>
+              <a:t>Timer would skip every odd second (e.g. 37 sec -&gt; 35 sec -&gt; …)</a:t>
+            </a:r>
+          </a:p>
+          <a:p>
+            <a:r>
+              <a:rPr lang="en-US" sz="2400" dirty="0" smtClean="0"/>
+              <a:t>Not being able to properly simulate the timer in MS</a:t>
+            </a:r>
+          </a:p>
+          <a:p>
+            <a:pPr lvl="1"/>
+            <a:r>
+              <a:rPr lang="en-US" sz="2000" dirty="0" smtClean="0"/>
+              <a:t>Timer values were completely uncertain in MS but the timer actually worked on the board</a:t>
+            </a:r>
+          </a:p>
+          <a:p>
+            <a:pPr lvl="1"/>
+            <a:r>
+              <a:rPr lang="en-US" sz="2000" dirty="0" smtClean="0"/>
+              <a:t>Meant we could only do our testing and editing during lab hours</a:t>
+            </a:r>
+          </a:p>
+          <a:p>
+            <a:r>
+              <a:rPr lang="en-US" sz="2400" dirty="0" smtClean="0"/>
+              <a:t>MS compiles differently compared to QP</a:t>
+            </a:r>
+          </a:p>
+          <a:p>
+            <a:pPr lvl="1"/>
+            <a:r>
+              <a:rPr lang="en-US" sz="2000" dirty="0" smtClean="0"/>
+              <a:t>We had to edit code that compiled in MS in order for it to compile in QP</a:t>
+            </a:r>
           </a:p>
         </p:txBody>
       </p:sp>
@@ -10876,7 +11381,7 @@
           <a:p>
             <a:r>
               <a:rPr lang="en-US" dirty="0" smtClean="0"/>
-              <a:t>Lessons Learned</a:t>
+              <a:t>Difficulties (second milestone)</a:t>
             </a:r>
             <a:endParaRPr lang="en-CA" dirty="0"/>
           </a:p>
@@ -10892,7 +11397,12 @@
             <p:ph idx="1"/>
           </p:nvPr>
         </p:nvSpPr>
-        <p:spPr/>
+        <p:spPr>
+          <a:xfrm>
+            <a:off x="677334" y="1608139"/>
+            <a:ext cx="8596668" cy="3880773"/>
+          </a:xfrm>
+        </p:spPr>
         <p:txBody>
           <a:bodyPr>
             <a:noAutofit/>
@@ -10900,48 +11410,59 @@
           <a:lstStyle/>
           <a:p>
             <a:r>
+              <a:rPr lang="en-US" sz="2800" dirty="0" smtClean="0"/>
+              <a:t>Timer odd-second skip issue was still occurring</a:t>
+            </a:r>
+          </a:p>
+          <a:p>
+            <a:pPr lvl="1"/>
+            <a:r>
+              <a:rPr lang="en-US" sz="2400" dirty="0" smtClean="0"/>
+              <a:t>Managed to fix it by changing &lt;= to = for assignments in an always block (???)</a:t>
+            </a:r>
+          </a:p>
+          <a:p>
+            <a:r>
+              <a:rPr lang="en-US" sz="2800" dirty="0" smtClean="0"/>
+              <a:t>Getting our background loaded on to the </a:t>
+            </a:r>
+            <a:r>
+              <a:rPr lang="en-US" sz="2800" dirty="0" smtClean="0"/>
+              <a:t>VGA</a:t>
+            </a:r>
+          </a:p>
+          <a:p>
+            <a:pPr lvl="1"/>
+            <a:r>
               <a:rPr lang="en-US" sz="2600" dirty="0" smtClean="0"/>
-              <a:t>MS compiles differently than QP</a:t>
-            </a:r>
-          </a:p>
-          <a:p>
+              <a:t>Had some misunderstandings about the maximum resolution allowed</a:t>
+            </a:r>
+            <a:endParaRPr lang="en-US" sz="2600" dirty="0" smtClean="0"/>
+          </a:p>
+          <a:p>
+            <a:r>
+              <a:rPr lang="en-US" sz="2800" dirty="0" smtClean="0"/>
+              <a:t>Figuring out how to properly draw things on the </a:t>
+            </a:r>
+            <a:r>
+              <a:rPr lang="en-US" sz="2800" dirty="0" smtClean="0"/>
+              <a:t>VGA</a:t>
+            </a:r>
+          </a:p>
+          <a:p>
+            <a:pPr lvl="1"/>
             <a:r>
               <a:rPr lang="en-US" sz="2600" dirty="0" smtClean="0"/>
-              <a:t>Things that work on MS may not work on QP and vice versa</a:t>
-            </a:r>
-          </a:p>
-          <a:p>
-            <a:r>
-              <a:rPr lang="en-US" sz="2600" dirty="0" smtClean="0"/>
-              <a:t>&lt;= may not always be appropriate for an always block</a:t>
-            </a:r>
-          </a:p>
-          <a:p>
-            <a:r>
-              <a:rPr lang="en-US" sz="2600" dirty="0" smtClean="0"/>
-              <a:t>Sometimes the board is the source of your problems</a:t>
-            </a:r>
-          </a:p>
-          <a:p>
-            <a:r>
-              <a:rPr lang="en-US" sz="2600" dirty="0" smtClean="0"/>
-              <a:t>Sometimes uncertain things in </a:t>
-            </a:r>
-            <a:r>
-              <a:rPr lang="en-US" sz="2600" dirty="0" err="1" smtClean="0"/>
-              <a:t>ModelSim</a:t>
-            </a:r>
-            <a:r>
-              <a:rPr lang="en-US" sz="2600" dirty="0" smtClean="0"/>
-              <a:t> work on the board</a:t>
-            </a:r>
+              <a:t>Stuff can’t be drawn in parallel!</a:t>
+            </a:r>
+            <a:endParaRPr lang="en-US" sz="2600" dirty="0" smtClean="0"/>
           </a:p>
         </p:txBody>
       </p:sp>
     </p:spTree>
     <p:extLst>
       <p:ext uri="{BB962C8B-B14F-4D97-AF65-F5344CB8AC3E}">
-        <p14:creationId xmlns:p14="http://schemas.microsoft.com/office/powerpoint/2010/main" val="4020251669"/>
+        <p14:creationId xmlns:p14="http://schemas.microsoft.com/office/powerpoint/2010/main" val="2570993510"/>
       </p:ext>
     </p:extLst>
   </p:cSld>

--- a/CSC258 Project Presentation.pptx
+++ b/CSC258 Project Presentation.pptx
@@ -17,6 +17,7 @@
     <p:sldId id="266" r:id="rId11"/>
     <p:sldId id="267" r:id="rId12"/>
     <p:sldId id="260" r:id="rId13"/>
+    <p:sldId id="268" r:id="rId14"/>
   </p:sldIdLst>
   <p:sldSz cx="12192000" cy="6858000"/>
   <p:notesSz cx="6858000" cy="9144000"/>
@@ -6370,15 +6371,7 @@
           <a:p>
             <a:r>
               <a:rPr lang="en-US" sz="2600" dirty="0" smtClean="0"/>
-              <a:t>Sometimes uncertain things in </a:t>
-            </a:r>
-            <a:r>
-              <a:rPr lang="en-US" sz="2600" dirty="0" smtClean="0"/>
-              <a:t>MS </a:t>
-            </a:r>
-            <a:r>
-              <a:rPr lang="en-US" sz="2600" dirty="0" smtClean="0"/>
-              <a:t>work on the board</a:t>
+              <a:t>Sometimes uncertain things in MS work on the board</a:t>
             </a:r>
           </a:p>
         </p:txBody>
@@ -6387,6 +6380,296 @@
     <p:extLst>
       <p:ext uri="{BB962C8B-B14F-4D97-AF65-F5344CB8AC3E}">
         <p14:creationId xmlns:p14="http://schemas.microsoft.com/office/powerpoint/2010/main" val="4020251669"/>
+      </p:ext>
+    </p:extLst>
+  </p:cSld>
+  <p:clrMapOvr>
+    <a:masterClrMapping/>
+  </p:clrMapOvr>
+</p:sld>
+</file>
+
+<file path=ppt/slides/slide13.xml><?xml version="1.0" encoding="utf-8"?>
+<p:sld xmlns:a="http://schemas.openxmlformats.org/drawingml/2006/main" xmlns:r="http://schemas.openxmlformats.org/officeDocument/2006/relationships" xmlns:p="http://schemas.openxmlformats.org/presentationml/2006/main">
+  <p:cSld>
+    <p:spTree>
+      <p:nvGrpSpPr>
+        <p:cNvPr id="1" name=""/>
+        <p:cNvGrpSpPr/>
+        <p:nvPr/>
+      </p:nvGrpSpPr>
+      <p:grpSpPr>
+        <a:xfrm>
+          <a:off x="0" y="0"/>
+          <a:ext cx="0" cy="0"/>
+          <a:chOff x="0" y="0"/>
+          <a:chExt cx="0" cy="0"/>
+        </a:xfrm>
+      </p:grpSpPr>
+      <p:sp>
+        <p:nvSpPr>
+          <p:cNvPr id="2" name="Title 1"/>
+          <p:cNvSpPr>
+            <a:spLocks noGrp="1"/>
+          </p:cNvSpPr>
+          <p:nvPr>
+            <p:ph type="title"/>
+          </p:nvPr>
+        </p:nvSpPr>
+        <p:spPr/>
+        <p:txBody>
+          <a:bodyPr/>
+          <a:lstStyle/>
+          <a:p>
+            <a:r>
+              <a:rPr lang="en-US" dirty="0" smtClean="0"/>
+              <a:t>Component Authorship</a:t>
+            </a:r>
+            <a:endParaRPr lang="en-CA" dirty="0"/>
+          </a:p>
+        </p:txBody>
+      </p:sp>
+      <p:graphicFrame>
+        <p:nvGraphicFramePr>
+          <p:cNvPr id="6" name="Table 5"/>
+          <p:cNvGraphicFramePr>
+            <a:graphicFrameLocks noGrp="1"/>
+          </p:cNvGraphicFramePr>
+          <p:nvPr>
+            <p:extLst>
+              <p:ext uri="{D42A27DB-BD31-4B8C-83A1-F6EECF244321}">
+                <p14:modId xmlns:p14="http://schemas.microsoft.com/office/powerpoint/2010/main" val="3286368292"/>
+              </p:ext>
+            </p:extLst>
+          </p:nvPr>
+        </p:nvGraphicFramePr>
+        <p:xfrm>
+          <a:off x="677334" y="1371600"/>
+          <a:ext cx="8127999" cy="3657600"/>
+        </p:xfrm>
+        <a:graphic>
+          <a:graphicData uri="http://schemas.openxmlformats.org/drawingml/2006/table">
+            <a:tbl>
+              <a:tblPr firstRow="1" bandRow="1">
+                <a:tableStyleId>{5C22544A-7EE6-4342-B048-85BDC9FD1C3A}</a:tableStyleId>
+              </a:tblPr>
+              <a:tblGrid>
+                <a:gridCol w="2709333"/>
+                <a:gridCol w="2709333"/>
+                <a:gridCol w="2709333"/>
+              </a:tblGrid>
+              <a:tr h="370840">
+                <a:tc>
+                  <a:txBody>
+                    <a:bodyPr/>
+                    <a:lstStyle/>
+                    <a:p>
+                      <a:r>
+                        <a:rPr lang="en-US" sz="2400" dirty="0" smtClean="0"/>
+                        <a:t>Milestone</a:t>
+                      </a:r>
+                      <a:r>
+                        <a:rPr lang="en-US" sz="2400" baseline="0" dirty="0" smtClean="0"/>
+                        <a:t> / Lab</a:t>
+                      </a:r>
+                      <a:endParaRPr lang="en-CA" sz="2400" dirty="0"/>
+                    </a:p>
+                  </a:txBody>
+                  <a:tcPr/>
+                </a:tc>
+                <a:tc>
+                  <a:txBody>
+                    <a:bodyPr/>
+                    <a:lstStyle/>
+                    <a:p>
+                      <a:r>
+                        <a:rPr lang="en-US" sz="2400" dirty="0" smtClean="0"/>
+                        <a:t>Filip Tomin</a:t>
+                      </a:r>
+                      <a:endParaRPr lang="en-CA" sz="2400" dirty="0"/>
+                    </a:p>
+                  </a:txBody>
+                  <a:tcPr/>
+                </a:tc>
+                <a:tc>
+                  <a:txBody>
+                    <a:bodyPr/>
+                    <a:lstStyle/>
+                    <a:p>
+                      <a:r>
+                        <a:rPr lang="en-US" sz="2400" dirty="0" smtClean="0"/>
+                        <a:t>Brendan Neal</a:t>
+                      </a:r>
+                      <a:endParaRPr lang="en-CA" sz="2400" dirty="0"/>
+                    </a:p>
+                  </a:txBody>
+                  <a:tcPr/>
+                </a:tc>
+              </a:tr>
+              <a:tr h="370840">
+                <a:tc>
+                  <a:txBody>
+                    <a:bodyPr/>
+                    <a:lstStyle/>
+                    <a:p>
+                      <a:r>
+                        <a:rPr lang="en-US" sz="2400" dirty="0" smtClean="0"/>
+                        <a:t>First</a:t>
+                      </a:r>
+                      <a:endParaRPr lang="en-CA" sz="2400" dirty="0"/>
+                    </a:p>
+                  </a:txBody>
+                  <a:tcPr/>
+                </a:tc>
+                <a:tc>
+                  <a:txBody>
+                    <a:bodyPr/>
+                    <a:lstStyle/>
+                    <a:p>
+                      <a:r>
+                        <a:rPr lang="en-US" sz="2400" dirty="0" smtClean="0"/>
+                        <a:t>Gate Selection</a:t>
+                      </a:r>
+                      <a:endParaRPr lang="en-CA" sz="2400" dirty="0"/>
+                    </a:p>
+                  </a:txBody>
+                  <a:tcPr/>
+                </a:tc>
+                <a:tc>
+                  <a:txBody>
+                    <a:bodyPr/>
+                    <a:lstStyle/>
+                    <a:p>
+                      <a:r>
+                        <a:rPr lang="en-US" sz="2400" dirty="0" smtClean="0"/>
+                        <a:t>Timer</a:t>
+                      </a:r>
+                      <a:endParaRPr lang="en-CA" sz="2400" dirty="0"/>
+                    </a:p>
+                  </a:txBody>
+                  <a:tcPr/>
+                </a:tc>
+              </a:tr>
+              <a:tr h="370840">
+                <a:tc>
+                  <a:txBody>
+                    <a:bodyPr/>
+                    <a:lstStyle/>
+                    <a:p>
+                      <a:r>
+                        <a:rPr lang="en-US" sz="2400" dirty="0" smtClean="0"/>
+                        <a:t>Second</a:t>
+                      </a:r>
+                      <a:endParaRPr lang="en-CA" sz="2400" dirty="0"/>
+                    </a:p>
+                  </a:txBody>
+                  <a:tcPr/>
+                </a:tc>
+                <a:tc>
+                  <a:txBody>
+                    <a:bodyPr/>
+                    <a:lstStyle/>
+                    <a:p>
+                      <a:r>
+                        <a:rPr lang="en-US" sz="2400" dirty="0" smtClean="0"/>
+                        <a:t>Fixing</a:t>
+                      </a:r>
+                      <a:r>
+                        <a:rPr lang="en-US" sz="2400" baseline="0" dirty="0" smtClean="0"/>
+                        <a:t> timer</a:t>
+                      </a:r>
+                      <a:endParaRPr lang="en-CA" sz="2400" dirty="0"/>
+                    </a:p>
+                  </a:txBody>
+                  <a:tcPr/>
+                </a:tc>
+                <a:tc>
+                  <a:txBody>
+                    <a:bodyPr/>
+                    <a:lstStyle/>
+                    <a:p>
+                      <a:r>
+                        <a:rPr lang="en-US" sz="2400" dirty="0" smtClean="0"/>
+                        <a:t>VGA (code and </a:t>
+                      </a:r>
+                      <a:r>
+                        <a:rPr lang="en-US" sz="2400" dirty="0" err="1" smtClean="0"/>
+                        <a:t>mif</a:t>
+                      </a:r>
+                      <a:r>
+                        <a:rPr lang="en-US" sz="2400" baseline="0" dirty="0" smtClean="0"/>
+                        <a:t> image)</a:t>
+                      </a:r>
+                      <a:endParaRPr lang="en-CA" sz="2400" dirty="0"/>
+                    </a:p>
+                  </a:txBody>
+                  <a:tcPr/>
+                </a:tc>
+              </a:tr>
+              <a:tr h="370840">
+                <a:tc>
+                  <a:txBody>
+                    <a:bodyPr/>
+                    <a:lstStyle/>
+                    <a:p>
+                      <a:r>
+                        <a:rPr lang="en-US" sz="2400" dirty="0" smtClean="0"/>
+                        <a:t>Third</a:t>
+                      </a:r>
+                      <a:endParaRPr lang="en-CA" sz="2400" dirty="0"/>
+                    </a:p>
+                  </a:txBody>
+                  <a:tcPr/>
+                </a:tc>
+                <a:tc>
+                  <a:txBody>
+                    <a:bodyPr/>
+                    <a:lstStyle/>
+                    <a:p>
+                      <a:r>
+                        <a:rPr lang="en-US" sz="2400" dirty="0" smtClean="0"/>
+                        <a:t>Random Generation and VGA, </a:t>
+                      </a:r>
+                      <a:r>
+                        <a:rPr lang="en-US" sz="2400" dirty="0" err="1" smtClean="0"/>
+                        <a:t>AbstractGateControl</a:t>
+                      </a:r>
+                      <a:endParaRPr lang="en-CA" sz="2400" dirty="0"/>
+                    </a:p>
+                  </a:txBody>
+                  <a:tcPr/>
+                </a:tc>
+                <a:tc>
+                  <a:txBody>
+                    <a:bodyPr/>
+                    <a:lstStyle/>
+                    <a:p>
+                      <a:r>
+                        <a:rPr lang="en-US" sz="2400" dirty="0" smtClean="0"/>
+                        <a:t>VGA,</a:t>
+                      </a:r>
+                      <a:r>
+                        <a:rPr lang="en-US" sz="2400" baseline="0" dirty="0" smtClean="0"/>
+                        <a:t> </a:t>
+                      </a:r>
+                      <a:r>
+                        <a:rPr lang="en-US" sz="2400" baseline="0" dirty="0" err="1" smtClean="0"/>
+                        <a:t>DemoGateControl</a:t>
+                      </a:r>
+                      <a:endParaRPr lang="en-CA" sz="2400" dirty="0"/>
+                    </a:p>
+                  </a:txBody>
+                  <a:tcPr/>
+                </a:tc>
+              </a:tr>
+            </a:tbl>
+          </a:graphicData>
+        </a:graphic>
+      </p:graphicFrame>
+    </p:spTree>
+    <p:extLst>
+      <p:ext uri="{BB962C8B-B14F-4D97-AF65-F5344CB8AC3E}">
+        <p14:creationId xmlns:p14="http://schemas.microsoft.com/office/powerpoint/2010/main" val="194288053"/>
       </p:ext>
     </p:extLst>
   </p:cSld>
@@ -11159,8 +11442,9 @@
             <a:pPr lvl="1"/>
             <a:r>
               <a:rPr lang="en-US" sz="2800" dirty="0" smtClean="0"/>
-              <a:t>Looks cool</a:t>
-            </a:r>
+              <a:t>Designed with modularity in mind – can be changed to any time limit!</a:t>
+            </a:r>
+            <a:endParaRPr lang="en-US" sz="2800" dirty="0" smtClean="0"/>
           </a:p>
           <a:p>
             <a:pPr lvl="1"/>
@@ -11424,11 +11708,7 @@
           <a:p>
             <a:r>
               <a:rPr lang="en-US" sz="2800" dirty="0" smtClean="0"/>
-              <a:t>Getting our background loaded on to the </a:t>
-            </a:r>
-            <a:r>
-              <a:rPr lang="en-US" sz="2800" dirty="0" smtClean="0"/>
-              <a:t>VGA</a:t>
+              <a:t>Getting our background loaded on to the VGA</a:t>
             </a:r>
           </a:p>
           <a:p>
@@ -11437,16 +11717,11 @@
               <a:rPr lang="en-US" sz="2600" dirty="0" smtClean="0"/>
               <a:t>Had some misunderstandings about the maximum resolution allowed</a:t>
             </a:r>
-            <a:endParaRPr lang="en-US" sz="2600" dirty="0" smtClean="0"/>
           </a:p>
           <a:p>
             <a:r>
               <a:rPr lang="en-US" sz="2800" dirty="0" smtClean="0"/>
-              <a:t>Figuring out how to properly draw things on the </a:t>
-            </a:r>
-            <a:r>
-              <a:rPr lang="en-US" sz="2800" dirty="0" smtClean="0"/>
-              <a:t>VGA</a:t>
+              <a:t>Figuring out how to properly draw things on the VGA</a:t>
             </a:r>
           </a:p>
           <a:p>
@@ -11455,7 +11730,6 @@
               <a:rPr lang="en-US" sz="2600" dirty="0" smtClean="0"/>
               <a:t>Stuff can’t be drawn in parallel!</a:t>
             </a:r>
-            <a:endParaRPr lang="en-US" sz="2600" dirty="0" smtClean="0"/>
           </a:p>
         </p:txBody>
       </p:sp>

--- a/CSC258 Project Presentation.pptx
+++ b/CSC258 Project Presentation.pptx
@@ -11444,7 +11444,6 @@
               <a:rPr lang="en-US" sz="2800" dirty="0" smtClean="0"/>
               <a:t>Designed with modularity in mind – can be changed to any time limit!</a:t>
             </a:r>
-            <a:endParaRPr lang="en-US" sz="2800" dirty="0" smtClean="0"/>
           </a:p>
           <a:p>
             <a:pPr lvl="1"/>
@@ -11580,7 +11579,27 @@
             <a:pPr lvl="1"/>
             <a:r>
               <a:rPr lang="en-US" sz="2000" dirty="0" smtClean="0"/>
-              <a:t>Timer would skip every odd second (e.g. 37 sec -&gt; 35 sec -&gt; …)</a:t>
+              <a:t>Timer would skip every odd second (e.g. </a:t>
+            </a:r>
+            <a:r>
+              <a:rPr lang="en-US" sz="2000" smtClean="0"/>
+              <a:t>38 </a:t>
+            </a:r>
+            <a:r>
+              <a:rPr lang="en-US" sz="2000" dirty="0" smtClean="0"/>
+              <a:t>sec </a:t>
+            </a:r>
+            <a:r>
+              <a:rPr lang="en-US" sz="2000" smtClean="0"/>
+              <a:t>-&gt; </a:t>
+            </a:r>
+            <a:r>
+              <a:rPr lang="en-US" sz="2000" smtClean="0"/>
+              <a:t>36 </a:t>
+            </a:r>
+            <a:r>
+              <a:rPr lang="en-US" sz="2000" dirty="0" smtClean="0"/>
+              <a:t>sec -&gt; …)</a:t>
             </a:r>
           </a:p>
           <a:p>
